--- a/docs/How to deploy an ML model with an API on AWS Lamba.pptx
+++ b/docs/How to deploy an ML model with an API on AWS Lamba.pptx
@@ -26,36 +26,20 @@
     <p:sldId id="271" r:id="rId21"/>
     <p:sldId id="272" r:id="rId22"/>
     <p:sldId id="273" r:id="rId23"/>
-    <p:sldId id="274" r:id="rId24"/>
-    <p:sldId id="275" r:id="rId25"/>
-    <p:sldId id="276" r:id="rId26"/>
-    <p:sldId id="277" r:id="rId27"/>
-    <p:sldId id="278" r:id="rId28"/>
-    <p:sldId id="279" r:id="rId29"/>
-    <p:sldId id="280" r:id="rId30"/>
-    <p:sldId id="281" r:id="rId31"/>
-    <p:sldId id="282" r:id="rId32"/>
-    <p:sldId id="283" r:id="rId33"/>
-    <p:sldId id="284" r:id="rId34"/>
-    <p:sldId id="285" r:id="rId35"/>
-    <p:sldId id="286" r:id="rId36"/>
-    <p:sldId id="287" r:id="rId37"/>
-    <p:sldId id="288" r:id="rId38"/>
-    <p:sldId id="289" r:id="rId39"/>
   </p:sldIdLst>
   <p:sldSz cy="5143500" cx="9144000"/>
   <p:notesSz cx="6858000" cy="9144000"/>
   <p:embeddedFontLst>
     <p:embeddedFont>
       <p:font typeface="Proxima Nova"/>
-      <p:regular r:id="rId40"/>
-      <p:bold r:id="rId41"/>
-      <p:italic r:id="rId42"/>
-      <p:boldItalic r:id="rId43"/>
+      <p:regular r:id="rId24"/>
+      <p:bold r:id="rId25"/>
+      <p:italic r:id="rId26"/>
+      <p:boldItalic r:id="rId27"/>
     </p:embeddedFont>
     <p:embeddedFont>
       <p:font typeface="Special Elite"/>
-      <p:regular r:id="rId44"/>
+      <p:regular r:id="rId28"/>
     </p:embeddedFont>
   </p:embeddedFontLst>
   <p:defaultTextStyle>
@@ -836,7 +820,7 @@
   <p:cSld>
     <p:spTree>
       <p:nvGrpSpPr>
-        <p:cNvPr id="137" name="Shape 137"/>
+        <p:cNvPr id="136" name="Shape 136"/>
         <p:cNvGrpSpPr/>
         <p:nvPr/>
       </p:nvGrpSpPr>
@@ -850,7 +834,7 @@
       </p:grpSpPr>
       <p:sp>
         <p:nvSpPr>
-          <p:cNvPr id="138" name="Google Shape;138;g25c187a12a8_1_20:notes"/>
+          <p:cNvPr id="137" name="Google Shape;137;g25c187a12a8_1_20:notes"/>
           <p:cNvSpPr/>
           <p:nvPr>
             <p:ph idx="2" type="sldImg"/>
@@ -885,7 +869,7 @@
       </p:sp>
       <p:sp>
         <p:nvSpPr>
-          <p:cNvPr id="139" name="Google Shape;139;g25c187a12a8_1_20:notes"/>
+          <p:cNvPr id="138" name="Google Shape;138;g25c187a12a8_1_20:notes"/>
           <p:cNvSpPr txBox="1"/>
           <p:nvPr>
             <p:ph idx="1" type="body"/>
@@ -935,7 +919,7 @@
   <p:cSld>
     <p:spTree>
       <p:nvGrpSpPr>
-        <p:cNvPr id="145" name="Shape 145"/>
+        <p:cNvPr id="144" name="Shape 144"/>
         <p:cNvGrpSpPr/>
         <p:nvPr/>
       </p:nvGrpSpPr>
@@ -949,7 +933,7 @@
       </p:grpSpPr>
       <p:sp>
         <p:nvSpPr>
-          <p:cNvPr id="146" name="Google Shape;146;g25de1d07f2a_0_91:notes"/>
+          <p:cNvPr id="145" name="Google Shape;145;g25de1d07f2a_0_91:notes"/>
           <p:cNvSpPr/>
           <p:nvPr>
             <p:ph idx="2" type="sldImg"/>
@@ -984,7 +968,7 @@
       </p:sp>
       <p:sp>
         <p:nvSpPr>
-          <p:cNvPr id="147" name="Google Shape;147;g25de1d07f2a_0_91:notes"/>
+          <p:cNvPr id="146" name="Google Shape;146;g25de1d07f2a_0_91:notes"/>
           <p:cNvSpPr txBox="1"/>
           <p:nvPr>
             <p:ph idx="1" type="body"/>
@@ -1034,7 +1018,7 @@
   <p:cSld>
     <p:spTree>
       <p:nvGrpSpPr>
-        <p:cNvPr id="151" name="Shape 151"/>
+        <p:cNvPr id="150" name="Shape 150"/>
         <p:cNvGrpSpPr/>
         <p:nvPr/>
       </p:nvGrpSpPr>
@@ -1048,7 +1032,7 @@
       </p:grpSpPr>
       <p:sp>
         <p:nvSpPr>
-          <p:cNvPr id="152" name="Google Shape;152;g25de1d07f2a_0_106:notes"/>
+          <p:cNvPr id="151" name="Google Shape;151;g25ec3e42ff6_0_27:notes"/>
           <p:cNvSpPr/>
           <p:nvPr>
             <p:ph idx="2" type="sldImg"/>
@@ -1083,7 +1067,7 @@
       </p:sp>
       <p:sp>
         <p:nvSpPr>
-          <p:cNvPr id="153" name="Google Shape;153;g25de1d07f2a_0_106:notes"/>
+          <p:cNvPr id="152" name="Google Shape;152;g25ec3e42ff6_0_27:notes"/>
           <p:cNvSpPr txBox="1"/>
           <p:nvPr>
             <p:ph idx="1" type="body"/>
@@ -1133,7 +1117,7 @@
   <p:cSld>
     <p:spTree>
       <p:nvGrpSpPr>
-        <p:cNvPr id="157" name="Shape 157"/>
+        <p:cNvPr id="156" name="Shape 156"/>
         <p:cNvGrpSpPr/>
         <p:nvPr/>
       </p:nvGrpSpPr>
@@ -1147,7 +1131,7 @@
       </p:grpSpPr>
       <p:sp>
         <p:nvSpPr>
-          <p:cNvPr id="158" name="Google Shape;158;g231749bb42b_1_5:notes"/>
+          <p:cNvPr id="157" name="Google Shape;157;g25de1d07f2a_0_106:notes"/>
           <p:cNvSpPr/>
           <p:nvPr>
             <p:ph idx="2" type="sldImg"/>
@@ -1182,7 +1166,7 @@
       </p:sp>
       <p:sp>
         <p:nvSpPr>
-          <p:cNvPr id="159" name="Google Shape;159;g231749bb42b_1_5:notes"/>
+          <p:cNvPr id="158" name="Google Shape;158;g25de1d07f2a_0_106:notes"/>
           <p:cNvSpPr txBox="1"/>
           <p:nvPr>
             <p:ph idx="1" type="body"/>
@@ -1232,7 +1216,7 @@
   <p:cSld>
     <p:spTree>
       <p:nvGrpSpPr>
-        <p:cNvPr id="163" name="Shape 163"/>
+        <p:cNvPr id="165" name="Shape 165"/>
         <p:cNvGrpSpPr/>
         <p:nvPr/>
       </p:nvGrpSpPr>
@@ -1246,7 +1230,7 @@
       </p:grpSpPr>
       <p:sp>
         <p:nvSpPr>
-          <p:cNvPr id="164" name="Google Shape;164;g231749bb42b_1_21:notes"/>
+          <p:cNvPr id="166" name="Google Shape;166;g25de1d07f2a_0_100:notes"/>
           <p:cNvSpPr/>
           <p:nvPr>
             <p:ph idx="2" type="sldImg"/>
@@ -1281,7 +1265,7 @@
       </p:sp>
       <p:sp>
         <p:nvSpPr>
-          <p:cNvPr id="165" name="Google Shape;165;g231749bb42b_1_21:notes"/>
+          <p:cNvPr id="167" name="Google Shape;167;g25de1d07f2a_0_100:notes"/>
           <p:cNvSpPr txBox="1"/>
           <p:nvPr>
             <p:ph idx="1" type="body"/>
@@ -1331,7 +1315,7 @@
   <p:cSld>
     <p:spTree>
       <p:nvGrpSpPr>
-        <p:cNvPr id="169" name="Shape 169"/>
+        <p:cNvPr id="171" name="Shape 171"/>
         <p:cNvGrpSpPr/>
         <p:nvPr/>
       </p:nvGrpSpPr>
@@ -1345,7 +1329,7 @@
       </p:grpSpPr>
       <p:sp>
         <p:nvSpPr>
-          <p:cNvPr id="170" name="Google Shape;170;g25de1d07f2a_0_100:notes"/>
+          <p:cNvPr id="172" name="Google Shape;172;g25ec3e42ff6_0_1:notes"/>
           <p:cNvSpPr/>
           <p:nvPr>
             <p:ph idx="2" type="sldImg"/>
@@ -1380,7 +1364,7 @@
       </p:sp>
       <p:sp>
         <p:nvSpPr>
-          <p:cNvPr id="171" name="Google Shape;171;g25de1d07f2a_0_100:notes"/>
+          <p:cNvPr id="173" name="Google Shape;173;g25ec3e42ff6_0_1:notes"/>
           <p:cNvSpPr txBox="1"/>
           <p:nvPr>
             <p:ph idx="1" type="body"/>
@@ -1430,7 +1414,7 @@
   <p:cSld>
     <p:spTree>
       <p:nvGrpSpPr>
-        <p:cNvPr id="175" name="Shape 175"/>
+        <p:cNvPr id="177" name="Shape 177"/>
         <p:cNvGrpSpPr/>
         <p:nvPr/>
       </p:nvGrpSpPr>
@@ -1444,7 +1428,7 @@
       </p:grpSpPr>
       <p:sp>
         <p:nvSpPr>
-          <p:cNvPr id="176" name="Google Shape;176;g25ec3e42ff6_0_1:notes"/>
+          <p:cNvPr id="178" name="Google Shape;178;g25ec3e42ff6_0_7:notes"/>
           <p:cNvSpPr/>
           <p:nvPr>
             <p:ph idx="2" type="sldImg"/>
@@ -1479,7 +1463,7 @@
       </p:sp>
       <p:sp>
         <p:nvSpPr>
-          <p:cNvPr id="177" name="Google Shape;177;g25ec3e42ff6_0_1:notes"/>
+          <p:cNvPr id="179" name="Google Shape;179;g25ec3e42ff6_0_7:notes"/>
           <p:cNvSpPr txBox="1"/>
           <p:nvPr>
             <p:ph idx="1" type="body"/>
@@ -1529,7 +1513,7 @@
   <p:cSld>
     <p:spTree>
       <p:nvGrpSpPr>
-        <p:cNvPr id="181" name="Shape 181"/>
+        <p:cNvPr id="184" name="Shape 184"/>
         <p:cNvGrpSpPr/>
         <p:nvPr/>
       </p:nvGrpSpPr>
@@ -1543,7 +1527,7 @@
       </p:grpSpPr>
       <p:sp>
         <p:nvSpPr>
-          <p:cNvPr id="182" name="Google Shape;182;g25ec3e42ff6_0_7:notes"/>
+          <p:cNvPr id="185" name="Google Shape;185;g25ec3e42ff6_0_12:notes"/>
           <p:cNvSpPr/>
           <p:nvPr>
             <p:ph idx="2" type="sldImg"/>
@@ -1578,7 +1562,7 @@
       </p:sp>
       <p:sp>
         <p:nvSpPr>
-          <p:cNvPr id="183" name="Google Shape;183;g25ec3e42ff6_0_7:notes"/>
+          <p:cNvPr id="186" name="Google Shape;186;g25ec3e42ff6_0_12:notes"/>
           <p:cNvSpPr txBox="1"/>
           <p:nvPr>
             <p:ph idx="1" type="body"/>
@@ -1628,7 +1612,7 @@
   <p:cSld>
     <p:spTree>
       <p:nvGrpSpPr>
-        <p:cNvPr id="188" name="Shape 188"/>
+        <p:cNvPr id="190" name="Shape 190"/>
         <p:cNvGrpSpPr/>
         <p:nvPr/>
       </p:nvGrpSpPr>
@@ -1642,7 +1626,7 @@
       </p:grpSpPr>
       <p:sp>
         <p:nvSpPr>
-          <p:cNvPr id="189" name="Google Shape;189;g25ec3e42ff6_0_12:notes"/>
+          <p:cNvPr id="191" name="Google Shape;191;g25ec3e42ff6_0_32:notes"/>
           <p:cNvSpPr/>
           <p:nvPr>
             <p:ph idx="2" type="sldImg"/>
@@ -1677,106 +1661,7 @@
       </p:sp>
       <p:sp>
         <p:nvSpPr>
-          <p:cNvPr id="190" name="Google Shape;190;g25ec3e42ff6_0_12:notes"/>
-          <p:cNvSpPr txBox="1"/>
-          <p:nvPr>
-            <p:ph idx="1" type="body"/>
-          </p:nvPr>
-        </p:nvSpPr>
-        <p:spPr>
-          <a:xfrm>
-            <a:off x="685800" y="4343400"/>
-            <a:ext cx="5486400" cy="4114800"/>
-          </a:xfrm>
-          <a:prstGeom prst="rect">
-            <a:avLst/>
-          </a:prstGeom>
-        </p:spPr>
-        <p:txBody>
-          <a:bodyPr anchorCtr="0" anchor="t" bIns="91425" lIns="91425" spcFirstLastPara="1" rIns="91425" wrap="square" tIns="91425">
-            <a:noAutofit/>
-          </a:bodyPr>
-          <a:lstStyle/>
-          <a:p>
-            <a:pPr indent="0" lvl="0" marL="0" rtl="0" algn="l">
-              <a:spcBef>
-                <a:spcPts val="0"/>
-              </a:spcBef>
-              <a:spcAft>
-                <a:spcPts val="0"/>
-              </a:spcAft>
-              <a:buNone/>
-            </a:pPr>
-            <a:r>
-              <a:t/>
-            </a:r>
-            <a:endParaRPr/>
-          </a:p>
-        </p:txBody>
-      </p:sp>
-    </p:spTree>
-  </p:cSld>
-  <p:clrMapOvr>
-    <a:masterClrMapping/>
-  </p:clrMapOvr>
-</p:notes>
-</file>
-
-<file path=ppt/notesSlides/notesSlide19.xml><?xml version="1.0" encoding="utf-8"?>
-<p:notes xmlns:a="http://schemas.openxmlformats.org/drawingml/2006/main" xmlns:r="http://schemas.openxmlformats.org/officeDocument/2006/relationships" xmlns:mc="http://schemas.openxmlformats.org/markup-compatibility/2006" xmlns:mv="urn:schemas-microsoft-com:mac:vml" xmlns:p="http://schemas.openxmlformats.org/presentationml/2006/main" xmlns:c="http://schemas.openxmlformats.org/drawingml/2006/chart" xmlns:dgm="http://schemas.openxmlformats.org/drawingml/2006/diagram" xmlns:o="urn:schemas-microsoft-com:office:office" xmlns:v="urn:schemas-microsoft-com:vml" xmlns:pvml="urn:schemas-microsoft-com:office:powerpoint" xmlns:com="http://schemas.openxmlformats.org/drawingml/2006/compatibility" xmlns:p14="http://schemas.microsoft.com/office/powerpoint/2010/main" xmlns:p15="http://schemas.microsoft.com/office/powerpoint/2012/main" xmlns:ahyp="http://schemas.microsoft.com/office/drawing/2018/hyperlinkcolor" showMasterPhAnim="0" showMasterSp="0">
-  <p:cSld>
-    <p:spTree>
-      <p:nvGrpSpPr>
-        <p:cNvPr id="194" name="Shape 194"/>
-        <p:cNvGrpSpPr/>
-        <p:nvPr/>
-      </p:nvGrpSpPr>
-      <p:grpSpPr>
-        <a:xfrm>
-          <a:off x="0" y="0"/>
-          <a:ext cx="0" cy="0"/>
-          <a:chOff x="0" y="0"/>
-          <a:chExt cx="0" cy="0"/>
-        </a:xfrm>
-      </p:grpSpPr>
-      <p:sp>
-        <p:nvSpPr>
-          <p:cNvPr id="195" name="Google Shape;195;g25ec3e42ff6_0_16:notes"/>
-          <p:cNvSpPr/>
-          <p:nvPr>
-            <p:ph idx="2" type="sldImg"/>
-          </p:nvPr>
-        </p:nvSpPr>
-        <p:spPr>
-          <a:xfrm>
-            <a:off x="381300" y="685800"/>
-            <a:ext cx="6096000" cy="3429000"/>
-          </a:xfrm>
-          <a:custGeom>
-            <a:rect b="b" l="l" r="r" t="t"/>
-            <a:pathLst>
-              <a:path extrusionOk="0" h="120000" w="120000">
-                <a:moveTo>
-                  <a:pt x="0" y="0"/>
-                </a:moveTo>
-                <a:lnTo>
-                  <a:pt x="120000" y="0"/>
-                </a:lnTo>
-                <a:lnTo>
-                  <a:pt x="120000" y="120000"/>
-                </a:lnTo>
-                <a:lnTo>
-                  <a:pt x="0" y="120000"/>
-                </a:lnTo>
-                <a:close/>
-              </a:path>
-            </a:pathLst>
-          </a:custGeom>
-        </p:spPr>
-      </p:sp>
-      <p:sp>
-        <p:nvSpPr>
-          <p:cNvPr id="196" name="Google Shape;196;g25ec3e42ff6_0_16:notes"/>
+          <p:cNvPr id="192" name="Google Shape;192;g25ec3e42ff6_0_32:notes"/>
           <p:cNvSpPr txBox="1"/>
           <p:nvPr>
             <p:ph idx="1" type="body"/>
@@ -1920,12 +1805,12 @@
 </p:notes>
 </file>
 
-<file path=ppt/notesSlides/notesSlide20.xml><?xml version="1.0" encoding="utf-8"?>
+<file path=ppt/notesSlides/notesSlide3.xml><?xml version="1.0" encoding="utf-8"?>
 <p:notes xmlns:a="http://schemas.openxmlformats.org/drawingml/2006/main" xmlns:r="http://schemas.openxmlformats.org/officeDocument/2006/relationships" xmlns:mc="http://schemas.openxmlformats.org/markup-compatibility/2006" xmlns:mv="urn:schemas-microsoft-com:mac:vml" xmlns:p="http://schemas.openxmlformats.org/presentationml/2006/main" xmlns:c="http://schemas.openxmlformats.org/drawingml/2006/chart" xmlns:dgm="http://schemas.openxmlformats.org/drawingml/2006/diagram" xmlns:o="urn:schemas-microsoft-com:office:office" xmlns:v="urn:schemas-microsoft-com:vml" xmlns:pvml="urn:schemas-microsoft-com:office:powerpoint" xmlns:com="http://schemas.openxmlformats.org/drawingml/2006/compatibility" xmlns:p14="http://schemas.microsoft.com/office/powerpoint/2010/main" xmlns:p15="http://schemas.microsoft.com/office/powerpoint/2012/main" xmlns:ahyp="http://schemas.microsoft.com/office/drawing/2018/hyperlinkcolor" showMasterPhAnim="0" showMasterSp="0">
   <p:cSld>
     <p:spTree>
       <p:nvGrpSpPr>
-        <p:cNvPr id="199" name="Shape 199"/>
+        <p:cNvPr id="62" name="Shape 62"/>
         <p:cNvGrpSpPr/>
         <p:nvPr/>
       </p:nvGrpSpPr>
@@ -1939,7 +1824,7 @@
       </p:grpSpPr>
       <p:sp>
         <p:nvSpPr>
-          <p:cNvPr id="200" name="Google Shape;200;g25c187a12a8_0_0:notes"/>
+          <p:cNvPr id="63" name="Google Shape;63;g25de1d07f2a_0_0:notes"/>
           <p:cNvSpPr/>
           <p:nvPr>
             <p:ph idx="2" type="sldImg"/>
@@ -1974,1492 +1859,7 @@
       </p:sp>
       <p:sp>
         <p:nvSpPr>
-          <p:cNvPr id="201" name="Google Shape;201;g25c187a12a8_0_0:notes"/>
-          <p:cNvSpPr txBox="1"/>
-          <p:nvPr>
-            <p:ph idx="1" type="body"/>
-          </p:nvPr>
-        </p:nvSpPr>
-        <p:spPr>
-          <a:xfrm>
-            <a:off x="685800" y="4343400"/>
-            <a:ext cx="5486400" cy="4114800"/>
-          </a:xfrm>
-          <a:prstGeom prst="rect">
-            <a:avLst/>
-          </a:prstGeom>
-        </p:spPr>
-        <p:txBody>
-          <a:bodyPr anchorCtr="0" anchor="t" bIns="91425" lIns="91425" spcFirstLastPara="1" rIns="91425" wrap="square" tIns="91425">
-            <a:noAutofit/>
-          </a:bodyPr>
-          <a:lstStyle/>
-          <a:p>
-            <a:pPr indent="0" lvl="0" marL="0" rtl="0" algn="l">
-              <a:spcBef>
-                <a:spcPts val="0"/>
-              </a:spcBef>
-              <a:spcAft>
-                <a:spcPts val="0"/>
-              </a:spcAft>
-              <a:buNone/>
-            </a:pPr>
-            <a:r>
-              <a:t/>
-            </a:r>
-            <a:endParaRPr/>
-          </a:p>
-        </p:txBody>
-      </p:sp>
-    </p:spTree>
-  </p:cSld>
-  <p:clrMapOvr>
-    <a:masterClrMapping/>
-  </p:clrMapOvr>
-</p:notes>
-</file>
-
-<file path=ppt/notesSlides/notesSlide21.xml><?xml version="1.0" encoding="utf-8"?>
-<p:notes xmlns:a="http://schemas.openxmlformats.org/drawingml/2006/main" xmlns:r="http://schemas.openxmlformats.org/officeDocument/2006/relationships" xmlns:mc="http://schemas.openxmlformats.org/markup-compatibility/2006" xmlns:mv="urn:schemas-microsoft-com:mac:vml" xmlns:p="http://schemas.openxmlformats.org/presentationml/2006/main" xmlns:c="http://schemas.openxmlformats.org/drawingml/2006/chart" xmlns:dgm="http://schemas.openxmlformats.org/drawingml/2006/diagram" xmlns:o="urn:schemas-microsoft-com:office:office" xmlns:v="urn:schemas-microsoft-com:vml" xmlns:pvml="urn:schemas-microsoft-com:office:powerpoint" xmlns:com="http://schemas.openxmlformats.org/drawingml/2006/compatibility" xmlns:p14="http://schemas.microsoft.com/office/powerpoint/2010/main" xmlns:p15="http://schemas.microsoft.com/office/powerpoint/2012/main" xmlns:ahyp="http://schemas.microsoft.com/office/drawing/2018/hyperlinkcolor" showMasterPhAnim="0" showMasterSp="0">
-  <p:cSld>
-    <p:spTree>
-      <p:nvGrpSpPr>
-        <p:cNvPr id="207" name="Shape 207"/>
-        <p:cNvGrpSpPr/>
-        <p:nvPr/>
-      </p:nvGrpSpPr>
-      <p:grpSpPr>
-        <a:xfrm>
-          <a:off x="0" y="0"/>
-          <a:ext cx="0" cy="0"/>
-          <a:chOff x="0" y="0"/>
-          <a:chExt cx="0" cy="0"/>
-        </a:xfrm>
-      </p:grpSpPr>
-      <p:sp>
-        <p:nvSpPr>
-          <p:cNvPr id="208" name="Google Shape;208;g25c187a12a8_0_31:notes"/>
-          <p:cNvSpPr/>
-          <p:nvPr>
-            <p:ph idx="2" type="sldImg"/>
-          </p:nvPr>
-        </p:nvSpPr>
-        <p:spPr>
-          <a:xfrm>
-            <a:off x="381300" y="685800"/>
-            <a:ext cx="6096000" cy="3429000"/>
-          </a:xfrm>
-          <a:custGeom>
-            <a:rect b="b" l="l" r="r" t="t"/>
-            <a:pathLst>
-              <a:path extrusionOk="0" h="120000" w="120000">
-                <a:moveTo>
-                  <a:pt x="0" y="0"/>
-                </a:moveTo>
-                <a:lnTo>
-                  <a:pt x="120000" y="0"/>
-                </a:lnTo>
-                <a:lnTo>
-                  <a:pt x="120000" y="120000"/>
-                </a:lnTo>
-                <a:lnTo>
-                  <a:pt x="0" y="120000"/>
-                </a:lnTo>
-                <a:close/>
-              </a:path>
-            </a:pathLst>
-          </a:custGeom>
-        </p:spPr>
-      </p:sp>
-      <p:sp>
-        <p:nvSpPr>
-          <p:cNvPr id="209" name="Google Shape;209;g25c187a12a8_0_31:notes"/>
-          <p:cNvSpPr txBox="1"/>
-          <p:nvPr>
-            <p:ph idx="1" type="body"/>
-          </p:nvPr>
-        </p:nvSpPr>
-        <p:spPr>
-          <a:xfrm>
-            <a:off x="685800" y="4343400"/>
-            <a:ext cx="5486400" cy="4114800"/>
-          </a:xfrm>
-          <a:prstGeom prst="rect">
-            <a:avLst/>
-          </a:prstGeom>
-        </p:spPr>
-        <p:txBody>
-          <a:bodyPr anchorCtr="0" anchor="t" bIns="91425" lIns="91425" spcFirstLastPara="1" rIns="91425" wrap="square" tIns="91425">
-            <a:noAutofit/>
-          </a:bodyPr>
-          <a:lstStyle/>
-          <a:p>
-            <a:pPr indent="0" lvl="0" marL="0" rtl="0" algn="l">
-              <a:spcBef>
-                <a:spcPts val="0"/>
-              </a:spcBef>
-              <a:spcAft>
-                <a:spcPts val="0"/>
-              </a:spcAft>
-              <a:buNone/>
-            </a:pPr>
-            <a:r>
-              <a:t/>
-            </a:r>
-            <a:endParaRPr/>
-          </a:p>
-        </p:txBody>
-      </p:sp>
-    </p:spTree>
-  </p:cSld>
-  <p:clrMapOvr>
-    <a:masterClrMapping/>
-  </p:clrMapOvr>
-</p:notes>
-</file>
-
-<file path=ppt/notesSlides/notesSlide22.xml><?xml version="1.0" encoding="utf-8"?>
-<p:notes xmlns:a="http://schemas.openxmlformats.org/drawingml/2006/main" xmlns:r="http://schemas.openxmlformats.org/officeDocument/2006/relationships" xmlns:mc="http://schemas.openxmlformats.org/markup-compatibility/2006" xmlns:mv="urn:schemas-microsoft-com:mac:vml" xmlns:p="http://schemas.openxmlformats.org/presentationml/2006/main" xmlns:c="http://schemas.openxmlformats.org/drawingml/2006/chart" xmlns:dgm="http://schemas.openxmlformats.org/drawingml/2006/diagram" xmlns:o="urn:schemas-microsoft-com:office:office" xmlns:v="urn:schemas-microsoft-com:vml" xmlns:pvml="urn:schemas-microsoft-com:office:powerpoint" xmlns:com="http://schemas.openxmlformats.org/drawingml/2006/compatibility" xmlns:p14="http://schemas.microsoft.com/office/powerpoint/2010/main" xmlns:p15="http://schemas.microsoft.com/office/powerpoint/2012/main" xmlns:ahyp="http://schemas.microsoft.com/office/drawing/2018/hyperlinkcolor" showMasterPhAnim="0" showMasterSp="0">
-  <p:cSld>
-    <p:spTree>
-      <p:nvGrpSpPr>
-        <p:cNvPr id="214" name="Shape 214"/>
-        <p:cNvGrpSpPr/>
-        <p:nvPr/>
-      </p:nvGrpSpPr>
-      <p:grpSpPr>
-        <a:xfrm>
-          <a:off x="0" y="0"/>
-          <a:ext cx="0" cy="0"/>
-          <a:chOff x="0" y="0"/>
-          <a:chExt cx="0" cy="0"/>
-        </a:xfrm>
-      </p:grpSpPr>
-      <p:sp>
-        <p:nvSpPr>
-          <p:cNvPr id="215" name="Google Shape;215;g25c187a12a8_0_37:notes"/>
-          <p:cNvSpPr/>
-          <p:nvPr>
-            <p:ph idx="2" type="sldImg"/>
-          </p:nvPr>
-        </p:nvSpPr>
-        <p:spPr>
-          <a:xfrm>
-            <a:off x="381300" y="685800"/>
-            <a:ext cx="6096000" cy="3429000"/>
-          </a:xfrm>
-          <a:custGeom>
-            <a:rect b="b" l="l" r="r" t="t"/>
-            <a:pathLst>
-              <a:path extrusionOk="0" h="120000" w="120000">
-                <a:moveTo>
-                  <a:pt x="0" y="0"/>
-                </a:moveTo>
-                <a:lnTo>
-                  <a:pt x="120000" y="0"/>
-                </a:lnTo>
-                <a:lnTo>
-                  <a:pt x="120000" y="120000"/>
-                </a:lnTo>
-                <a:lnTo>
-                  <a:pt x="0" y="120000"/>
-                </a:lnTo>
-                <a:close/>
-              </a:path>
-            </a:pathLst>
-          </a:custGeom>
-        </p:spPr>
-      </p:sp>
-      <p:sp>
-        <p:nvSpPr>
-          <p:cNvPr id="216" name="Google Shape;216;g25c187a12a8_0_37:notes"/>
-          <p:cNvSpPr txBox="1"/>
-          <p:nvPr>
-            <p:ph idx="1" type="body"/>
-          </p:nvPr>
-        </p:nvSpPr>
-        <p:spPr>
-          <a:xfrm>
-            <a:off x="685800" y="4343400"/>
-            <a:ext cx="5486400" cy="4114800"/>
-          </a:xfrm>
-          <a:prstGeom prst="rect">
-            <a:avLst/>
-          </a:prstGeom>
-        </p:spPr>
-        <p:txBody>
-          <a:bodyPr anchorCtr="0" anchor="t" bIns="91425" lIns="91425" spcFirstLastPara="1" rIns="91425" wrap="square" tIns="91425">
-            <a:noAutofit/>
-          </a:bodyPr>
-          <a:lstStyle/>
-          <a:p>
-            <a:pPr indent="0" lvl="0" marL="0" rtl="0" algn="l">
-              <a:spcBef>
-                <a:spcPts val="0"/>
-              </a:spcBef>
-              <a:spcAft>
-                <a:spcPts val="0"/>
-              </a:spcAft>
-              <a:buNone/>
-            </a:pPr>
-            <a:r>
-              <a:t/>
-            </a:r>
-            <a:endParaRPr/>
-          </a:p>
-        </p:txBody>
-      </p:sp>
-    </p:spTree>
-  </p:cSld>
-  <p:clrMapOvr>
-    <a:masterClrMapping/>
-  </p:clrMapOvr>
-</p:notes>
-</file>
-
-<file path=ppt/notesSlides/notesSlide23.xml><?xml version="1.0" encoding="utf-8"?>
-<p:notes xmlns:a="http://schemas.openxmlformats.org/drawingml/2006/main" xmlns:r="http://schemas.openxmlformats.org/officeDocument/2006/relationships" xmlns:mc="http://schemas.openxmlformats.org/markup-compatibility/2006" xmlns:mv="urn:schemas-microsoft-com:mac:vml" xmlns:p="http://schemas.openxmlformats.org/presentationml/2006/main" xmlns:c="http://schemas.openxmlformats.org/drawingml/2006/chart" xmlns:dgm="http://schemas.openxmlformats.org/drawingml/2006/diagram" xmlns:o="urn:schemas-microsoft-com:office:office" xmlns:v="urn:schemas-microsoft-com:vml" xmlns:pvml="urn:schemas-microsoft-com:office:powerpoint" xmlns:com="http://schemas.openxmlformats.org/drawingml/2006/compatibility" xmlns:p14="http://schemas.microsoft.com/office/powerpoint/2010/main" xmlns:p15="http://schemas.microsoft.com/office/powerpoint/2012/main" xmlns:ahyp="http://schemas.microsoft.com/office/drawing/2018/hyperlinkcolor" showMasterPhAnim="0" showMasterSp="0">
-  <p:cSld>
-    <p:spTree>
-      <p:nvGrpSpPr>
-        <p:cNvPr id="221" name="Shape 221"/>
-        <p:cNvGrpSpPr/>
-        <p:nvPr/>
-      </p:nvGrpSpPr>
-      <p:grpSpPr>
-        <a:xfrm>
-          <a:off x="0" y="0"/>
-          <a:ext cx="0" cy="0"/>
-          <a:chOff x="0" y="0"/>
-          <a:chExt cx="0" cy="0"/>
-        </a:xfrm>
-      </p:grpSpPr>
-      <p:sp>
-        <p:nvSpPr>
-          <p:cNvPr id="222" name="Google Shape;222;g25c187a12a8_0_43:notes"/>
-          <p:cNvSpPr/>
-          <p:nvPr>
-            <p:ph idx="2" type="sldImg"/>
-          </p:nvPr>
-        </p:nvSpPr>
-        <p:spPr>
-          <a:xfrm>
-            <a:off x="381300" y="685800"/>
-            <a:ext cx="6096000" cy="3429000"/>
-          </a:xfrm>
-          <a:custGeom>
-            <a:rect b="b" l="l" r="r" t="t"/>
-            <a:pathLst>
-              <a:path extrusionOk="0" h="120000" w="120000">
-                <a:moveTo>
-                  <a:pt x="0" y="0"/>
-                </a:moveTo>
-                <a:lnTo>
-                  <a:pt x="120000" y="0"/>
-                </a:lnTo>
-                <a:lnTo>
-                  <a:pt x="120000" y="120000"/>
-                </a:lnTo>
-                <a:lnTo>
-                  <a:pt x="0" y="120000"/>
-                </a:lnTo>
-                <a:close/>
-              </a:path>
-            </a:pathLst>
-          </a:custGeom>
-        </p:spPr>
-      </p:sp>
-      <p:sp>
-        <p:nvSpPr>
-          <p:cNvPr id="223" name="Google Shape;223;g25c187a12a8_0_43:notes"/>
-          <p:cNvSpPr txBox="1"/>
-          <p:nvPr>
-            <p:ph idx="1" type="body"/>
-          </p:nvPr>
-        </p:nvSpPr>
-        <p:spPr>
-          <a:xfrm>
-            <a:off x="685800" y="4343400"/>
-            <a:ext cx="5486400" cy="4114800"/>
-          </a:xfrm>
-          <a:prstGeom prst="rect">
-            <a:avLst/>
-          </a:prstGeom>
-        </p:spPr>
-        <p:txBody>
-          <a:bodyPr anchorCtr="0" anchor="t" bIns="91425" lIns="91425" spcFirstLastPara="1" rIns="91425" wrap="square" tIns="91425">
-            <a:noAutofit/>
-          </a:bodyPr>
-          <a:lstStyle/>
-          <a:p>
-            <a:pPr indent="0" lvl="0" marL="0" rtl="0" algn="l">
-              <a:spcBef>
-                <a:spcPts val="0"/>
-              </a:spcBef>
-              <a:spcAft>
-                <a:spcPts val="0"/>
-              </a:spcAft>
-              <a:buNone/>
-            </a:pPr>
-            <a:r>
-              <a:t/>
-            </a:r>
-            <a:endParaRPr/>
-          </a:p>
-        </p:txBody>
-      </p:sp>
-    </p:spTree>
-  </p:cSld>
-  <p:clrMapOvr>
-    <a:masterClrMapping/>
-  </p:clrMapOvr>
-</p:notes>
-</file>
-
-<file path=ppt/notesSlides/notesSlide24.xml><?xml version="1.0" encoding="utf-8"?>
-<p:notes xmlns:a="http://schemas.openxmlformats.org/drawingml/2006/main" xmlns:r="http://schemas.openxmlformats.org/officeDocument/2006/relationships" xmlns:mc="http://schemas.openxmlformats.org/markup-compatibility/2006" xmlns:mv="urn:schemas-microsoft-com:mac:vml" xmlns:p="http://schemas.openxmlformats.org/presentationml/2006/main" xmlns:c="http://schemas.openxmlformats.org/drawingml/2006/chart" xmlns:dgm="http://schemas.openxmlformats.org/drawingml/2006/diagram" xmlns:o="urn:schemas-microsoft-com:office:office" xmlns:v="urn:schemas-microsoft-com:vml" xmlns:pvml="urn:schemas-microsoft-com:office:powerpoint" xmlns:com="http://schemas.openxmlformats.org/drawingml/2006/compatibility" xmlns:p14="http://schemas.microsoft.com/office/powerpoint/2010/main" xmlns:p15="http://schemas.microsoft.com/office/powerpoint/2012/main" xmlns:ahyp="http://schemas.microsoft.com/office/drawing/2018/hyperlinkcolor" showMasterPhAnim="0" showMasterSp="0">
-  <p:cSld>
-    <p:spTree>
-      <p:nvGrpSpPr>
-        <p:cNvPr id="228" name="Shape 228"/>
-        <p:cNvGrpSpPr/>
-        <p:nvPr/>
-      </p:nvGrpSpPr>
-      <p:grpSpPr>
-        <a:xfrm>
-          <a:off x="0" y="0"/>
-          <a:ext cx="0" cy="0"/>
-          <a:chOff x="0" y="0"/>
-          <a:chExt cx="0" cy="0"/>
-        </a:xfrm>
-      </p:grpSpPr>
-      <p:sp>
-        <p:nvSpPr>
-          <p:cNvPr id="229" name="Google Shape;229;g25c187a12a8_0_49:notes"/>
-          <p:cNvSpPr/>
-          <p:nvPr>
-            <p:ph idx="2" type="sldImg"/>
-          </p:nvPr>
-        </p:nvSpPr>
-        <p:spPr>
-          <a:xfrm>
-            <a:off x="381300" y="685800"/>
-            <a:ext cx="6096000" cy="3429000"/>
-          </a:xfrm>
-          <a:custGeom>
-            <a:rect b="b" l="l" r="r" t="t"/>
-            <a:pathLst>
-              <a:path extrusionOk="0" h="120000" w="120000">
-                <a:moveTo>
-                  <a:pt x="0" y="0"/>
-                </a:moveTo>
-                <a:lnTo>
-                  <a:pt x="120000" y="0"/>
-                </a:lnTo>
-                <a:lnTo>
-                  <a:pt x="120000" y="120000"/>
-                </a:lnTo>
-                <a:lnTo>
-                  <a:pt x="0" y="120000"/>
-                </a:lnTo>
-                <a:close/>
-              </a:path>
-            </a:pathLst>
-          </a:custGeom>
-        </p:spPr>
-      </p:sp>
-      <p:sp>
-        <p:nvSpPr>
-          <p:cNvPr id="230" name="Google Shape;230;g25c187a12a8_0_49:notes"/>
-          <p:cNvSpPr txBox="1"/>
-          <p:nvPr>
-            <p:ph idx="1" type="body"/>
-          </p:nvPr>
-        </p:nvSpPr>
-        <p:spPr>
-          <a:xfrm>
-            <a:off x="685800" y="4343400"/>
-            <a:ext cx="5486400" cy="4114800"/>
-          </a:xfrm>
-          <a:prstGeom prst="rect">
-            <a:avLst/>
-          </a:prstGeom>
-        </p:spPr>
-        <p:txBody>
-          <a:bodyPr anchorCtr="0" anchor="t" bIns="91425" lIns="91425" spcFirstLastPara="1" rIns="91425" wrap="square" tIns="91425">
-            <a:noAutofit/>
-          </a:bodyPr>
-          <a:lstStyle/>
-          <a:p>
-            <a:pPr indent="0" lvl="0" marL="0" rtl="0" algn="l">
-              <a:spcBef>
-                <a:spcPts val="0"/>
-              </a:spcBef>
-              <a:spcAft>
-                <a:spcPts val="0"/>
-              </a:spcAft>
-              <a:buNone/>
-            </a:pPr>
-            <a:r>
-              <a:t/>
-            </a:r>
-            <a:endParaRPr/>
-          </a:p>
-        </p:txBody>
-      </p:sp>
-    </p:spTree>
-  </p:cSld>
-  <p:clrMapOvr>
-    <a:masterClrMapping/>
-  </p:clrMapOvr>
-</p:notes>
-</file>
-
-<file path=ppt/notesSlides/notesSlide25.xml><?xml version="1.0" encoding="utf-8"?>
-<p:notes xmlns:a="http://schemas.openxmlformats.org/drawingml/2006/main" xmlns:r="http://schemas.openxmlformats.org/officeDocument/2006/relationships" xmlns:mc="http://schemas.openxmlformats.org/markup-compatibility/2006" xmlns:mv="urn:schemas-microsoft-com:mac:vml" xmlns:p="http://schemas.openxmlformats.org/presentationml/2006/main" xmlns:c="http://schemas.openxmlformats.org/drawingml/2006/chart" xmlns:dgm="http://schemas.openxmlformats.org/drawingml/2006/diagram" xmlns:o="urn:schemas-microsoft-com:office:office" xmlns:v="urn:schemas-microsoft-com:vml" xmlns:pvml="urn:schemas-microsoft-com:office:powerpoint" xmlns:com="http://schemas.openxmlformats.org/drawingml/2006/compatibility" xmlns:p14="http://schemas.microsoft.com/office/powerpoint/2010/main" xmlns:p15="http://schemas.microsoft.com/office/powerpoint/2012/main" xmlns:ahyp="http://schemas.microsoft.com/office/drawing/2018/hyperlinkcolor" showMasterPhAnim="0" showMasterSp="0">
-  <p:cSld>
-    <p:spTree>
-      <p:nvGrpSpPr>
-        <p:cNvPr id="235" name="Shape 235"/>
-        <p:cNvGrpSpPr/>
-        <p:nvPr/>
-      </p:nvGrpSpPr>
-      <p:grpSpPr>
-        <a:xfrm>
-          <a:off x="0" y="0"/>
-          <a:ext cx="0" cy="0"/>
-          <a:chOff x="0" y="0"/>
-          <a:chExt cx="0" cy="0"/>
-        </a:xfrm>
-      </p:grpSpPr>
-      <p:sp>
-        <p:nvSpPr>
-          <p:cNvPr id="236" name="Google Shape;236;g25c187a12a8_0_55:notes"/>
-          <p:cNvSpPr/>
-          <p:nvPr>
-            <p:ph idx="2" type="sldImg"/>
-          </p:nvPr>
-        </p:nvSpPr>
-        <p:spPr>
-          <a:xfrm>
-            <a:off x="381300" y="685800"/>
-            <a:ext cx="6096000" cy="3429000"/>
-          </a:xfrm>
-          <a:custGeom>
-            <a:rect b="b" l="l" r="r" t="t"/>
-            <a:pathLst>
-              <a:path extrusionOk="0" h="120000" w="120000">
-                <a:moveTo>
-                  <a:pt x="0" y="0"/>
-                </a:moveTo>
-                <a:lnTo>
-                  <a:pt x="120000" y="0"/>
-                </a:lnTo>
-                <a:lnTo>
-                  <a:pt x="120000" y="120000"/>
-                </a:lnTo>
-                <a:lnTo>
-                  <a:pt x="0" y="120000"/>
-                </a:lnTo>
-                <a:close/>
-              </a:path>
-            </a:pathLst>
-          </a:custGeom>
-        </p:spPr>
-      </p:sp>
-      <p:sp>
-        <p:nvSpPr>
-          <p:cNvPr id="237" name="Google Shape;237;g25c187a12a8_0_55:notes"/>
-          <p:cNvSpPr txBox="1"/>
-          <p:nvPr>
-            <p:ph idx="1" type="body"/>
-          </p:nvPr>
-        </p:nvSpPr>
-        <p:spPr>
-          <a:xfrm>
-            <a:off x="685800" y="4343400"/>
-            <a:ext cx="5486400" cy="4114800"/>
-          </a:xfrm>
-          <a:prstGeom prst="rect">
-            <a:avLst/>
-          </a:prstGeom>
-        </p:spPr>
-        <p:txBody>
-          <a:bodyPr anchorCtr="0" anchor="t" bIns="91425" lIns="91425" spcFirstLastPara="1" rIns="91425" wrap="square" tIns="91425">
-            <a:noAutofit/>
-          </a:bodyPr>
-          <a:lstStyle/>
-          <a:p>
-            <a:pPr indent="0" lvl="0" marL="0" rtl="0" algn="l">
-              <a:spcBef>
-                <a:spcPts val="0"/>
-              </a:spcBef>
-              <a:spcAft>
-                <a:spcPts val="0"/>
-              </a:spcAft>
-              <a:buNone/>
-            </a:pPr>
-            <a:r>
-              <a:t/>
-            </a:r>
-            <a:endParaRPr/>
-          </a:p>
-        </p:txBody>
-      </p:sp>
-    </p:spTree>
-  </p:cSld>
-  <p:clrMapOvr>
-    <a:masterClrMapping/>
-  </p:clrMapOvr>
-</p:notes>
-</file>
-
-<file path=ppt/notesSlides/notesSlide26.xml><?xml version="1.0" encoding="utf-8"?>
-<p:notes xmlns:a="http://schemas.openxmlformats.org/drawingml/2006/main" xmlns:r="http://schemas.openxmlformats.org/officeDocument/2006/relationships" xmlns:mc="http://schemas.openxmlformats.org/markup-compatibility/2006" xmlns:mv="urn:schemas-microsoft-com:mac:vml" xmlns:p="http://schemas.openxmlformats.org/presentationml/2006/main" xmlns:c="http://schemas.openxmlformats.org/drawingml/2006/chart" xmlns:dgm="http://schemas.openxmlformats.org/drawingml/2006/diagram" xmlns:o="urn:schemas-microsoft-com:office:office" xmlns:v="urn:schemas-microsoft-com:vml" xmlns:pvml="urn:schemas-microsoft-com:office:powerpoint" xmlns:com="http://schemas.openxmlformats.org/drawingml/2006/compatibility" xmlns:p14="http://schemas.microsoft.com/office/powerpoint/2010/main" xmlns:p15="http://schemas.microsoft.com/office/powerpoint/2012/main" xmlns:ahyp="http://schemas.microsoft.com/office/drawing/2018/hyperlinkcolor" showMasterPhAnim="0" showMasterSp="0">
-  <p:cSld>
-    <p:spTree>
-      <p:nvGrpSpPr>
-        <p:cNvPr id="242" name="Shape 242"/>
-        <p:cNvGrpSpPr/>
-        <p:nvPr/>
-      </p:nvGrpSpPr>
-      <p:grpSpPr>
-        <a:xfrm>
-          <a:off x="0" y="0"/>
-          <a:ext cx="0" cy="0"/>
-          <a:chOff x="0" y="0"/>
-          <a:chExt cx="0" cy="0"/>
-        </a:xfrm>
-      </p:grpSpPr>
-      <p:sp>
-        <p:nvSpPr>
-          <p:cNvPr id="243" name="Google Shape;243;g25c187a12a8_0_61:notes"/>
-          <p:cNvSpPr/>
-          <p:nvPr>
-            <p:ph idx="2" type="sldImg"/>
-          </p:nvPr>
-        </p:nvSpPr>
-        <p:spPr>
-          <a:xfrm>
-            <a:off x="381300" y="685800"/>
-            <a:ext cx="6096000" cy="3429000"/>
-          </a:xfrm>
-          <a:custGeom>
-            <a:rect b="b" l="l" r="r" t="t"/>
-            <a:pathLst>
-              <a:path extrusionOk="0" h="120000" w="120000">
-                <a:moveTo>
-                  <a:pt x="0" y="0"/>
-                </a:moveTo>
-                <a:lnTo>
-                  <a:pt x="120000" y="0"/>
-                </a:lnTo>
-                <a:lnTo>
-                  <a:pt x="120000" y="120000"/>
-                </a:lnTo>
-                <a:lnTo>
-                  <a:pt x="0" y="120000"/>
-                </a:lnTo>
-                <a:close/>
-              </a:path>
-            </a:pathLst>
-          </a:custGeom>
-        </p:spPr>
-      </p:sp>
-      <p:sp>
-        <p:nvSpPr>
-          <p:cNvPr id="244" name="Google Shape;244;g25c187a12a8_0_61:notes"/>
-          <p:cNvSpPr txBox="1"/>
-          <p:nvPr>
-            <p:ph idx="1" type="body"/>
-          </p:nvPr>
-        </p:nvSpPr>
-        <p:spPr>
-          <a:xfrm>
-            <a:off x="685800" y="4343400"/>
-            <a:ext cx="5486400" cy="4114800"/>
-          </a:xfrm>
-          <a:prstGeom prst="rect">
-            <a:avLst/>
-          </a:prstGeom>
-        </p:spPr>
-        <p:txBody>
-          <a:bodyPr anchorCtr="0" anchor="t" bIns="91425" lIns="91425" spcFirstLastPara="1" rIns="91425" wrap="square" tIns="91425">
-            <a:noAutofit/>
-          </a:bodyPr>
-          <a:lstStyle/>
-          <a:p>
-            <a:pPr indent="0" lvl="0" marL="0" rtl="0" algn="l">
-              <a:spcBef>
-                <a:spcPts val="0"/>
-              </a:spcBef>
-              <a:spcAft>
-                <a:spcPts val="0"/>
-              </a:spcAft>
-              <a:buNone/>
-            </a:pPr>
-            <a:r>
-              <a:t/>
-            </a:r>
-            <a:endParaRPr/>
-          </a:p>
-        </p:txBody>
-      </p:sp>
-    </p:spTree>
-  </p:cSld>
-  <p:clrMapOvr>
-    <a:masterClrMapping/>
-  </p:clrMapOvr>
-</p:notes>
-</file>
-
-<file path=ppt/notesSlides/notesSlide27.xml><?xml version="1.0" encoding="utf-8"?>
-<p:notes xmlns:a="http://schemas.openxmlformats.org/drawingml/2006/main" xmlns:r="http://schemas.openxmlformats.org/officeDocument/2006/relationships" xmlns:mc="http://schemas.openxmlformats.org/markup-compatibility/2006" xmlns:mv="urn:schemas-microsoft-com:mac:vml" xmlns:p="http://schemas.openxmlformats.org/presentationml/2006/main" xmlns:c="http://schemas.openxmlformats.org/drawingml/2006/chart" xmlns:dgm="http://schemas.openxmlformats.org/drawingml/2006/diagram" xmlns:o="urn:schemas-microsoft-com:office:office" xmlns:v="urn:schemas-microsoft-com:vml" xmlns:pvml="urn:schemas-microsoft-com:office:powerpoint" xmlns:com="http://schemas.openxmlformats.org/drawingml/2006/compatibility" xmlns:p14="http://schemas.microsoft.com/office/powerpoint/2010/main" xmlns:p15="http://schemas.microsoft.com/office/powerpoint/2012/main" xmlns:ahyp="http://schemas.microsoft.com/office/drawing/2018/hyperlinkcolor" showMasterPhAnim="0" showMasterSp="0">
-  <p:cSld>
-    <p:spTree>
-      <p:nvGrpSpPr>
-        <p:cNvPr id="249" name="Shape 249"/>
-        <p:cNvGrpSpPr/>
-        <p:nvPr/>
-      </p:nvGrpSpPr>
-      <p:grpSpPr>
-        <a:xfrm>
-          <a:off x="0" y="0"/>
-          <a:ext cx="0" cy="0"/>
-          <a:chOff x="0" y="0"/>
-          <a:chExt cx="0" cy="0"/>
-        </a:xfrm>
-      </p:grpSpPr>
-      <p:sp>
-        <p:nvSpPr>
-          <p:cNvPr id="250" name="Google Shape;250;g25c187a12a8_0_67:notes"/>
-          <p:cNvSpPr/>
-          <p:nvPr>
-            <p:ph idx="2" type="sldImg"/>
-          </p:nvPr>
-        </p:nvSpPr>
-        <p:spPr>
-          <a:xfrm>
-            <a:off x="381300" y="685800"/>
-            <a:ext cx="6096000" cy="3429000"/>
-          </a:xfrm>
-          <a:custGeom>
-            <a:rect b="b" l="l" r="r" t="t"/>
-            <a:pathLst>
-              <a:path extrusionOk="0" h="120000" w="120000">
-                <a:moveTo>
-                  <a:pt x="0" y="0"/>
-                </a:moveTo>
-                <a:lnTo>
-                  <a:pt x="120000" y="0"/>
-                </a:lnTo>
-                <a:lnTo>
-                  <a:pt x="120000" y="120000"/>
-                </a:lnTo>
-                <a:lnTo>
-                  <a:pt x="0" y="120000"/>
-                </a:lnTo>
-                <a:close/>
-              </a:path>
-            </a:pathLst>
-          </a:custGeom>
-        </p:spPr>
-      </p:sp>
-      <p:sp>
-        <p:nvSpPr>
-          <p:cNvPr id="251" name="Google Shape;251;g25c187a12a8_0_67:notes"/>
-          <p:cNvSpPr txBox="1"/>
-          <p:nvPr>
-            <p:ph idx="1" type="body"/>
-          </p:nvPr>
-        </p:nvSpPr>
-        <p:spPr>
-          <a:xfrm>
-            <a:off x="685800" y="4343400"/>
-            <a:ext cx="5486400" cy="4114800"/>
-          </a:xfrm>
-          <a:prstGeom prst="rect">
-            <a:avLst/>
-          </a:prstGeom>
-        </p:spPr>
-        <p:txBody>
-          <a:bodyPr anchorCtr="0" anchor="t" bIns="91425" lIns="91425" spcFirstLastPara="1" rIns="91425" wrap="square" tIns="91425">
-            <a:noAutofit/>
-          </a:bodyPr>
-          <a:lstStyle/>
-          <a:p>
-            <a:pPr indent="0" lvl="0" marL="0" rtl="0" algn="l">
-              <a:spcBef>
-                <a:spcPts val="0"/>
-              </a:spcBef>
-              <a:spcAft>
-                <a:spcPts val="0"/>
-              </a:spcAft>
-              <a:buNone/>
-            </a:pPr>
-            <a:r>
-              <a:t/>
-            </a:r>
-            <a:endParaRPr/>
-          </a:p>
-        </p:txBody>
-      </p:sp>
-    </p:spTree>
-  </p:cSld>
-  <p:clrMapOvr>
-    <a:masterClrMapping/>
-  </p:clrMapOvr>
-</p:notes>
-</file>
-
-<file path=ppt/notesSlides/notesSlide28.xml><?xml version="1.0" encoding="utf-8"?>
-<p:notes xmlns:a="http://schemas.openxmlformats.org/drawingml/2006/main" xmlns:r="http://schemas.openxmlformats.org/officeDocument/2006/relationships" xmlns:mc="http://schemas.openxmlformats.org/markup-compatibility/2006" xmlns:mv="urn:schemas-microsoft-com:mac:vml" xmlns:p="http://schemas.openxmlformats.org/presentationml/2006/main" xmlns:c="http://schemas.openxmlformats.org/drawingml/2006/chart" xmlns:dgm="http://schemas.openxmlformats.org/drawingml/2006/diagram" xmlns:o="urn:schemas-microsoft-com:office:office" xmlns:v="urn:schemas-microsoft-com:vml" xmlns:pvml="urn:schemas-microsoft-com:office:powerpoint" xmlns:com="http://schemas.openxmlformats.org/drawingml/2006/compatibility" xmlns:p14="http://schemas.microsoft.com/office/powerpoint/2010/main" xmlns:p15="http://schemas.microsoft.com/office/powerpoint/2012/main" xmlns:ahyp="http://schemas.microsoft.com/office/drawing/2018/hyperlinkcolor" showMasterPhAnim="0" showMasterSp="0">
-  <p:cSld>
-    <p:spTree>
-      <p:nvGrpSpPr>
-        <p:cNvPr id="256" name="Shape 256"/>
-        <p:cNvGrpSpPr/>
-        <p:nvPr/>
-      </p:nvGrpSpPr>
-      <p:grpSpPr>
-        <a:xfrm>
-          <a:off x="0" y="0"/>
-          <a:ext cx="0" cy="0"/>
-          <a:chOff x="0" y="0"/>
-          <a:chExt cx="0" cy="0"/>
-        </a:xfrm>
-      </p:grpSpPr>
-      <p:sp>
-        <p:nvSpPr>
-          <p:cNvPr id="257" name="Google Shape;257;g25c187a12a8_0_75:notes"/>
-          <p:cNvSpPr/>
-          <p:nvPr>
-            <p:ph idx="2" type="sldImg"/>
-          </p:nvPr>
-        </p:nvSpPr>
-        <p:spPr>
-          <a:xfrm>
-            <a:off x="381300" y="685800"/>
-            <a:ext cx="6096000" cy="3429000"/>
-          </a:xfrm>
-          <a:custGeom>
-            <a:rect b="b" l="l" r="r" t="t"/>
-            <a:pathLst>
-              <a:path extrusionOk="0" h="120000" w="120000">
-                <a:moveTo>
-                  <a:pt x="0" y="0"/>
-                </a:moveTo>
-                <a:lnTo>
-                  <a:pt x="120000" y="0"/>
-                </a:lnTo>
-                <a:lnTo>
-                  <a:pt x="120000" y="120000"/>
-                </a:lnTo>
-                <a:lnTo>
-                  <a:pt x="0" y="120000"/>
-                </a:lnTo>
-                <a:close/>
-              </a:path>
-            </a:pathLst>
-          </a:custGeom>
-        </p:spPr>
-      </p:sp>
-      <p:sp>
-        <p:nvSpPr>
-          <p:cNvPr id="258" name="Google Shape;258;g25c187a12a8_0_75:notes"/>
-          <p:cNvSpPr txBox="1"/>
-          <p:nvPr>
-            <p:ph idx="1" type="body"/>
-          </p:nvPr>
-        </p:nvSpPr>
-        <p:spPr>
-          <a:xfrm>
-            <a:off x="685800" y="4343400"/>
-            <a:ext cx="5486400" cy="4114800"/>
-          </a:xfrm>
-          <a:prstGeom prst="rect">
-            <a:avLst/>
-          </a:prstGeom>
-        </p:spPr>
-        <p:txBody>
-          <a:bodyPr anchorCtr="0" anchor="t" bIns="91425" lIns="91425" spcFirstLastPara="1" rIns="91425" wrap="square" tIns="91425">
-            <a:noAutofit/>
-          </a:bodyPr>
-          <a:lstStyle/>
-          <a:p>
-            <a:pPr indent="0" lvl="0" marL="0" rtl="0" algn="l">
-              <a:spcBef>
-                <a:spcPts val="0"/>
-              </a:spcBef>
-              <a:spcAft>
-                <a:spcPts val="0"/>
-              </a:spcAft>
-              <a:buNone/>
-            </a:pPr>
-            <a:r>
-              <a:t/>
-            </a:r>
-            <a:endParaRPr/>
-          </a:p>
-        </p:txBody>
-      </p:sp>
-    </p:spTree>
-  </p:cSld>
-  <p:clrMapOvr>
-    <a:masterClrMapping/>
-  </p:clrMapOvr>
-</p:notes>
-</file>
-
-<file path=ppt/notesSlides/notesSlide29.xml><?xml version="1.0" encoding="utf-8"?>
-<p:notes xmlns:a="http://schemas.openxmlformats.org/drawingml/2006/main" xmlns:r="http://schemas.openxmlformats.org/officeDocument/2006/relationships" xmlns:mc="http://schemas.openxmlformats.org/markup-compatibility/2006" xmlns:mv="urn:schemas-microsoft-com:mac:vml" xmlns:p="http://schemas.openxmlformats.org/presentationml/2006/main" xmlns:c="http://schemas.openxmlformats.org/drawingml/2006/chart" xmlns:dgm="http://schemas.openxmlformats.org/drawingml/2006/diagram" xmlns:o="urn:schemas-microsoft-com:office:office" xmlns:v="urn:schemas-microsoft-com:vml" xmlns:pvml="urn:schemas-microsoft-com:office:powerpoint" xmlns:com="http://schemas.openxmlformats.org/drawingml/2006/compatibility" xmlns:p14="http://schemas.microsoft.com/office/powerpoint/2010/main" xmlns:p15="http://schemas.microsoft.com/office/powerpoint/2012/main" xmlns:ahyp="http://schemas.microsoft.com/office/drawing/2018/hyperlinkcolor" showMasterPhAnim="0" showMasterSp="0">
-  <p:cSld>
-    <p:spTree>
-      <p:nvGrpSpPr>
-        <p:cNvPr id="262" name="Shape 262"/>
-        <p:cNvGrpSpPr/>
-        <p:nvPr/>
-      </p:nvGrpSpPr>
-      <p:grpSpPr>
-        <a:xfrm>
-          <a:off x="0" y="0"/>
-          <a:ext cx="0" cy="0"/>
-          <a:chOff x="0" y="0"/>
-          <a:chExt cx="0" cy="0"/>
-        </a:xfrm>
-      </p:grpSpPr>
-      <p:sp>
-        <p:nvSpPr>
-          <p:cNvPr id="263" name="Google Shape;263;g25c187a12a8_0_23:notes"/>
-          <p:cNvSpPr/>
-          <p:nvPr>
-            <p:ph idx="2" type="sldImg"/>
-          </p:nvPr>
-        </p:nvSpPr>
-        <p:spPr>
-          <a:xfrm>
-            <a:off x="381300" y="685800"/>
-            <a:ext cx="6096000" cy="3429000"/>
-          </a:xfrm>
-          <a:custGeom>
-            <a:rect b="b" l="l" r="r" t="t"/>
-            <a:pathLst>
-              <a:path extrusionOk="0" h="120000" w="120000">
-                <a:moveTo>
-                  <a:pt x="0" y="0"/>
-                </a:moveTo>
-                <a:lnTo>
-                  <a:pt x="120000" y="0"/>
-                </a:lnTo>
-                <a:lnTo>
-                  <a:pt x="120000" y="120000"/>
-                </a:lnTo>
-                <a:lnTo>
-                  <a:pt x="0" y="120000"/>
-                </a:lnTo>
-                <a:close/>
-              </a:path>
-            </a:pathLst>
-          </a:custGeom>
-        </p:spPr>
-      </p:sp>
-      <p:sp>
-        <p:nvSpPr>
-          <p:cNvPr id="264" name="Google Shape;264;g25c187a12a8_0_23:notes"/>
-          <p:cNvSpPr txBox="1"/>
-          <p:nvPr>
-            <p:ph idx="1" type="body"/>
-          </p:nvPr>
-        </p:nvSpPr>
-        <p:spPr>
-          <a:xfrm>
-            <a:off x="685800" y="4343400"/>
-            <a:ext cx="5486400" cy="4114800"/>
-          </a:xfrm>
-          <a:prstGeom prst="rect">
-            <a:avLst/>
-          </a:prstGeom>
-        </p:spPr>
-        <p:txBody>
-          <a:bodyPr anchorCtr="0" anchor="t" bIns="91425" lIns="91425" spcFirstLastPara="1" rIns="91425" wrap="square" tIns="91425">
-            <a:noAutofit/>
-          </a:bodyPr>
-          <a:lstStyle/>
-          <a:p>
-            <a:pPr indent="0" lvl="0" marL="0" rtl="0" algn="l">
-              <a:spcBef>
-                <a:spcPts val="0"/>
-              </a:spcBef>
-              <a:spcAft>
-                <a:spcPts val="0"/>
-              </a:spcAft>
-              <a:buNone/>
-            </a:pPr>
-            <a:r>
-              <a:t/>
-            </a:r>
-            <a:endParaRPr/>
-          </a:p>
-        </p:txBody>
-      </p:sp>
-    </p:spTree>
-  </p:cSld>
-  <p:clrMapOvr>
-    <a:masterClrMapping/>
-  </p:clrMapOvr>
-</p:notes>
-</file>
-
-<file path=ppt/notesSlides/notesSlide3.xml><?xml version="1.0" encoding="utf-8"?>
-<p:notes xmlns:a="http://schemas.openxmlformats.org/drawingml/2006/main" xmlns:r="http://schemas.openxmlformats.org/officeDocument/2006/relationships" xmlns:mc="http://schemas.openxmlformats.org/markup-compatibility/2006" xmlns:mv="urn:schemas-microsoft-com:mac:vml" xmlns:p="http://schemas.openxmlformats.org/presentationml/2006/main" xmlns:c="http://schemas.openxmlformats.org/drawingml/2006/chart" xmlns:dgm="http://schemas.openxmlformats.org/drawingml/2006/diagram" xmlns:o="urn:schemas-microsoft-com:office:office" xmlns:v="urn:schemas-microsoft-com:vml" xmlns:pvml="urn:schemas-microsoft-com:office:powerpoint" xmlns:com="http://schemas.openxmlformats.org/drawingml/2006/compatibility" xmlns:p14="http://schemas.microsoft.com/office/powerpoint/2010/main" xmlns:p15="http://schemas.microsoft.com/office/powerpoint/2012/main" xmlns:ahyp="http://schemas.microsoft.com/office/drawing/2018/hyperlinkcolor" showMasterPhAnim="0" showMasterSp="0">
-  <p:cSld>
-    <p:spTree>
-      <p:nvGrpSpPr>
-        <p:cNvPr id="62" name="Shape 62"/>
-        <p:cNvGrpSpPr/>
-        <p:nvPr/>
-      </p:nvGrpSpPr>
-      <p:grpSpPr>
-        <a:xfrm>
-          <a:off x="0" y="0"/>
-          <a:ext cx="0" cy="0"/>
-          <a:chOff x="0" y="0"/>
-          <a:chExt cx="0" cy="0"/>
-        </a:xfrm>
-      </p:grpSpPr>
-      <p:sp>
-        <p:nvSpPr>
-          <p:cNvPr id="63" name="Google Shape;63;g25de1d07f2a_0_0:notes"/>
-          <p:cNvSpPr/>
-          <p:nvPr>
-            <p:ph idx="2" type="sldImg"/>
-          </p:nvPr>
-        </p:nvSpPr>
-        <p:spPr>
-          <a:xfrm>
-            <a:off x="381300" y="685800"/>
-            <a:ext cx="6096000" cy="3429000"/>
-          </a:xfrm>
-          <a:custGeom>
-            <a:rect b="b" l="l" r="r" t="t"/>
-            <a:pathLst>
-              <a:path extrusionOk="0" h="120000" w="120000">
-                <a:moveTo>
-                  <a:pt x="0" y="0"/>
-                </a:moveTo>
-                <a:lnTo>
-                  <a:pt x="120000" y="0"/>
-                </a:lnTo>
-                <a:lnTo>
-                  <a:pt x="120000" y="120000"/>
-                </a:lnTo>
-                <a:lnTo>
-                  <a:pt x="0" y="120000"/>
-                </a:lnTo>
-                <a:close/>
-              </a:path>
-            </a:pathLst>
-          </a:custGeom>
-        </p:spPr>
-      </p:sp>
-      <p:sp>
-        <p:nvSpPr>
           <p:cNvPr id="64" name="Google Shape;64;g25de1d07f2a_0_0:notes"/>
-          <p:cNvSpPr txBox="1"/>
-          <p:nvPr>
-            <p:ph idx="1" type="body"/>
-          </p:nvPr>
-        </p:nvSpPr>
-        <p:spPr>
-          <a:xfrm>
-            <a:off x="685800" y="4343400"/>
-            <a:ext cx="5486400" cy="4114800"/>
-          </a:xfrm>
-          <a:prstGeom prst="rect">
-            <a:avLst/>
-          </a:prstGeom>
-        </p:spPr>
-        <p:txBody>
-          <a:bodyPr anchorCtr="0" anchor="t" bIns="91425" lIns="91425" spcFirstLastPara="1" rIns="91425" wrap="square" tIns="91425">
-            <a:noAutofit/>
-          </a:bodyPr>
-          <a:lstStyle/>
-          <a:p>
-            <a:pPr indent="0" lvl="0" marL="0" rtl="0" algn="l">
-              <a:spcBef>
-                <a:spcPts val="0"/>
-              </a:spcBef>
-              <a:spcAft>
-                <a:spcPts val="0"/>
-              </a:spcAft>
-              <a:buNone/>
-            </a:pPr>
-            <a:r>
-              <a:t/>
-            </a:r>
-            <a:endParaRPr/>
-          </a:p>
-        </p:txBody>
-      </p:sp>
-    </p:spTree>
-  </p:cSld>
-  <p:clrMapOvr>
-    <a:masterClrMapping/>
-  </p:clrMapOvr>
-</p:notes>
-</file>
-
-<file path=ppt/notesSlides/notesSlide30.xml><?xml version="1.0" encoding="utf-8"?>
-<p:notes xmlns:a="http://schemas.openxmlformats.org/drawingml/2006/main" xmlns:r="http://schemas.openxmlformats.org/officeDocument/2006/relationships" xmlns:mc="http://schemas.openxmlformats.org/markup-compatibility/2006" xmlns:mv="urn:schemas-microsoft-com:mac:vml" xmlns:p="http://schemas.openxmlformats.org/presentationml/2006/main" xmlns:c="http://schemas.openxmlformats.org/drawingml/2006/chart" xmlns:dgm="http://schemas.openxmlformats.org/drawingml/2006/diagram" xmlns:o="urn:schemas-microsoft-com:office:office" xmlns:v="urn:schemas-microsoft-com:vml" xmlns:pvml="urn:schemas-microsoft-com:office:powerpoint" xmlns:com="http://schemas.openxmlformats.org/drawingml/2006/compatibility" xmlns:p14="http://schemas.microsoft.com/office/powerpoint/2010/main" xmlns:p15="http://schemas.microsoft.com/office/powerpoint/2012/main" xmlns:ahyp="http://schemas.microsoft.com/office/drawing/2018/hyperlinkcolor" showMasterPhAnim="0" showMasterSp="0">
-  <p:cSld>
-    <p:spTree>
-      <p:nvGrpSpPr>
-        <p:cNvPr id="269" name="Shape 269"/>
-        <p:cNvGrpSpPr/>
-        <p:nvPr/>
-      </p:nvGrpSpPr>
-      <p:grpSpPr>
-        <a:xfrm>
-          <a:off x="0" y="0"/>
-          <a:ext cx="0" cy="0"/>
-          <a:chOff x="0" y="0"/>
-          <a:chExt cx="0" cy="0"/>
-        </a:xfrm>
-      </p:grpSpPr>
-      <p:sp>
-        <p:nvSpPr>
-          <p:cNvPr id="270" name="Google Shape;270;g25d2dcfdf6c_0_1:notes"/>
-          <p:cNvSpPr/>
-          <p:nvPr>
-            <p:ph idx="2" type="sldImg"/>
-          </p:nvPr>
-        </p:nvSpPr>
-        <p:spPr>
-          <a:xfrm>
-            <a:off x="381300" y="685800"/>
-            <a:ext cx="6096000" cy="3429000"/>
-          </a:xfrm>
-          <a:custGeom>
-            <a:rect b="b" l="l" r="r" t="t"/>
-            <a:pathLst>
-              <a:path extrusionOk="0" h="120000" w="120000">
-                <a:moveTo>
-                  <a:pt x="0" y="0"/>
-                </a:moveTo>
-                <a:lnTo>
-                  <a:pt x="120000" y="0"/>
-                </a:lnTo>
-                <a:lnTo>
-                  <a:pt x="120000" y="120000"/>
-                </a:lnTo>
-                <a:lnTo>
-                  <a:pt x="0" y="120000"/>
-                </a:lnTo>
-                <a:close/>
-              </a:path>
-            </a:pathLst>
-          </a:custGeom>
-        </p:spPr>
-      </p:sp>
-      <p:sp>
-        <p:nvSpPr>
-          <p:cNvPr id="271" name="Google Shape;271;g25d2dcfdf6c_0_1:notes"/>
-          <p:cNvSpPr txBox="1"/>
-          <p:nvPr>
-            <p:ph idx="1" type="body"/>
-          </p:nvPr>
-        </p:nvSpPr>
-        <p:spPr>
-          <a:xfrm>
-            <a:off x="685800" y="4343400"/>
-            <a:ext cx="5486400" cy="4114800"/>
-          </a:xfrm>
-          <a:prstGeom prst="rect">
-            <a:avLst/>
-          </a:prstGeom>
-        </p:spPr>
-        <p:txBody>
-          <a:bodyPr anchorCtr="0" anchor="t" bIns="91425" lIns="91425" spcFirstLastPara="1" rIns="91425" wrap="square" tIns="91425">
-            <a:noAutofit/>
-          </a:bodyPr>
-          <a:lstStyle/>
-          <a:p>
-            <a:pPr indent="0" lvl="0" marL="0" rtl="0" algn="l">
-              <a:spcBef>
-                <a:spcPts val="0"/>
-              </a:spcBef>
-              <a:spcAft>
-                <a:spcPts val="0"/>
-              </a:spcAft>
-              <a:buNone/>
-            </a:pPr>
-            <a:r>
-              <a:t/>
-            </a:r>
-            <a:endParaRPr/>
-          </a:p>
-        </p:txBody>
-      </p:sp>
-    </p:spTree>
-  </p:cSld>
-  <p:clrMapOvr>
-    <a:masterClrMapping/>
-  </p:clrMapOvr>
-</p:notes>
-</file>
-
-<file path=ppt/notesSlides/notesSlide31.xml><?xml version="1.0" encoding="utf-8"?>
-<p:notes xmlns:a="http://schemas.openxmlformats.org/drawingml/2006/main" xmlns:r="http://schemas.openxmlformats.org/officeDocument/2006/relationships" xmlns:mc="http://schemas.openxmlformats.org/markup-compatibility/2006" xmlns:mv="urn:schemas-microsoft-com:mac:vml" xmlns:p="http://schemas.openxmlformats.org/presentationml/2006/main" xmlns:c="http://schemas.openxmlformats.org/drawingml/2006/chart" xmlns:dgm="http://schemas.openxmlformats.org/drawingml/2006/diagram" xmlns:o="urn:schemas-microsoft-com:office:office" xmlns:v="urn:schemas-microsoft-com:vml" xmlns:pvml="urn:schemas-microsoft-com:office:powerpoint" xmlns:com="http://schemas.openxmlformats.org/drawingml/2006/compatibility" xmlns:p14="http://schemas.microsoft.com/office/powerpoint/2010/main" xmlns:p15="http://schemas.microsoft.com/office/powerpoint/2012/main" xmlns:ahyp="http://schemas.microsoft.com/office/drawing/2018/hyperlinkcolor" showMasterPhAnim="0" showMasterSp="0">
-  <p:cSld>
-    <p:spTree>
-      <p:nvGrpSpPr>
-        <p:cNvPr id="276" name="Shape 276"/>
-        <p:cNvGrpSpPr/>
-        <p:nvPr/>
-      </p:nvGrpSpPr>
-      <p:grpSpPr>
-        <a:xfrm>
-          <a:off x="0" y="0"/>
-          <a:ext cx="0" cy="0"/>
-          <a:chOff x="0" y="0"/>
-          <a:chExt cx="0" cy="0"/>
-        </a:xfrm>
-      </p:grpSpPr>
-      <p:sp>
-        <p:nvSpPr>
-          <p:cNvPr id="277" name="Google Shape;277;g25d2dcfdf6c_0_7:notes"/>
-          <p:cNvSpPr/>
-          <p:nvPr>
-            <p:ph idx="2" type="sldImg"/>
-          </p:nvPr>
-        </p:nvSpPr>
-        <p:spPr>
-          <a:xfrm>
-            <a:off x="381300" y="685800"/>
-            <a:ext cx="6096000" cy="3429000"/>
-          </a:xfrm>
-          <a:custGeom>
-            <a:rect b="b" l="l" r="r" t="t"/>
-            <a:pathLst>
-              <a:path extrusionOk="0" h="120000" w="120000">
-                <a:moveTo>
-                  <a:pt x="0" y="0"/>
-                </a:moveTo>
-                <a:lnTo>
-                  <a:pt x="120000" y="0"/>
-                </a:lnTo>
-                <a:lnTo>
-                  <a:pt x="120000" y="120000"/>
-                </a:lnTo>
-                <a:lnTo>
-                  <a:pt x="0" y="120000"/>
-                </a:lnTo>
-                <a:close/>
-              </a:path>
-            </a:pathLst>
-          </a:custGeom>
-        </p:spPr>
-      </p:sp>
-      <p:sp>
-        <p:nvSpPr>
-          <p:cNvPr id="278" name="Google Shape;278;g25d2dcfdf6c_0_7:notes"/>
-          <p:cNvSpPr txBox="1"/>
-          <p:nvPr>
-            <p:ph idx="1" type="body"/>
-          </p:nvPr>
-        </p:nvSpPr>
-        <p:spPr>
-          <a:xfrm>
-            <a:off x="685800" y="4343400"/>
-            <a:ext cx="5486400" cy="4114800"/>
-          </a:xfrm>
-          <a:prstGeom prst="rect">
-            <a:avLst/>
-          </a:prstGeom>
-        </p:spPr>
-        <p:txBody>
-          <a:bodyPr anchorCtr="0" anchor="t" bIns="91425" lIns="91425" spcFirstLastPara="1" rIns="91425" wrap="square" tIns="91425">
-            <a:noAutofit/>
-          </a:bodyPr>
-          <a:lstStyle/>
-          <a:p>
-            <a:pPr indent="0" lvl="0" marL="0" rtl="0" algn="l">
-              <a:spcBef>
-                <a:spcPts val="0"/>
-              </a:spcBef>
-              <a:spcAft>
-                <a:spcPts val="0"/>
-              </a:spcAft>
-              <a:buNone/>
-            </a:pPr>
-            <a:r>
-              <a:t/>
-            </a:r>
-            <a:endParaRPr/>
-          </a:p>
-        </p:txBody>
-      </p:sp>
-    </p:spTree>
-  </p:cSld>
-  <p:clrMapOvr>
-    <a:masterClrMapping/>
-  </p:clrMapOvr>
-</p:notes>
-</file>
-
-<file path=ppt/notesSlides/notesSlide32.xml><?xml version="1.0" encoding="utf-8"?>
-<p:notes xmlns:a="http://schemas.openxmlformats.org/drawingml/2006/main" xmlns:r="http://schemas.openxmlformats.org/officeDocument/2006/relationships" xmlns:mc="http://schemas.openxmlformats.org/markup-compatibility/2006" xmlns:mv="urn:schemas-microsoft-com:mac:vml" xmlns:p="http://schemas.openxmlformats.org/presentationml/2006/main" xmlns:c="http://schemas.openxmlformats.org/drawingml/2006/chart" xmlns:dgm="http://schemas.openxmlformats.org/drawingml/2006/diagram" xmlns:o="urn:schemas-microsoft-com:office:office" xmlns:v="urn:schemas-microsoft-com:vml" xmlns:pvml="urn:schemas-microsoft-com:office:powerpoint" xmlns:com="http://schemas.openxmlformats.org/drawingml/2006/compatibility" xmlns:p14="http://schemas.microsoft.com/office/powerpoint/2010/main" xmlns:p15="http://schemas.microsoft.com/office/powerpoint/2012/main" xmlns:ahyp="http://schemas.microsoft.com/office/drawing/2018/hyperlinkcolor" showMasterPhAnim="0" showMasterSp="0">
-  <p:cSld>
-    <p:spTree>
-      <p:nvGrpSpPr>
-        <p:cNvPr id="283" name="Shape 283"/>
-        <p:cNvGrpSpPr/>
-        <p:nvPr/>
-      </p:nvGrpSpPr>
-      <p:grpSpPr>
-        <a:xfrm>
-          <a:off x="0" y="0"/>
-          <a:ext cx="0" cy="0"/>
-          <a:chOff x="0" y="0"/>
-          <a:chExt cx="0" cy="0"/>
-        </a:xfrm>
-      </p:grpSpPr>
-      <p:sp>
-        <p:nvSpPr>
-          <p:cNvPr id="284" name="Google Shape;284;g25d2dcfdf6c_0_13:notes"/>
-          <p:cNvSpPr/>
-          <p:nvPr>
-            <p:ph idx="2" type="sldImg"/>
-          </p:nvPr>
-        </p:nvSpPr>
-        <p:spPr>
-          <a:xfrm>
-            <a:off x="381300" y="685800"/>
-            <a:ext cx="6096000" cy="3429000"/>
-          </a:xfrm>
-          <a:custGeom>
-            <a:rect b="b" l="l" r="r" t="t"/>
-            <a:pathLst>
-              <a:path extrusionOk="0" h="120000" w="120000">
-                <a:moveTo>
-                  <a:pt x="0" y="0"/>
-                </a:moveTo>
-                <a:lnTo>
-                  <a:pt x="120000" y="0"/>
-                </a:lnTo>
-                <a:lnTo>
-                  <a:pt x="120000" y="120000"/>
-                </a:lnTo>
-                <a:lnTo>
-                  <a:pt x="0" y="120000"/>
-                </a:lnTo>
-                <a:close/>
-              </a:path>
-            </a:pathLst>
-          </a:custGeom>
-        </p:spPr>
-      </p:sp>
-      <p:sp>
-        <p:nvSpPr>
-          <p:cNvPr id="285" name="Google Shape;285;g25d2dcfdf6c_0_13:notes"/>
-          <p:cNvSpPr txBox="1"/>
-          <p:nvPr>
-            <p:ph idx="1" type="body"/>
-          </p:nvPr>
-        </p:nvSpPr>
-        <p:spPr>
-          <a:xfrm>
-            <a:off x="685800" y="4343400"/>
-            <a:ext cx="5486400" cy="4114800"/>
-          </a:xfrm>
-          <a:prstGeom prst="rect">
-            <a:avLst/>
-          </a:prstGeom>
-        </p:spPr>
-        <p:txBody>
-          <a:bodyPr anchorCtr="0" anchor="t" bIns="91425" lIns="91425" spcFirstLastPara="1" rIns="91425" wrap="square" tIns="91425">
-            <a:noAutofit/>
-          </a:bodyPr>
-          <a:lstStyle/>
-          <a:p>
-            <a:pPr indent="0" lvl="0" marL="0" rtl="0" algn="l">
-              <a:spcBef>
-                <a:spcPts val="0"/>
-              </a:spcBef>
-              <a:spcAft>
-                <a:spcPts val="0"/>
-              </a:spcAft>
-              <a:buNone/>
-            </a:pPr>
-            <a:r>
-              <a:t/>
-            </a:r>
-            <a:endParaRPr/>
-          </a:p>
-        </p:txBody>
-      </p:sp>
-    </p:spTree>
-  </p:cSld>
-  <p:clrMapOvr>
-    <a:masterClrMapping/>
-  </p:clrMapOvr>
-</p:notes>
-</file>
-
-<file path=ppt/notesSlides/notesSlide33.xml><?xml version="1.0" encoding="utf-8"?>
-<p:notes xmlns:a="http://schemas.openxmlformats.org/drawingml/2006/main" xmlns:r="http://schemas.openxmlformats.org/officeDocument/2006/relationships" xmlns:mc="http://schemas.openxmlformats.org/markup-compatibility/2006" xmlns:mv="urn:schemas-microsoft-com:mac:vml" xmlns:p="http://schemas.openxmlformats.org/presentationml/2006/main" xmlns:c="http://schemas.openxmlformats.org/drawingml/2006/chart" xmlns:dgm="http://schemas.openxmlformats.org/drawingml/2006/diagram" xmlns:o="urn:schemas-microsoft-com:office:office" xmlns:v="urn:schemas-microsoft-com:vml" xmlns:pvml="urn:schemas-microsoft-com:office:powerpoint" xmlns:com="http://schemas.openxmlformats.org/drawingml/2006/compatibility" xmlns:p14="http://schemas.microsoft.com/office/powerpoint/2010/main" xmlns:p15="http://schemas.microsoft.com/office/powerpoint/2012/main" xmlns:ahyp="http://schemas.microsoft.com/office/drawing/2018/hyperlinkcolor" showMasterPhAnim="0" showMasterSp="0">
-  <p:cSld>
-    <p:spTree>
-      <p:nvGrpSpPr>
-        <p:cNvPr id="290" name="Shape 290"/>
-        <p:cNvGrpSpPr/>
-        <p:nvPr/>
-      </p:nvGrpSpPr>
-      <p:grpSpPr>
-        <a:xfrm>
-          <a:off x="0" y="0"/>
-          <a:ext cx="0" cy="0"/>
-          <a:chOff x="0" y="0"/>
-          <a:chExt cx="0" cy="0"/>
-        </a:xfrm>
-      </p:grpSpPr>
-      <p:sp>
-        <p:nvSpPr>
-          <p:cNvPr id="291" name="Google Shape;291;g25d2dcfdf6c_0_19:notes"/>
-          <p:cNvSpPr/>
-          <p:nvPr>
-            <p:ph idx="2" type="sldImg"/>
-          </p:nvPr>
-        </p:nvSpPr>
-        <p:spPr>
-          <a:xfrm>
-            <a:off x="381300" y="685800"/>
-            <a:ext cx="6096000" cy="3429000"/>
-          </a:xfrm>
-          <a:custGeom>
-            <a:rect b="b" l="l" r="r" t="t"/>
-            <a:pathLst>
-              <a:path extrusionOk="0" h="120000" w="120000">
-                <a:moveTo>
-                  <a:pt x="0" y="0"/>
-                </a:moveTo>
-                <a:lnTo>
-                  <a:pt x="120000" y="0"/>
-                </a:lnTo>
-                <a:lnTo>
-                  <a:pt x="120000" y="120000"/>
-                </a:lnTo>
-                <a:lnTo>
-                  <a:pt x="0" y="120000"/>
-                </a:lnTo>
-                <a:close/>
-              </a:path>
-            </a:pathLst>
-          </a:custGeom>
-        </p:spPr>
-      </p:sp>
-      <p:sp>
-        <p:nvSpPr>
-          <p:cNvPr id="292" name="Google Shape;292;g25d2dcfdf6c_0_19:notes"/>
-          <p:cNvSpPr txBox="1"/>
-          <p:nvPr>
-            <p:ph idx="1" type="body"/>
-          </p:nvPr>
-        </p:nvSpPr>
-        <p:spPr>
-          <a:xfrm>
-            <a:off x="685800" y="4343400"/>
-            <a:ext cx="5486400" cy="4114800"/>
-          </a:xfrm>
-          <a:prstGeom prst="rect">
-            <a:avLst/>
-          </a:prstGeom>
-        </p:spPr>
-        <p:txBody>
-          <a:bodyPr anchorCtr="0" anchor="t" bIns="91425" lIns="91425" spcFirstLastPara="1" rIns="91425" wrap="square" tIns="91425">
-            <a:noAutofit/>
-          </a:bodyPr>
-          <a:lstStyle/>
-          <a:p>
-            <a:pPr indent="0" lvl="0" marL="0" rtl="0" algn="l">
-              <a:spcBef>
-                <a:spcPts val="0"/>
-              </a:spcBef>
-              <a:spcAft>
-                <a:spcPts val="0"/>
-              </a:spcAft>
-              <a:buNone/>
-            </a:pPr>
-            <a:r>
-              <a:t/>
-            </a:r>
-            <a:endParaRPr/>
-          </a:p>
-        </p:txBody>
-      </p:sp>
-    </p:spTree>
-  </p:cSld>
-  <p:clrMapOvr>
-    <a:masterClrMapping/>
-  </p:clrMapOvr>
-</p:notes>
-</file>
-
-<file path=ppt/notesSlides/notesSlide34.xml><?xml version="1.0" encoding="utf-8"?>
-<p:notes xmlns:a="http://schemas.openxmlformats.org/drawingml/2006/main" xmlns:r="http://schemas.openxmlformats.org/officeDocument/2006/relationships" xmlns:mc="http://schemas.openxmlformats.org/markup-compatibility/2006" xmlns:mv="urn:schemas-microsoft-com:mac:vml" xmlns:p="http://schemas.openxmlformats.org/presentationml/2006/main" xmlns:c="http://schemas.openxmlformats.org/drawingml/2006/chart" xmlns:dgm="http://schemas.openxmlformats.org/drawingml/2006/diagram" xmlns:o="urn:schemas-microsoft-com:office:office" xmlns:v="urn:schemas-microsoft-com:vml" xmlns:pvml="urn:schemas-microsoft-com:office:powerpoint" xmlns:com="http://schemas.openxmlformats.org/drawingml/2006/compatibility" xmlns:p14="http://schemas.microsoft.com/office/powerpoint/2010/main" xmlns:p15="http://schemas.microsoft.com/office/powerpoint/2012/main" xmlns:ahyp="http://schemas.microsoft.com/office/drawing/2018/hyperlinkcolor" showMasterPhAnim="0" showMasterSp="0">
-  <p:cSld>
-    <p:spTree>
-      <p:nvGrpSpPr>
-        <p:cNvPr id="297" name="Shape 297"/>
-        <p:cNvGrpSpPr/>
-        <p:nvPr/>
-      </p:nvGrpSpPr>
-      <p:grpSpPr>
-        <a:xfrm>
-          <a:off x="0" y="0"/>
-          <a:ext cx="0" cy="0"/>
-          <a:chOff x="0" y="0"/>
-          <a:chExt cx="0" cy="0"/>
-        </a:xfrm>
-      </p:grpSpPr>
-      <p:sp>
-        <p:nvSpPr>
-          <p:cNvPr id="298" name="Google Shape;298;g25d2dcfdf6c_0_25:notes"/>
-          <p:cNvSpPr/>
-          <p:nvPr>
-            <p:ph idx="2" type="sldImg"/>
-          </p:nvPr>
-        </p:nvSpPr>
-        <p:spPr>
-          <a:xfrm>
-            <a:off x="381300" y="685800"/>
-            <a:ext cx="6096000" cy="3429000"/>
-          </a:xfrm>
-          <a:custGeom>
-            <a:rect b="b" l="l" r="r" t="t"/>
-            <a:pathLst>
-              <a:path extrusionOk="0" h="120000" w="120000">
-                <a:moveTo>
-                  <a:pt x="0" y="0"/>
-                </a:moveTo>
-                <a:lnTo>
-                  <a:pt x="120000" y="0"/>
-                </a:lnTo>
-                <a:lnTo>
-                  <a:pt x="120000" y="120000"/>
-                </a:lnTo>
-                <a:lnTo>
-                  <a:pt x="0" y="120000"/>
-                </a:lnTo>
-                <a:close/>
-              </a:path>
-            </a:pathLst>
-          </a:custGeom>
-        </p:spPr>
-      </p:sp>
-      <p:sp>
-        <p:nvSpPr>
-          <p:cNvPr id="299" name="Google Shape;299;g25d2dcfdf6c_0_25:notes"/>
           <p:cNvSpPr txBox="1"/>
           <p:nvPr>
             <p:ph idx="1" type="body"/>
@@ -8811,19 +7211,7 @@
                 <a:cs typeface="Proxima Nova"/>
                 <a:sym typeface="Proxima Nova"/>
               </a:rPr>
-              <a:t>Deploying models to AWS Lambda using Docker</a:t>
-            </a:r>
-            <a:r>
-              <a:rPr lang="en" sz="4800">
-                <a:solidFill>
-                  <a:schemeClr val="dk2"/>
-                </a:solidFill>
-                <a:latin typeface="Proxima Nova"/>
-                <a:ea typeface="Proxima Nova"/>
-                <a:cs typeface="Proxima Nova"/>
-                <a:sym typeface="Proxima Nova"/>
-              </a:rPr>
-              <a:t> </a:t>
+              <a:t>Deploying machine learning models to AWS Lambda</a:t>
             </a:r>
             <a:endParaRPr>
               <a:solidFill>
@@ -8901,7 +7289,7 @@
   <p:cSld>
     <p:spTree>
       <p:nvGrpSpPr>
-        <p:cNvPr id="140" name="Shape 140"/>
+        <p:cNvPr id="139" name="Shape 139"/>
         <p:cNvGrpSpPr/>
         <p:nvPr/>
       </p:nvGrpSpPr>
@@ -8915,7 +7303,7 @@
       </p:grpSpPr>
       <p:sp>
         <p:nvSpPr>
-          <p:cNvPr id="141" name="Google Shape;141;p22"/>
+          <p:cNvPr id="140" name="Google Shape;140;p22"/>
           <p:cNvSpPr txBox="1"/>
           <p:nvPr>
             <p:ph type="title"/>
@@ -8964,7 +7352,7 @@
       </p:sp>
       <p:sp>
         <p:nvSpPr>
-          <p:cNvPr id="142" name="Google Shape;142;p22"/>
+          <p:cNvPr id="141" name="Google Shape;141;p22"/>
           <p:cNvSpPr txBox="1"/>
           <p:nvPr>
             <p:ph idx="1" type="body"/>
@@ -9001,51 +7389,9 @@
           </a:p>
         </p:txBody>
       </p:sp>
-      <p:sp>
-        <p:nvSpPr>
-          <p:cNvPr id="143" name="Google Shape;143;p22"/>
-          <p:cNvSpPr txBox="1"/>
-          <p:nvPr/>
-        </p:nvSpPr>
-        <p:spPr>
-          <a:xfrm>
-            <a:off x="3561900" y="4385925"/>
-            <a:ext cx="5369400" cy="615600"/>
-          </a:xfrm>
-          <a:prstGeom prst="rect">
-            <a:avLst/>
-          </a:prstGeom>
-          <a:noFill/>
-          <a:ln>
-            <a:noFill/>
-          </a:ln>
-        </p:spPr>
-        <p:txBody>
-          <a:bodyPr anchorCtr="0" anchor="t" bIns="91425" lIns="91425" spcFirstLastPara="1" rIns="91425" wrap="square" tIns="91425">
-            <a:spAutoFit/>
-          </a:bodyPr>
-          <a:lstStyle/>
-          <a:p>
-            <a:pPr indent="0" lvl="0" marL="0" rtl="0" algn="l">
-              <a:spcBef>
-                <a:spcPts val="0"/>
-              </a:spcBef>
-              <a:spcAft>
-                <a:spcPts val="0"/>
-              </a:spcAft>
-              <a:buNone/>
-            </a:pPr>
-            <a:r>
-              <a:rPr lang="en"/>
-              <a:t>https://docs.aws.amazon.com/serverless-application-model/latest/developerguide/using-sam-cli-init.html</a:t>
-            </a:r>
-            <a:endParaRPr/>
-          </a:p>
-        </p:txBody>
-      </p:sp>
       <p:pic>
         <p:nvPicPr>
-          <p:cNvPr id="144" name="Google Shape;144;p22"/>
+          <p:cNvPr id="142" name="Google Shape;142;p22"/>
           <p:cNvPicPr preferRelativeResize="0"/>
           <p:nvPr/>
         </p:nvPicPr>
@@ -9071,6 +7417,56 @@
           </a:ln>
         </p:spPr>
       </p:pic>
+      <p:sp>
+        <p:nvSpPr>
+          <p:cNvPr id="143" name="Google Shape;143;p22"/>
+          <p:cNvSpPr txBox="1"/>
+          <p:nvPr/>
+        </p:nvSpPr>
+        <p:spPr>
+          <a:xfrm>
+            <a:off x="7455350" y="1395300"/>
+            <a:ext cx="1710000" cy="1046700"/>
+          </a:xfrm>
+          <a:prstGeom prst="rect">
+            <a:avLst/>
+          </a:prstGeom>
+          <a:noFill/>
+          <a:ln>
+            <a:noFill/>
+          </a:ln>
+        </p:spPr>
+        <p:txBody>
+          <a:bodyPr anchorCtr="0" anchor="t" bIns="91425" lIns="91425" spcFirstLastPara="1" rIns="91425" wrap="square" tIns="91425">
+            <a:spAutoFit/>
+          </a:bodyPr>
+          <a:lstStyle/>
+          <a:p>
+            <a:pPr indent="0" lvl="0" marL="0" rtl="0" algn="l">
+              <a:spcBef>
+                <a:spcPts val="0"/>
+              </a:spcBef>
+              <a:spcAft>
+                <a:spcPts val="0"/>
+              </a:spcAft>
+              <a:buNone/>
+            </a:pPr>
+            <a:r>
+              <a:rPr lang="en">
+                <a:solidFill>
+                  <a:srgbClr val="FF0000"/>
+                </a:solidFill>
+              </a:rPr>
+              <a:t>XRay tracing - Troubleshoot Lambda function issues</a:t>
+            </a:r>
+            <a:endParaRPr>
+              <a:solidFill>
+                <a:srgbClr val="FF0000"/>
+              </a:solidFill>
+            </a:endParaRPr>
+          </a:p>
+        </p:txBody>
+      </p:sp>
     </p:spTree>
   </p:cSld>
   <p:clrMapOvr>
@@ -9084,7 +7480,7 @@
   <p:cSld>
     <p:spTree>
       <p:nvGrpSpPr>
-        <p:cNvPr id="148" name="Shape 148"/>
+        <p:cNvPr id="147" name="Shape 147"/>
         <p:cNvGrpSpPr/>
         <p:nvPr/>
       </p:nvGrpSpPr>
@@ -9098,7 +7494,7 @@
       </p:grpSpPr>
       <p:sp>
         <p:nvSpPr>
-          <p:cNvPr id="149" name="Google Shape;149;p23"/>
+          <p:cNvPr id="148" name="Google Shape;148;p23"/>
           <p:cNvSpPr txBox="1"/>
           <p:nvPr>
             <p:ph type="title"/>
@@ -9142,7 +7538,7 @@
       </p:sp>
       <p:sp>
         <p:nvSpPr>
-          <p:cNvPr id="150" name="Google Shape;150;p23"/>
+          <p:cNvPr id="149" name="Google Shape;149;p23"/>
           <p:cNvSpPr txBox="1"/>
           <p:nvPr>
             <p:ph idx="1" type="body"/>
@@ -9179,7 +7575,7 @@
             </a:r>
             <a:r>
               <a:rPr lang="en"/>
-              <a:t>odify following files (you can use my repo to see the modifications)</a:t>
+              <a:t>odify following files (you can compare with my repo to see the modifications)</a:t>
             </a:r>
             <a:endParaRPr/>
           </a:p>
@@ -9423,7 +7819,7 @@
   <p:cSld>
     <p:spTree>
       <p:nvGrpSpPr>
-        <p:cNvPr id="154" name="Shape 154"/>
+        <p:cNvPr id="153" name="Shape 153"/>
         <p:cNvGrpSpPr/>
         <p:nvPr/>
       </p:nvGrpSpPr>
@@ -9437,7 +7833,7 @@
       </p:grpSpPr>
       <p:sp>
         <p:nvSpPr>
-          <p:cNvPr id="155" name="Google Shape;155;p24"/>
+          <p:cNvPr id="154" name="Google Shape;154;p24"/>
           <p:cNvSpPr txBox="1"/>
           <p:nvPr>
             <p:ph type="title"/>
@@ -9469,7 +7865,7 @@
             </a:pPr>
             <a:r>
               <a:rPr lang="en"/>
-              <a:t>Deployment</a:t>
+              <a:t>Downloading the model</a:t>
             </a:r>
             <a:endParaRPr/>
           </a:p>
@@ -9477,7 +7873,7 @@
       </p:sp>
       <p:sp>
         <p:nvSpPr>
-          <p:cNvPr id="156" name="Google Shape;156;p24"/>
+          <p:cNvPr id="155" name="Google Shape;155;p24"/>
           <p:cNvSpPr txBox="1"/>
           <p:nvPr>
             <p:ph idx="1" type="body"/>
@@ -9509,67 +7905,8 @@
               <a:buAutoNum type="arabicPeriod"/>
             </a:pPr>
             <a:r>
-              <a:rPr b="1" lang="en"/>
-              <a:t>sam build</a:t>
-            </a:r>
-            <a:r>
               <a:rPr lang="en"/>
-              <a:t> - </a:t>
-            </a:r>
-            <a:endParaRPr/>
-          </a:p>
-          <a:p>
-            <a:pPr indent="-317500" lvl="1" marL="914400" rtl="0" algn="l">
-              <a:spcBef>
-                <a:spcPts val="0"/>
-              </a:spcBef>
-              <a:spcAft>
-                <a:spcPts val="0"/>
-              </a:spcAft>
-              <a:buSzPts val="1400"/>
-              <a:buAutoNum type="alphaLcPeriod"/>
-            </a:pPr>
-            <a:r>
-              <a:rPr lang="en"/>
-              <a:t>Downloads, installs, organizes code dependencies</a:t>
-            </a:r>
-            <a:r>
-              <a:rPr lang="en"/>
-              <a:t>.</a:t>
-            </a:r>
-            <a:endParaRPr/>
-          </a:p>
-          <a:p>
-            <a:pPr indent="-317500" lvl="1" marL="914400" rtl="0" algn="l">
-              <a:spcBef>
-                <a:spcPts val="0"/>
-              </a:spcBef>
-              <a:spcAft>
-                <a:spcPts val="0"/>
-              </a:spcAft>
-              <a:buSzPts val="1400"/>
-              <a:buAutoNum type="alphaLcPeriod"/>
-            </a:pPr>
-            <a:r>
-              <a:rPr lang="en"/>
-              <a:t>Prepares lambda code and docker image</a:t>
-            </a:r>
-            <a:endParaRPr/>
-          </a:p>
-          <a:p>
-            <a:pPr indent="-317500" lvl="1" marL="914400" rtl="0" algn="l">
-              <a:spcBef>
-                <a:spcPts val="0"/>
-              </a:spcBef>
-              <a:spcAft>
-                <a:spcPts val="0"/>
-              </a:spcAft>
-              <a:buSzPts val="1400"/>
-              <a:buAutoNum type="alphaLcPeriod"/>
-            </a:pPr>
-            <a:r>
-              <a:rPr lang="en"/>
-              <a:t>Adds everything to .aws-sam/.build folder</a:t>
+              <a:t>conda create -n sentiment_analysis python=3.8</a:t>
             </a:r>
             <a:endParaRPr/>
           </a:p>
@@ -9585,12 +7922,8 @@
               <a:buAutoNum type="arabicPeriod"/>
             </a:pPr>
             <a:r>
-              <a:rPr b="1" lang="en"/>
-              <a:t>sam local start-api</a:t>
-            </a:r>
-            <a:r>
               <a:rPr lang="en"/>
-              <a:t> - sets up the API for local testing eg using Postman</a:t>
+              <a:t>conda activate sentiment_analysis</a:t>
             </a:r>
             <a:endParaRPr/>
           </a:p>
@@ -9606,29 +7939,42 @@
               <a:buAutoNum type="arabicPeriod"/>
             </a:pPr>
             <a:r>
-              <a:rPr b="1" lang="en"/>
-              <a:t>sam deploy</a:t>
-            </a:r>
-            <a:r>
               <a:rPr lang="en"/>
-              <a:t> - creates infrastructure on AWS</a:t>
+              <a:t>conda install pip (if not automatically installed)</a:t>
             </a:r>
             <a:endParaRPr/>
           </a:p>
           <a:p>
-            <a:pPr indent="-317500" lvl="1" marL="914400" rtl="0" algn="l">
-              <a:spcBef>
-                <a:spcPts val="0"/>
-              </a:spcBef>
-              <a:spcAft>
-                <a:spcPts val="0"/>
-              </a:spcAft>
-              <a:buSzPts val="1400"/>
-              <a:buAutoNum type="alphaLcPeriod"/>
+            <a:pPr indent="-342900" lvl="0" marL="457200" rtl="0" algn="l">
+              <a:spcBef>
+                <a:spcPts val="0"/>
+              </a:spcBef>
+              <a:spcAft>
+                <a:spcPts val="0"/>
+              </a:spcAft>
+              <a:buSzPts val="1800"/>
+              <a:buAutoNum type="arabicPeriod"/>
             </a:pPr>
             <a:r>
               <a:rPr lang="en"/>
-              <a:t>At the end gives out the API URL that can be used to send API requests to the model (using postman or webapp)</a:t>
+              <a:t>pip install -r requirements.txt</a:t>
+            </a:r>
+            <a:endParaRPr/>
+          </a:p>
+          <a:p>
+            <a:pPr indent="-342900" lvl="0" marL="457200" rtl="0" algn="l">
+              <a:spcBef>
+                <a:spcPts val="0"/>
+              </a:spcBef>
+              <a:spcAft>
+                <a:spcPts val="0"/>
+              </a:spcAft>
+              <a:buSzPts val="1800"/>
+              <a:buAutoNum type="arabicPeriod"/>
+            </a:pPr>
+            <a:r>
+              <a:rPr lang="en"/>
+              <a:t>python download_model.py</a:t>
             </a:r>
             <a:endParaRPr/>
           </a:p>
@@ -9647,7 +7993,7 @@
   <p:cSld>
     <p:spTree>
       <p:nvGrpSpPr>
-        <p:cNvPr id="160" name="Shape 160"/>
+        <p:cNvPr id="159" name="Shape 159"/>
         <p:cNvGrpSpPr/>
         <p:nvPr/>
       </p:nvGrpSpPr>
@@ -9661,7 +8007,7 @@
       </p:grpSpPr>
       <p:sp>
         <p:nvSpPr>
-          <p:cNvPr id="161" name="Google Shape;161;p25"/>
+          <p:cNvPr id="160" name="Google Shape;160;p25"/>
           <p:cNvSpPr txBox="1"/>
           <p:nvPr>
             <p:ph type="title"/>
@@ -9701,7 +8047,7 @@
       </p:sp>
       <p:sp>
         <p:nvSpPr>
-          <p:cNvPr id="162" name="Google Shape;162;p25"/>
+          <p:cNvPr id="161" name="Google Shape;161;p25"/>
           <p:cNvSpPr txBox="1"/>
           <p:nvPr>
             <p:ph idx="1" type="body"/>
@@ -9733,8 +8079,67 @@
               <a:buAutoNum type="arabicPeriod"/>
             </a:pPr>
             <a:r>
+              <a:rPr b="1" lang="en"/>
+              <a:t>sam build</a:t>
+            </a:r>
+            <a:r>
               <a:rPr lang="en"/>
-              <a:t>Different options to deploy model in AWS</a:t>
+              <a:t> - </a:t>
+            </a:r>
+            <a:endParaRPr/>
+          </a:p>
+          <a:p>
+            <a:pPr indent="-317500" lvl="1" marL="914400" rtl="0" algn="l">
+              <a:spcBef>
+                <a:spcPts val="0"/>
+              </a:spcBef>
+              <a:spcAft>
+                <a:spcPts val="0"/>
+              </a:spcAft>
+              <a:buSzPts val="1400"/>
+              <a:buAutoNum type="alphaLcPeriod"/>
+            </a:pPr>
+            <a:r>
+              <a:rPr lang="en"/>
+              <a:t>Downloads, installs, organizes code dependencies</a:t>
+            </a:r>
+            <a:r>
+              <a:rPr lang="en"/>
+              <a:t>.</a:t>
+            </a:r>
+            <a:endParaRPr/>
+          </a:p>
+          <a:p>
+            <a:pPr indent="-317500" lvl="1" marL="914400" rtl="0" algn="l">
+              <a:spcBef>
+                <a:spcPts val="0"/>
+              </a:spcBef>
+              <a:spcAft>
+                <a:spcPts val="0"/>
+              </a:spcAft>
+              <a:buSzPts val="1400"/>
+              <a:buAutoNum type="alphaLcPeriod"/>
+            </a:pPr>
+            <a:r>
+              <a:rPr lang="en"/>
+              <a:t>Prepares lambda code and docker image</a:t>
+            </a:r>
+            <a:endParaRPr/>
+          </a:p>
+          <a:p>
+            <a:pPr indent="-317500" lvl="1" marL="914400" rtl="0" algn="l">
+              <a:spcBef>
+                <a:spcPts val="0"/>
+              </a:spcBef>
+              <a:spcAft>
+                <a:spcPts val="0"/>
+              </a:spcAft>
+              <a:buSzPts val="1400"/>
+              <a:buAutoNum type="alphaLcPeriod"/>
+            </a:pPr>
+            <a:r>
+              <a:rPr lang="en"/>
+              <a:t>Adds everything to .aws-sam/.build folder</a:t>
             </a:r>
             <a:endParaRPr/>
           </a:p>
@@ -9750,8 +8155,33 @@
               <a:buAutoNum type="arabicPeriod"/>
             </a:pPr>
             <a:r>
+              <a:rPr b="1" lang="en"/>
+              <a:t>sam local start-api</a:t>
+            </a:r>
+            <a:r>
               <a:rPr lang="en"/>
-              <a:t>What is AWS Lambda?</a:t>
+              <a:t> - sets up the API for local testing eg using Postman</a:t>
+            </a:r>
+            <a:endParaRPr/>
+          </a:p>
+          <a:p>
+            <a:pPr indent="-342900" lvl="0" marL="457200" rtl="0" algn="l">
+              <a:spcBef>
+                <a:spcPts val="0"/>
+              </a:spcBef>
+              <a:spcAft>
+                <a:spcPts val="0"/>
+              </a:spcAft>
+              <a:buSzPts val="1800"/>
+              <a:buAutoNum type="arabicPeriod"/>
+            </a:pPr>
+            <a:r>
+              <a:rPr b="1" lang="en"/>
+              <a:t>sam deploy</a:t>
+            </a:r>
+            <a:r>
+              <a:rPr lang="en"/>
+              <a:t> - creates infrastructure on AWS</a:t>
             </a:r>
             <a:endParaRPr/>
           </a:p>
@@ -9767,71 +8197,274 @@
               <a:buAutoNum type="alphaLcPeriod"/>
             </a:pPr>
             <a:r>
-              <a:rPr lang="en" sz="1200">
+              <a:rPr lang="en"/>
+              <a:t>At the end gives out the </a:t>
+            </a:r>
+            <a:r>
+              <a:rPr lang="en"/>
+              <a:t>API URL that can be used to send API requests to the model (using postman or webapp)</a:t>
+            </a:r>
+            <a:endParaRPr/>
+          </a:p>
+          <a:p>
+            <a:pPr indent="-317500" lvl="1" marL="914400" rtl="0" algn="l">
+              <a:spcBef>
+                <a:spcPts val="0"/>
+              </a:spcBef>
+              <a:spcAft>
+                <a:spcPts val="0"/>
+              </a:spcAft>
+              <a:buSzPts val="1400"/>
+              <a:buAutoNum type="alphaLcPeriod"/>
+            </a:pPr>
+            <a:r>
+              <a:rPr lang="en"/>
+              <a:t>Testing using postman - </a:t>
+            </a:r>
+            <a:endParaRPr/>
+          </a:p>
+          <a:p>
+            <a:pPr indent="-317500" lvl="2" marL="1371600" rtl="0" algn="l">
+              <a:spcBef>
+                <a:spcPts val="0"/>
+              </a:spcBef>
+              <a:spcAft>
+                <a:spcPts val="0"/>
+              </a:spcAft>
+              <a:buSzPts val="1400"/>
+              <a:buAutoNum type="romanLcPeriod"/>
+            </a:pPr>
+            <a:r>
+              <a:rPr lang="en"/>
+              <a:t>Request type = POST</a:t>
+            </a:r>
+            <a:endParaRPr/>
+          </a:p>
+          <a:p>
+            <a:pPr indent="-317500" lvl="2" marL="1371600" rtl="0" algn="l">
+              <a:spcBef>
+                <a:spcPts val="0"/>
+              </a:spcBef>
+              <a:spcAft>
+                <a:spcPts val="0"/>
+              </a:spcAft>
+              <a:buSzPts val="1400"/>
+              <a:buAutoNum type="romanLcPeriod"/>
+            </a:pPr>
+            <a:r>
+              <a:rPr lang="en"/>
+              <a:t>Headers - leave as default</a:t>
+            </a:r>
+            <a:endParaRPr/>
+          </a:p>
+          <a:p>
+            <a:pPr indent="-317500" lvl="2" marL="1371600" rtl="0" algn="l">
+              <a:spcBef>
+                <a:spcPts val="0"/>
+              </a:spcBef>
+              <a:spcAft>
+                <a:spcPts val="0"/>
+              </a:spcAft>
+              <a:buSzPts val="1400"/>
+              <a:buAutoNum type="romanLcPeriod"/>
+            </a:pPr>
+            <a:r>
+              <a:rPr lang="en"/>
+              <a:t>Body - choose </a:t>
+            </a:r>
+            <a:r>
+              <a:rPr b="1" lang="en"/>
+              <a:t>raw </a:t>
+            </a:r>
+            <a:r>
+              <a:rPr lang="en"/>
+              <a:t>option</a:t>
+            </a:r>
+            <a:r>
+              <a:rPr b="1" lang="en"/>
+              <a:t>.</a:t>
+            </a:r>
+            <a:r>
+              <a:rPr lang="en">
                 <a:solidFill>
-                  <a:schemeClr val="dk1"/>
+                  <a:srgbClr val="FF0000"/>
                 </a:solidFill>
               </a:rPr>
-              <a:t>User provides the code for the function. AWS supplies the compute. It is serverless which means user doesn't have to manage the server (but of course server is there and is managed by AWS)</a:t>
-            </a:r>
-            <a:endParaRPr sz="1200">
+              <a:t> {“message”: “I am feeling great!”}</a:t>
+            </a:r>
+            <a:endParaRPr>
               <a:solidFill>
-                <a:schemeClr val="dk1"/>
+                <a:srgbClr val="FF0000"/>
               </a:solidFill>
             </a:endParaRPr>
           </a:p>
-          <a:p>
-            <a:pPr indent="-304800" lvl="1" marL="914400" rtl="0" algn="l">
-              <a:spcBef>
-                <a:spcPts val="0"/>
-              </a:spcBef>
-              <a:spcAft>
-                <a:spcPts val="0"/>
-              </a:spcAft>
-              <a:buClr>
-                <a:schemeClr val="dk1"/>
-              </a:buClr>
-              <a:buSzPts val="1200"/>
-              <a:buAutoNum type="alphaLcPeriod"/>
-            </a:pPr>
-            <a:r>
-              <a:rPr lang="en" sz="1200">
-                <a:solidFill>
-                  <a:schemeClr val="dk1"/>
-                </a:solidFill>
-              </a:rPr>
-              <a:t>Users are charged only for how often the function is called and resources used when the function is run.</a:t>
-            </a:r>
-            <a:endParaRPr sz="1200">
-              <a:solidFill>
-                <a:schemeClr val="dk1"/>
-              </a:solidFill>
-            </a:endParaRPr>
-          </a:p>
-          <a:p>
-            <a:pPr indent="-342900" lvl="0" marL="457200" rtl="0" algn="l">
-              <a:spcBef>
-                <a:spcPts val="0"/>
-              </a:spcBef>
-              <a:spcAft>
-                <a:spcPts val="0"/>
-              </a:spcAft>
-              <a:buSzPts val="1800"/>
-              <a:buAutoNum type="arabicPeriod"/>
-            </a:pPr>
-            <a:r>
-              <a:rPr lang="en"/>
-              <a:t>What is a docker container?</a:t>
-            </a:r>
-            <a:endParaRPr/>
-          </a:p>
         </p:txBody>
       </p:sp>
+      <p:grpSp>
+        <p:nvGrpSpPr>
+          <p:cNvPr id="162" name="Google Shape;162;p25"/>
+          <p:cNvGrpSpPr/>
+          <p:nvPr/>
+        </p:nvGrpSpPr>
+        <p:grpSpPr>
+          <a:xfrm>
+            <a:off x="4811550" y="3255750"/>
+            <a:ext cx="1763475" cy="889150"/>
+            <a:chOff x="4811550" y="3255750"/>
+            <a:chExt cx="1763475" cy="889150"/>
+          </a:xfrm>
+        </p:grpSpPr>
+        <p:pic>
+          <p:nvPicPr>
+            <p:cNvPr id="163" name="Google Shape;163;p25"/>
+            <p:cNvPicPr preferRelativeResize="0"/>
+            <p:nvPr/>
+          </p:nvPicPr>
+          <p:blipFill>
+            <a:blip r:embed="rId3">
+              <a:alphaModFix/>
+            </a:blip>
+            <a:stretch>
+              <a:fillRect/>
+            </a:stretch>
+          </p:blipFill>
+          <p:spPr>
+            <a:xfrm>
+              <a:off x="4868075" y="3255750"/>
+              <a:ext cx="1706950" cy="889150"/>
+            </a:xfrm>
+            <a:prstGeom prst="rect">
+              <a:avLst/>
+            </a:prstGeom>
+            <a:noFill/>
+            <a:ln>
+              <a:noFill/>
+            </a:ln>
+          </p:spPr>
+        </p:pic>
+        <p:sp>
+          <p:nvSpPr>
+            <p:cNvPr id="164" name="Google Shape;164;p25"/>
+            <p:cNvSpPr txBox="1"/>
+            <p:nvPr/>
+          </p:nvSpPr>
+          <p:spPr>
+            <a:xfrm>
+              <a:off x="4811550" y="3529325"/>
+              <a:ext cx="738600" cy="400200"/>
+            </a:xfrm>
+            <a:prstGeom prst="rect">
+              <a:avLst/>
+            </a:prstGeom>
+            <a:noFill/>
+            <a:ln>
+              <a:noFill/>
+            </a:ln>
+          </p:spPr>
+          <p:txBody>
+            <a:bodyPr anchorCtr="0" anchor="t" bIns="91425" lIns="91425" spcFirstLastPara="1" rIns="91425" wrap="square" tIns="91425">
+              <a:spAutoFit/>
+            </a:bodyPr>
+            <a:lstStyle/>
+            <a:p>
+              <a:pPr indent="0" lvl="0" marL="0" rtl="0" algn="l">
+                <a:spcBef>
+                  <a:spcPts val="0"/>
+                </a:spcBef>
+                <a:spcAft>
+                  <a:spcPts val="0"/>
+                </a:spcAft>
+                <a:buNone/>
+              </a:pPr>
+              <a:r>
+                <a:rPr lang="en"/>
+                <a:t>Demo</a:t>
+              </a:r>
+              <a:endParaRPr/>
+            </a:p>
+          </p:txBody>
+        </p:sp>
+      </p:grpSp>
     </p:spTree>
   </p:cSld>
   <p:clrMapOvr>
     <a:masterClrMapping/>
   </p:clrMapOvr>
+  <p:timing>
+    <p:tnLst>
+      <p:par>
+        <p:cTn dur="indefinite" nodeType="tmRoot" restart="never">
+          <p:childTnLst>
+            <p:seq concurrent="1" nextAc="seek">
+              <p:cTn dur="indefinite" id="2" nodeType="mainSeq">
+                <p:childTnLst>
+                  <p:par>
+                    <p:cTn fill="hold">
+                      <p:stCondLst>
+                        <p:cond delay="indefinite"/>
+                      </p:stCondLst>
+                      <p:childTnLst>
+                        <p:par>
+                          <p:cTn fill="hold">
+                            <p:stCondLst>
+                              <p:cond delay="0"/>
+                            </p:stCondLst>
+                            <p:childTnLst>
+                              <p:par>
+                                <p:cTn fill="hold" nodeType="clickEffect" presetClass="entr" presetID="1" presetSubtype="0">
+                                  <p:stCondLst>
+                                    <p:cond delay="0"/>
+                                  </p:stCondLst>
+                                  <p:childTnLst>
+                                    <p:set>
+                                      <p:cBhvr>
+                                        <p:cTn dur="1" fill="hold">
+                                          <p:stCondLst>
+                                            <p:cond delay="0"/>
+                                          </p:stCondLst>
+                                        </p:cTn>
+                                        <p:tgtEl>
+                                          <p:spTgt spid="162"/>
+                                        </p:tgtEl>
+                                        <p:attrNameLst>
+                                          <p:attrName>style.visibility</p:attrName>
+                                        </p:attrNameLst>
+                                      </p:cBhvr>
+                                      <p:to>
+                                        <p:strVal val="visible"/>
+                                      </p:to>
+                                    </p:set>
+                                  </p:childTnLst>
+                                </p:cTn>
+                              </p:par>
+                            </p:childTnLst>
+                          </p:cTn>
+                        </p:par>
+                      </p:childTnLst>
+                    </p:cTn>
+                  </p:par>
+                </p:childTnLst>
+              </p:cTn>
+              <p:prevCondLst>
+                <p:cond evt="onPrev">
+                  <p:tgtEl>
+                    <p:sldTgt/>
+                  </p:tgtEl>
+                </p:cond>
+              </p:prevCondLst>
+              <p:nextCondLst>
+                <p:cond evt="onNext">
+                  <p:tgtEl>
+                    <p:sldTgt/>
+                  </p:tgtEl>
+                </p:cond>
+              </p:nextCondLst>
+            </p:seq>
+          </p:childTnLst>
+        </p:cTn>
+      </p:par>
+    </p:tnLst>
+  </p:timing>
 </p:sld>
 </file>
 
@@ -9840,7 +8473,7 @@
   <p:cSld>
     <p:spTree>
       <p:nvGrpSpPr>
-        <p:cNvPr id="166" name="Shape 166"/>
+        <p:cNvPr id="168" name="Shape 168"/>
         <p:cNvGrpSpPr/>
         <p:nvPr/>
       </p:nvGrpSpPr>
@@ -9854,7 +8487,7 @@
       </p:grpSpPr>
       <p:sp>
         <p:nvSpPr>
-          <p:cNvPr id="167" name="Google Shape;167;p26"/>
+          <p:cNvPr id="169" name="Google Shape;169;p26"/>
           <p:cNvSpPr txBox="1"/>
           <p:nvPr>
             <p:ph type="title"/>
@@ -9886,7 +8519,7 @@
             </a:pPr>
             <a:r>
               <a:rPr lang="en"/>
-              <a:t>DIY</a:t>
+              <a:t>Frontend - Web page hosting on S3</a:t>
             </a:r>
             <a:endParaRPr/>
           </a:p>
@@ -9894,7 +8527,7 @@
       </p:sp>
       <p:sp>
         <p:nvSpPr>
-          <p:cNvPr id="168" name="Google Shape;168;p26"/>
+          <p:cNvPr id="170" name="Google Shape;170;p26"/>
           <p:cNvSpPr txBox="1"/>
           <p:nvPr>
             <p:ph idx="1" type="body"/>
@@ -9927,146 +8560,7 @@
             </a:pPr>
             <a:r>
               <a:rPr lang="en"/>
-              <a:t>Clone the repo on your computer</a:t>
-            </a:r>
-            <a:endParaRPr/>
-          </a:p>
-          <a:p>
-            <a:pPr indent="-342900" lvl="0" marL="457200" rtl="0" algn="l">
-              <a:spcBef>
-                <a:spcPts val="0"/>
-              </a:spcBef>
-              <a:spcAft>
-                <a:spcPts val="0"/>
-              </a:spcAft>
-              <a:buSzPts val="1800"/>
-              <a:buAutoNum type="arabicPeriod"/>
-            </a:pPr>
-            <a:r>
-              <a:rPr lang="en"/>
-              <a:t>Install AWS CLI</a:t>
-            </a:r>
-            <a:endParaRPr/>
-          </a:p>
-          <a:p>
-            <a:pPr indent="-342900" lvl="0" marL="457200" rtl="0" algn="l">
-              <a:spcBef>
-                <a:spcPts val="0"/>
-              </a:spcBef>
-              <a:spcAft>
-                <a:spcPts val="0"/>
-              </a:spcAft>
-              <a:buSzPts val="1800"/>
-              <a:buAutoNum type="arabicPeriod"/>
-            </a:pPr>
-            <a:r>
-              <a:t/>
-            </a:r>
-            <a:endParaRPr/>
-          </a:p>
-        </p:txBody>
-      </p:sp>
-    </p:spTree>
-  </p:cSld>
-  <p:clrMapOvr>
-    <a:masterClrMapping/>
-  </p:clrMapOvr>
-</p:sld>
-</file>
-
-<file path=ppt/slides/slide15.xml><?xml version="1.0" encoding="utf-8"?>
-<p:sld xmlns:a="http://schemas.openxmlformats.org/drawingml/2006/main" xmlns:r="http://schemas.openxmlformats.org/officeDocument/2006/relationships" xmlns:mc="http://schemas.openxmlformats.org/markup-compatibility/2006" xmlns:mv="urn:schemas-microsoft-com:mac:vml" xmlns:p="http://schemas.openxmlformats.org/presentationml/2006/main" xmlns:c="http://schemas.openxmlformats.org/drawingml/2006/chart" xmlns:dgm="http://schemas.openxmlformats.org/drawingml/2006/diagram" xmlns:o="urn:schemas-microsoft-com:office:office" xmlns:v="urn:schemas-microsoft-com:vml" xmlns:pvml="urn:schemas-microsoft-com:office:powerpoint" xmlns:com="http://schemas.openxmlformats.org/drawingml/2006/compatibility" xmlns:p14="http://schemas.microsoft.com/office/powerpoint/2010/main" xmlns:p15="http://schemas.microsoft.com/office/powerpoint/2012/main" xmlns:ahyp="http://schemas.microsoft.com/office/drawing/2018/hyperlinkcolor">
-  <p:cSld>
-    <p:spTree>
-      <p:nvGrpSpPr>
-        <p:cNvPr id="172" name="Shape 172"/>
-        <p:cNvGrpSpPr/>
-        <p:nvPr/>
-      </p:nvGrpSpPr>
-      <p:grpSpPr>
-        <a:xfrm>
-          <a:off x="0" y="0"/>
-          <a:ext cx="0" cy="0"/>
-          <a:chOff x="0" y="0"/>
-          <a:chExt cx="0" cy="0"/>
-        </a:xfrm>
-      </p:grpSpPr>
-      <p:sp>
-        <p:nvSpPr>
-          <p:cNvPr id="173" name="Google Shape;173;p27"/>
-          <p:cNvSpPr txBox="1"/>
-          <p:nvPr>
-            <p:ph type="title"/>
-          </p:nvPr>
-        </p:nvSpPr>
-        <p:spPr>
-          <a:xfrm>
-            <a:off x="311700" y="445025"/>
-            <a:ext cx="8520600" cy="572700"/>
-          </a:xfrm>
-          <a:prstGeom prst="rect">
-            <a:avLst/>
-          </a:prstGeom>
-        </p:spPr>
-        <p:txBody>
-          <a:bodyPr anchorCtr="0" anchor="t" bIns="91425" lIns="91425" spcFirstLastPara="1" rIns="91425" wrap="square" tIns="91425">
-            <a:normAutofit fontScale="90000"/>
-          </a:bodyPr>
-          <a:lstStyle/>
-          <a:p>
-            <a:pPr indent="0" lvl="0" marL="0" rtl="0" algn="l">
-              <a:spcBef>
-                <a:spcPts val="0"/>
-              </a:spcBef>
-              <a:spcAft>
-                <a:spcPts val="0"/>
-              </a:spcAft>
-              <a:buNone/>
-            </a:pPr>
-            <a:r>
-              <a:rPr lang="en"/>
-              <a:t>Webpage hosting on S3</a:t>
-            </a:r>
-            <a:endParaRPr/>
-          </a:p>
-        </p:txBody>
-      </p:sp>
-      <p:sp>
-        <p:nvSpPr>
-          <p:cNvPr id="174" name="Google Shape;174;p27"/>
-          <p:cNvSpPr txBox="1"/>
-          <p:nvPr>
-            <p:ph idx="1" type="body"/>
-          </p:nvPr>
-        </p:nvSpPr>
-        <p:spPr>
-          <a:xfrm>
-            <a:off x="311700" y="1152475"/>
-            <a:ext cx="8520600" cy="3416400"/>
-          </a:xfrm>
-          <a:prstGeom prst="rect">
-            <a:avLst/>
-          </a:prstGeom>
-        </p:spPr>
-        <p:txBody>
-          <a:bodyPr anchorCtr="0" anchor="t" bIns="91425" lIns="91425" spcFirstLastPara="1" rIns="91425" wrap="square" tIns="91425">
-            <a:normAutofit/>
-          </a:bodyPr>
-          <a:lstStyle/>
-          <a:p>
-            <a:pPr indent="-342900" lvl="0" marL="457200" rtl="0" algn="l">
-              <a:spcBef>
-                <a:spcPts val="0"/>
-              </a:spcBef>
-              <a:spcAft>
-                <a:spcPts val="0"/>
-              </a:spcAft>
-              <a:buSzPts val="1800"/>
-              <a:buAutoNum type="arabicPeriod"/>
-            </a:pPr>
-            <a:r>
-              <a:rPr lang="en"/>
-              <a:t>Create an S3 bucket (add index.html, CSS files), enable static website hosting, </a:t>
+              <a:t>Manually create an S3 bucket (add index.html, CSS files), enable static website hosting, </a:t>
             </a:r>
             <a:endParaRPr/>
           </a:p>
@@ -10202,12 +8696,12 @@
 </p:sld>
 </file>
 
-<file path=ppt/slides/slide16.xml><?xml version="1.0" encoding="utf-8"?>
+<file path=ppt/slides/slide15.xml><?xml version="1.0" encoding="utf-8"?>
 <p:sld xmlns:a="http://schemas.openxmlformats.org/drawingml/2006/main" xmlns:r="http://schemas.openxmlformats.org/officeDocument/2006/relationships" xmlns:mc="http://schemas.openxmlformats.org/markup-compatibility/2006" xmlns:mv="urn:schemas-microsoft-com:mac:vml" xmlns:p="http://schemas.openxmlformats.org/presentationml/2006/main" xmlns:c="http://schemas.openxmlformats.org/drawingml/2006/chart" xmlns:dgm="http://schemas.openxmlformats.org/drawingml/2006/diagram" xmlns:o="urn:schemas-microsoft-com:office:office" xmlns:v="urn:schemas-microsoft-com:vml" xmlns:pvml="urn:schemas-microsoft-com:office:powerpoint" xmlns:com="http://schemas.openxmlformats.org/drawingml/2006/compatibility" xmlns:p14="http://schemas.microsoft.com/office/powerpoint/2010/main" xmlns:p15="http://schemas.microsoft.com/office/powerpoint/2012/main" xmlns:ahyp="http://schemas.microsoft.com/office/drawing/2018/hyperlinkcolor">
   <p:cSld>
     <p:spTree>
       <p:nvGrpSpPr>
-        <p:cNvPr id="178" name="Shape 178"/>
+        <p:cNvPr id="174" name="Shape 174"/>
         <p:cNvGrpSpPr/>
         <p:nvPr/>
       </p:nvGrpSpPr>
@@ -10221,7 +8715,7 @@
       </p:grpSpPr>
       <p:sp>
         <p:nvSpPr>
-          <p:cNvPr id="179" name="Google Shape;179;p28"/>
+          <p:cNvPr id="175" name="Google Shape;175;p27"/>
           <p:cNvSpPr txBox="1"/>
           <p:nvPr>
             <p:ph type="title"/>
@@ -10261,7 +8755,7 @@
       </p:sp>
       <p:pic>
         <p:nvPicPr>
-          <p:cNvPr id="180" name="Google Shape;180;p28"/>
+          <p:cNvPr id="176" name="Google Shape;176;p27"/>
           <p:cNvPicPr preferRelativeResize="0"/>
           <p:nvPr/>
         </p:nvPicPr>
@@ -10277,6 +8771,127 @@
           <a:xfrm>
             <a:off x="987950" y="1115400"/>
             <a:ext cx="7168090" cy="3820975"/>
+          </a:xfrm>
+          <a:prstGeom prst="rect">
+            <a:avLst/>
+          </a:prstGeom>
+          <a:noFill/>
+          <a:ln>
+            <a:noFill/>
+          </a:ln>
+        </p:spPr>
+      </p:pic>
+    </p:spTree>
+  </p:cSld>
+  <p:clrMapOvr>
+    <a:masterClrMapping/>
+  </p:clrMapOvr>
+</p:sld>
+</file>
+
+<file path=ppt/slides/slide16.xml><?xml version="1.0" encoding="utf-8"?>
+<p:sld xmlns:a="http://schemas.openxmlformats.org/drawingml/2006/main" xmlns:r="http://schemas.openxmlformats.org/officeDocument/2006/relationships" xmlns:mc="http://schemas.openxmlformats.org/markup-compatibility/2006" xmlns:mv="urn:schemas-microsoft-com:mac:vml" xmlns:p="http://schemas.openxmlformats.org/presentationml/2006/main" xmlns:c="http://schemas.openxmlformats.org/drawingml/2006/chart" xmlns:dgm="http://schemas.openxmlformats.org/drawingml/2006/diagram" xmlns:o="urn:schemas-microsoft-com:office:office" xmlns:v="urn:schemas-microsoft-com:vml" xmlns:pvml="urn:schemas-microsoft-com:office:powerpoint" xmlns:com="http://schemas.openxmlformats.org/drawingml/2006/compatibility" xmlns:p14="http://schemas.microsoft.com/office/powerpoint/2010/main" xmlns:p15="http://schemas.microsoft.com/office/powerpoint/2012/main" xmlns:ahyp="http://schemas.microsoft.com/office/drawing/2018/hyperlinkcolor">
+  <p:cSld>
+    <p:spTree>
+      <p:nvGrpSpPr>
+        <p:cNvPr id="180" name="Shape 180"/>
+        <p:cNvGrpSpPr/>
+        <p:nvPr/>
+      </p:nvGrpSpPr>
+      <p:grpSpPr>
+        <a:xfrm>
+          <a:off x="0" y="0"/>
+          <a:ext cx="0" cy="0"/>
+          <a:chOff x="0" y="0"/>
+          <a:chExt cx="0" cy="0"/>
+        </a:xfrm>
+      </p:grpSpPr>
+      <p:sp>
+        <p:nvSpPr>
+          <p:cNvPr id="181" name="Google Shape;181;p28"/>
+          <p:cNvSpPr txBox="1"/>
+          <p:nvPr>
+            <p:ph type="title"/>
+          </p:nvPr>
+        </p:nvSpPr>
+        <p:spPr>
+          <a:xfrm>
+            <a:off x="311700" y="445025"/>
+            <a:ext cx="8520600" cy="572700"/>
+          </a:xfrm>
+          <a:prstGeom prst="rect">
+            <a:avLst/>
+          </a:prstGeom>
+        </p:spPr>
+        <p:txBody>
+          <a:bodyPr anchorCtr="0" anchor="t" bIns="91425" lIns="91425" spcFirstLastPara="1" rIns="91425" wrap="square" tIns="91425">
+            <a:normAutofit fontScale="90000"/>
+          </a:bodyPr>
+          <a:lstStyle/>
+          <a:p>
+            <a:pPr indent="0" lvl="0" marL="0" rtl="0" algn="l">
+              <a:spcBef>
+                <a:spcPts val="0"/>
+              </a:spcBef>
+              <a:spcAft>
+                <a:spcPts val="0"/>
+              </a:spcAft>
+              <a:buNone/>
+            </a:pPr>
+            <a:r>
+              <a:rPr lang="en"/>
+              <a:t>Webpage hosting on S3</a:t>
+            </a:r>
+            <a:endParaRPr/>
+          </a:p>
+        </p:txBody>
+      </p:sp>
+      <p:pic>
+        <p:nvPicPr>
+          <p:cNvPr id="182" name="Google Shape;182;p28"/>
+          <p:cNvPicPr preferRelativeResize="0"/>
+          <p:nvPr/>
+        </p:nvPicPr>
+        <p:blipFill>
+          <a:blip r:embed="rId3">
+            <a:alphaModFix/>
+          </a:blip>
+          <a:stretch>
+            <a:fillRect/>
+          </a:stretch>
+        </p:blipFill>
+        <p:spPr>
+          <a:xfrm>
+            <a:off x="155025" y="2651375"/>
+            <a:ext cx="8677275" cy="2495550"/>
+          </a:xfrm>
+          <a:prstGeom prst="rect">
+            <a:avLst/>
+          </a:prstGeom>
+          <a:noFill/>
+          <a:ln>
+            <a:noFill/>
+          </a:ln>
+        </p:spPr>
+      </p:pic>
+      <p:pic>
+        <p:nvPicPr>
+          <p:cNvPr id="183" name="Google Shape;183;p28"/>
+          <p:cNvPicPr preferRelativeResize="0"/>
+          <p:nvPr/>
+        </p:nvPicPr>
+        <p:blipFill>
+          <a:blip r:embed="rId4">
+            <a:alphaModFix/>
+          </a:blip>
+          <a:stretch>
+            <a:fillRect/>
+          </a:stretch>
+        </p:blipFill>
+        <p:spPr>
+          <a:xfrm>
+            <a:off x="155015" y="1099800"/>
+            <a:ext cx="8082159" cy="1703300"/>
           </a:xfrm>
           <a:prstGeom prst="rect">
             <a:avLst/>
@@ -10300,7 +8915,7 @@
   <p:cSld>
     <p:spTree>
       <p:nvGrpSpPr>
-        <p:cNvPr id="184" name="Shape 184"/>
+        <p:cNvPr id="187" name="Shape 187"/>
         <p:cNvGrpSpPr/>
         <p:nvPr/>
       </p:nvGrpSpPr>
@@ -10314,7 +8929,7 @@
       </p:grpSpPr>
       <p:sp>
         <p:nvSpPr>
-          <p:cNvPr id="185" name="Google Shape;185;p29"/>
+          <p:cNvPr id="188" name="Google Shape;188;p29"/>
           <p:cNvSpPr txBox="1"/>
           <p:nvPr>
             <p:ph type="title"/>
@@ -10354,7 +8969,7 @@
       </p:sp>
       <p:pic>
         <p:nvPicPr>
-          <p:cNvPr id="186" name="Google Shape;186;p29"/>
+          <p:cNvPr id="189" name="Google Shape;189;p29"/>
           <p:cNvPicPr preferRelativeResize="0"/>
           <p:nvPr/>
         </p:nvPicPr>
@@ -10368,36 +8983,8 @@
         </p:blipFill>
         <p:spPr>
           <a:xfrm>
-            <a:off x="155025" y="2651375"/>
-            <a:ext cx="8677275" cy="2495550"/>
-          </a:xfrm>
-          <a:prstGeom prst="rect">
-            <a:avLst/>
-          </a:prstGeom>
-          <a:noFill/>
-          <a:ln>
-            <a:noFill/>
-          </a:ln>
-        </p:spPr>
-      </p:pic>
-      <p:pic>
-        <p:nvPicPr>
-          <p:cNvPr id="187" name="Google Shape;187;p29"/>
-          <p:cNvPicPr preferRelativeResize="0"/>
-          <p:nvPr/>
-        </p:nvPicPr>
-        <p:blipFill>
-          <a:blip r:embed="rId4">
-            <a:alphaModFix/>
-          </a:blip>
-          <a:stretch>
-            <a:fillRect/>
-          </a:stretch>
-        </p:blipFill>
-        <p:spPr>
-          <a:xfrm>
-            <a:off x="155015" y="1099800"/>
-            <a:ext cx="8082159" cy="1703300"/>
+            <a:off x="152400" y="1170125"/>
+            <a:ext cx="6787259" cy="3820976"/>
           </a:xfrm>
           <a:prstGeom prst="rect">
             <a:avLst/>
@@ -10421,7 +9008,7 @@
   <p:cSld>
     <p:spTree>
       <p:nvGrpSpPr>
-        <p:cNvPr id="191" name="Shape 191"/>
+        <p:cNvPr id="193" name="Shape 193"/>
         <p:cNvGrpSpPr/>
         <p:nvPr/>
       </p:nvGrpSpPr>
@@ -10435,7 +9022,7 @@
       </p:grpSpPr>
       <p:sp>
         <p:nvSpPr>
-          <p:cNvPr id="192" name="Google Shape;192;p30"/>
+          <p:cNvPr id="194" name="Google Shape;194;p30"/>
           <p:cNvSpPr txBox="1"/>
           <p:nvPr>
             <p:ph type="title"/>
@@ -10467,7 +9054,7 @@
             </a:pPr>
             <a:r>
               <a:rPr lang="en"/>
-              <a:t>Webpage hosting on S3</a:t>
+              <a:t>Monitoring via cloudwatch</a:t>
             </a:r>
             <a:endParaRPr/>
           </a:p>
@@ -10475,7 +9062,7 @@
       </p:sp>
       <p:pic>
         <p:nvPicPr>
-          <p:cNvPr id="193" name="Google Shape;193;p30"/>
+          <p:cNvPr id="195" name="Google Shape;195;p30"/>
           <p:cNvPicPr preferRelativeResize="0"/>
           <p:nvPr/>
         </p:nvPicPr>
@@ -10490,7 +9077,7 @@
         <p:spPr>
           <a:xfrm>
             <a:off x="152400" y="1170125"/>
-            <a:ext cx="6787259" cy="3820976"/>
+            <a:ext cx="7138832" cy="3820975"/>
           </a:xfrm>
           <a:prstGeom prst="rect">
             <a:avLst/>
@@ -10501,71 +9088,6 @@
           </a:ln>
         </p:spPr>
       </p:pic>
-    </p:spTree>
-  </p:cSld>
-  <p:clrMapOvr>
-    <a:masterClrMapping/>
-  </p:clrMapOvr>
-</p:sld>
-</file>
-
-<file path=ppt/slides/slide19.xml><?xml version="1.0" encoding="utf-8"?>
-<p:sld xmlns:a="http://schemas.openxmlformats.org/drawingml/2006/main" xmlns:r="http://schemas.openxmlformats.org/officeDocument/2006/relationships" xmlns:mc="http://schemas.openxmlformats.org/markup-compatibility/2006" xmlns:mv="urn:schemas-microsoft-com:mac:vml" xmlns:p="http://schemas.openxmlformats.org/presentationml/2006/main" xmlns:c="http://schemas.openxmlformats.org/drawingml/2006/chart" xmlns:dgm="http://schemas.openxmlformats.org/drawingml/2006/diagram" xmlns:o="urn:schemas-microsoft-com:office:office" xmlns:v="urn:schemas-microsoft-com:vml" xmlns:pvml="urn:schemas-microsoft-com:office:powerpoint" xmlns:com="http://schemas.openxmlformats.org/drawingml/2006/compatibility" xmlns:p14="http://schemas.microsoft.com/office/powerpoint/2010/main" xmlns:p15="http://schemas.microsoft.com/office/powerpoint/2012/main" xmlns:ahyp="http://schemas.microsoft.com/office/drawing/2018/hyperlinkcolor">
-  <p:cSld>
-    <p:spTree>
-      <p:nvGrpSpPr>
-        <p:cNvPr id="197" name="Shape 197"/>
-        <p:cNvGrpSpPr/>
-        <p:nvPr/>
-      </p:nvGrpSpPr>
-      <p:grpSpPr>
-        <a:xfrm>
-          <a:off x="0" y="0"/>
-          <a:ext cx="0" cy="0"/>
-          <a:chOff x="0" y="0"/>
-          <a:chExt cx="0" cy="0"/>
-        </a:xfrm>
-      </p:grpSpPr>
-      <p:sp>
-        <p:nvSpPr>
-          <p:cNvPr id="198" name="Google Shape;198;p31"/>
-          <p:cNvSpPr txBox="1"/>
-          <p:nvPr>
-            <p:ph type="title"/>
-          </p:nvPr>
-        </p:nvSpPr>
-        <p:spPr>
-          <a:xfrm>
-            <a:off x="311700" y="445025"/>
-            <a:ext cx="8520600" cy="572700"/>
-          </a:xfrm>
-          <a:prstGeom prst="rect">
-            <a:avLst/>
-          </a:prstGeom>
-        </p:spPr>
-        <p:txBody>
-          <a:bodyPr anchorCtr="0" anchor="t" bIns="91425" lIns="91425" spcFirstLastPara="1" rIns="91425" wrap="square" tIns="91425">
-            <a:normAutofit fontScale="90000"/>
-          </a:bodyPr>
-          <a:lstStyle/>
-          <a:p>
-            <a:pPr indent="0" lvl="0" marL="0" rtl="0" algn="l">
-              <a:spcBef>
-                <a:spcPts val="0"/>
-              </a:spcBef>
-              <a:spcAft>
-                <a:spcPts val="0"/>
-              </a:spcAft>
-              <a:buNone/>
-            </a:pPr>
-            <a:r>
-              <a:rPr lang="en"/>
-              <a:t>Webpage hosting on S3</a:t>
-            </a:r>
-            <a:endParaRPr/>
-          </a:p>
-        </p:txBody>
-      </p:sp>
     </p:spTree>
   </p:cSld>
   <p:clrMapOvr>
@@ -10700,1475 +9222,12 @@
             </a:pPr>
             <a:r>
               <a:rPr lang="en"/>
-              <a:t>Deployment steps</a:t>
+              <a:t>Steps for Doing It Yourself</a:t>
             </a:r>
             <a:endParaRPr/>
           </a:p>
         </p:txBody>
       </p:sp>
-    </p:spTree>
-  </p:cSld>
-  <p:clrMapOvr>
-    <a:masterClrMapping/>
-  </p:clrMapOvr>
-</p:sld>
-</file>
-
-<file path=ppt/slides/slide20.xml><?xml version="1.0" encoding="utf-8"?>
-<p:sld xmlns:a="http://schemas.openxmlformats.org/drawingml/2006/main" xmlns:r="http://schemas.openxmlformats.org/officeDocument/2006/relationships" xmlns:mc="http://schemas.openxmlformats.org/markup-compatibility/2006" xmlns:mv="urn:schemas-microsoft-com:mac:vml" xmlns:p="http://schemas.openxmlformats.org/presentationml/2006/main" xmlns:c="http://schemas.openxmlformats.org/drawingml/2006/chart" xmlns:dgm="http://schemas.openxmlformats.org/drawingml/2006/diagram" xmlns:o="urn:schemas-microsoft-com:office:office" xmlns:v="urn:schemas-microsoft-com:vml" xmlns:pvml="urn:schemas-microsoft-com:office:powerpoint" xmlns:com="http://schemas.openxmlformats.org/drawingml/2006/compatibility" xmlns:p14="http://schemas.microsoft.com/office/powerpoint/2010/main" xmlns:p15="http://schemas.microsoft.com/office/powerpoint/2012/main" xmlns:ahyp="http://schemas.microsoft.com/office/drawing/2018/hyperlinkcolor">
-  <p:cSld>
-    <p:spTree>
-      <p:nvGrpSpPr>
-        <p:cNvPr id="202" name="Shape 202"/>
-        <p:cNvGrpSpPr/>
-        <p:nvPr/>
-      </p:nvGrpSpPr>
-      <p:grpSpPr>
-        <a:xfrm>
-          <a:off x="0" y="0"/>
-          <a:ext cx="0" cy="0"/>
-          <a:chOff x="0" y="0"/>
-          <a:chExt cx="0" cy="0"/>
-        </a:xfrm>
-      </p:grpSpPr>
-      <p:sp>
-        <p:nvSpPr>
-          <p:cNvPr id="203" name="Google Shape;203;p32"/>
-          <p:cNvSpPr txBox="1"/>
-          <p:nvPr>
-            <p:ph type="title"/>
-          </p:nvPr>
-        </p:nvSpPr>
-        <p:spPr>
-          <a:xfrm>
-            <a:off x="311700" y="445025"/>
-            <a:ext cx="8520600" cy="572700"/>
-          </a:xfrm>
-          <a:prstGeom prst="rect">
-            <a:avLst/>
-          </a:prstGeom>
-        </p:spPr>
-        <p:txBody>
-          <a:bodyPr anchorCtr="0" anchor="t" bIns="91425" lIns="91425" spcFirstLastPara="1" rIns="91425" wrap="square" tIns="91425">
-            <a:normAutofit fontScale="90000"/>
-          </a:bodyPr>
-          <a:lstStyle/>
-          <a:p>
-            <a:pPr indent="0" lvl="0" marL="0" rtl="0" algn="l">
-              <a:spcBef>
-                <a:spcPts val="0"/>
-              </a:spcBef>
-              <a:spcAft>
-                <a:spcPts val="0"/>
-              </a:spcAft>
-              <a:buNone/>
-            </a:pPr>
-            <a:r>
-              <a:t/>
-            </a:r>
-            <a:endParaRPr/>
-          </a:p>
-        </p:txBody>
-      </p:sp>
-      <p:sp>
-        <p:nvSpPr>
-          <p:cNvPr id="204" name="Google Shape;204;p32"/>
-          <p:cNvSpPr txBox="1"/>
-          <p:nvPr>
-            <p:ph idx="1" type="body"/>
-          </p:nvPr>
-        </p:nvSpPr>
-        <p:spPr>
-          <a:xfrm>
-            <a:off x="311700" y="1152475"/>
-            <a:ext cx="8520600" cy="3416400"/>
-          </a:xfrm>
-          <a:prstGeom prst="rect">
-            <a:avLst/>
-          </a:prstGeom>
-        </p:spPr>
-        <p:txBody>
-          <a:bodyPr anchorCtr="0" anchor="t" bIns="91425" lIns="91425" spcFirstLastPara="1" rIns="91425" wrap="square" tIns="91425">
-            <a:normAutofit/>
-          </a:bodyPr>
-          <a:lstStyle/>
-          <a:p>
-            <a:pPr indent="0" lvl="0" marL="0" rtl="0" algn="l">
-              <a:spcBef>
-                <a:spcPts val="0"/>
-              </a:spcBef>
-              <a:spcAft>
-                <a:spcPts val="1200"/>
-              </a:spcAft>
-              <a:buNone/>
-            </a:pPr>
-            <a:r>
-              <a:t/>
-            </a:r>
-            <a:endParaRPr/>
-          </a:p>
-        </p:txBody>
-      </p:sp>
-      <p:sp>
-        <p:nvSpPr>
-          <p:cNvPr id="205" name="Google Shape;205;p32"/>
-          <p:cNvSpPr txBox="1"/>
-          <p:nvPr/>
-        </p:nvSpPr>
-        <p:spPr>
-          <a:xfrm>
-            <a:off x="3561900" y="4385925"/>
-            <a:ext cx="5369400" cy="615600"/>
-          </a:xfrm>
-          <a:prstGeom prst="rect">
-            <a:avLst/>
-          </a:prstGeom>
-          <a:noFill/>
-          <a:ln>
-            <a:noFill/>
-          </a:ln>
-        </p:spPr>
-        <p:txBody>
-          <a:bodyPr anchorCtr="0" anchor="t" bIns="91425" lIns="91425" spcFirstLastPara="1" rIns="91425" wrap="square" tIns="91425">
-            <a:spAutoFit/>
-          </a:bodyPr>
-          <a:lstStyle/>
-          <a:p>
-            <a:pPr indent="0" lvl="0" marL="0" rtl="0" algn="l">
-              <a:spcBef>
-                <a:spcPts val="0"/>
-              </a:spcBef>
-              <a:spcAft>
-                <a:spcPts val="0"/>
-              </a:spcAft>
-              <a:buNone/>
-            </a:pPr>
-            <a:r>
-              <a:rPr lang="en"/>
-              <a:t>https://docs.aws.amazon.com/serverless-application-model/latest/developerguide/using-sam-cli-init.html</a:t>
-            </a:r>
-            <a:endParaRPr/>
-          </a:p>
-        </p:txBody>
-      </p:sp>
-      <p:pic>
-        <p:nvPicPr>
-          <p:cNvPr id="206" name="Google Shape;206;p32"/>
-          <p:cNvPicPr preferRelativeResize="0"/>
-          <p:nvPr/>
-        </p:nvPicPr>
-        <p:blipFill>
-          <a:blip r:embed="rId3">
-            <a:alphaModFix/>
-          </a:blip>
-          <a:stretch>
-            <a:fillRect/>
-          </a:stretch>
-        </p:blipFill>
-        <p:spPr>
-          <a:xfrm>
-            <a:off x="311700" y="-12"/>
-            <a:ext cx="8848725" cy="3286125"/>
-          </a:xfrm>
-          <a:prstGeom prst="rect">
-            <a:avLst/>
-          </a:prstGeom>
-          <a:noFill/>
-          <a:ln>
-            <a:noFill/>
-          </a:ln>
-        </p:spPr>
-      </p:pic>
-    </p:spTree>
-  </p:cSld>
-  <p:clrMapOvr>
-    <a:masterClrMapping/>
-  </p:clrMapOvr>
-</p:sld>
-</file>
-
-<file path=ppt/slides/slide21.xml><?xml version="1.0" encoding="utf-8"?>
-<p:sld xmlns:a="http://schemas.openxmlformats.org/drawingml/2006/main" xmlns:r="http://schemas.openxmlformats.org/officeDocument/2006/relationships" xmlns:mc="http://schemas.openxmlformats.org/markup-compatibility/2006" xmlns:mv="urn:schemas-microsoft-com:mac:vml" xmlns:p="http://schemas.openxmlformats.org/presentationml/2006/main" xmlns:c="http://schemas.openxmlformats.org/drawingml/2006/chart" xmlns:dgm="http://schemas.openxmlformats.org/drawingml/2006/diagram" xmlns:o="urn:schemas-microsoft-com:office:office" xmlns:v="urn:schemas-microsoft-com:vml" xmlns:pvml="urn:schemas-microsoft-com:office:powerpoint" xmlns:com="http://schemas.openxmlformats.org/drawingml/2006/compatibility" xmlns:p14="http://schemas.microsoft.com/office/powerpoint/2010/main" xmlns:p15="http://schemas.microsoft.com/office/powerpoint/2012/main" xmlns:ahyp="http://schemas.microsoft.com/office/drawing/2018/hyperlinkcolor">
-  <p:cSld>
-    <p:spTree>
-      <p:nvGrpSpPr>
-        <p:cNvPr id="210" name="Shape 210"/>
-        <p:cNvGrpSpPr/>
-        <p:nvPr/>
-      </p:nvGrpSpPr>
-      <p:grpSpPr>
-        <a:xfrm>
-          <a:off x="0" y="0"/>
-          <a:ext cx="0" cy="0"/>
-          <a:chOff x="0" y="0"/>
-          <a:chExt cx="0" cy="0"/>
-        </a:xfrm>
-      </p:grpSpPr>
-      <p:sp>
-        <p:nvSpPr>
-          <p:cNvPr id="211" name="Google Shape;211;p33"/>
-          <p:cNvSpPr txBox="1"/>
-          <p:nvPr>
-            <p:ph type="title"/>
-          </p:nvPr>
-        </p:nvSpPr>
-        <p:spPr>
-          <a:xfrm>
-            <a:off x="311700" y="445025"/>
-            <a:ext cx="8520600" cy="572700"/>
-          </a:xfrm>
-          <a:prstGeom prst="rect">
-            <a:avLst/>
-          </a:prstGeom>
-        </p:spPr>
-        <p:txBody>
-          <a:bodyPr anchorCtr="0" anchor="t" bIns="91425" lIns="91425" spcFirstLastPara="1" rIns="91425" wrap="square" tIns="91425">
-            <a:normAutofit fontScale="90000"/>
-          </a:bodyPr>
-          <a:lstStyle/>
-          <a:p>
-            <a:pPr indent="0" lvl="0" marL="0" rtl="0" algn="l">
-              <a:spcBef>
-                <a:spcPts val="0"/>
-              </a:spcBef>
-              <a:spcAft>
-                <a:spcPts val="0"/>
-              </a:spcAft>
-              <a:buNone/>
-            </a:pPr>
-            <a:r>
-              <a:t/>
-            </a:r>
-            <a:endParaRPr/>
-          </a:p>
-        </p:txBody>
-      </p:sp>
-      <p:sp>
-        <p:nvSpPr>
-          <p:cNvPr id="212" name="Google Shape;212;p33"/>
-          <p:cNvSpPr txBox="1"/>
-          <p:nvPr>
-            <p:ph idx="1" type="body"/>
-          </p:nvPr>
-        </p:nvSpPr>
-        <p:spPr>
-          <a:xfrm>
-            <a:off x="311700" y="1152475"/>
-            <a:ext cx="8520600" cy="3416400"/>
-          </a:xfrm>
-          <a:prstGeom prst="rect">
-            <a:avLst/>
-          </a:prstGeom>
-        </p:spPr>
-        <p:txBody>
-          <a:bodyPr anchorCtr="0" anchor="t" bIns="91425" lIns="91425" spcFirstLastPara="1" rIns="91425" wrap="square" tIns="91425">
-            <a:normAutofit/>
-          </a:bodyPr>
-          <a:lstStyle/>
-          <a:p>
-            <a:pPr indent="0" lvl="0" marL="0" rtl="0" algn="l">
-              <a:spcBef>
-                <a:spcPts val="0"/>
-              </a:spcBef>
-              <a:spcAft>
-                <a:spcPts val="1200"/>
-              </a:spcAft>
-              <a:buNone/>
-            </a:pPr>
-            <a:r>
-              <a:t/>
-            </a:r>
-            <a:endParaRPr/>
-          </a:p>
-        </p:txBody>
-      </p:sp>
-      <p:pic>
-        <p:nvPicPr>
-          <p:cNvPr id="213" name="Google Shape;213;p33"/>
-          <p:cNvPicPr preferRelativeResize="0"/>
-          <p:nvPr/>
-        </p:nvPicPr>
-        <p:blipFill>
-          <a:blip r:embed="rId3">
-            <a:alphaModFix/>
-          </a:blip>
-          <a:stretch>
-            <a:fillRect/>
-          </a:stretch>
-        </p:blipFill>
-        <p:spPr>
-          <a:xfrm>
-            <a:off x="376238" y="966788"/>
-            <a:ext cx="8391525" cy="3209925"/>
-          </a:xfrm>
-          <a:prstGeom prst="rect">
-            <a:avLst/>
-          </a:prstGeom>
-          <a:noFill/>
-          <a:ln>
-            <a:noFill/>
-          </a:ln>
-        </p:spPr>
-      </p:pic>
-    </p:spTree>
-  </p:cSld>
-  <p:clrMapOvr>
-    <a:masterClrMapping/>
-  </p:clrMapOvr>
-</p:sld>
-</file>
-
-<file path=ppt/slides/slide22.xml><?xml version="1.0" encoding="utf-8"?>
-<p:sld xmlns:a="http://schemas.openxmlformats.org/drawingml/2006/main" xmlns:r="http://schemas.openxmlformats.org/officeDocument/2006/relationships" xmlns:mc="http://schemas.openxmlformats.org/markup-compatibility/2006" xmlns:mv="urn:schemas-microsoft-com:mac:vml" xmlns:p="http://schemas.openxmlformats.org/presentationml/2006/main" xmlns:c="http://schemas.openxmlformats.org/drawingml/2006/chart" xmlns:dgm="http://schemas.openxmlformats.org/drawingml/2006/diagram" xmlns:o="urn:schemas-microsoft-com:office:office" xmlns:v="urn:schemas-microsoft-com:vml" xmlns:pvml="urn:schemas-microsoft-com:office:powerpoint" xmlns:com="http://schemas.openxmlformats.org/drawingml/2006/compatibility" xmlns:p14="http://schemas.microsoft.com/office/powerpoint/2010/main" xmlns:p15="http://schemas.microsoft.com/office/powerpoint/2012/main" xmlns:ahyp="http://schemas.microsoft.com/office/drawing/2018/hyperlinkcolor">
-  <p:cSld>
-    <p:spTree>
-      <p:nvGrpSpPr>
-        <p:cNvPr id="217" name="Shape 217"/>
-        <p:cNvGrpSpPr/>
-        <p:nvPr/>
-      </p:nvGrpSpPr>
-      <p:grpSpPr>
-        <a:xfrm>
-          <a:off x="0" y="0"/>
-          <a:ext cx="0" cy="0"/>
-          <a:chOff x="0" y="0"/>
-          <a:chExt cx="0" cy="0"/>
-        </a:xfrm>
-      </p:grpSpPr>
-      <p:sp>
-        <p:nvSpPr>
-          <p:cNvPr id="218" name="Google Shape;218;p34"/>
-          <p:cNvSpPr txBox="1"/>
-          <p:nvPr>
-            <p:ph type="title"/>
-          </p:nvPr>
-        </p:nvSpPr>
-        <p:spPr>
-          <a:xfrm>
-            <a:off x="311700" y="445025"/>
-            <a:ext cx="8520600" cy="572700"/>
-          </a:xfrm>
-          <a:prstGeom prst="rect">
-            <a:avLst/>
-          </a:prstGeom>
-        </p:spPr>
-        <p:txBody>
-          <a:bodyPr anchorCtr="0" anchor="t" bIns="91425" lIns="91425" spcFirstLastPara="1" rIns="91425" wrap="square" tIns="91425">
-            <a:normAutofit fontScale="90000"/>
-          </a:bodyPr>
-          <a:lstStyle/>
-          <a:p>
-            <a:pPr indent="0" lvl="0" marL="0" rtl="0" algn="l">
-              <a:spcBef>
-                <a:spcPts val="0"/>
-              </a:spcBef>
-              <a:spcAft>
-                <a:spcPts val="0"/>
-              </a:spcAft>
-              <a:buNone/>
-            </a:pPr>
-            <a:r>
-              <a:t/>
-            </a:r>
-            <a:endParaRPr/>
-          </a:p>
-        </p:txBody>
-      </p:sp>
-      <p:sp>
-        <p:nvSpPr>
-          <p:cNvPr id="219" name="Google Shape;219;p34"/>
-          <p:cNvSpPr txBox="1"/>
-          <p:nvPr>
-            <p:ph idx="1" type="body"/>
-          </p:nvPr>
-        </p:nvSpPr>
-        <p:spPr>
-          <a:xfrm>
-            <a:off x="311700" y="1152475"/>
-            <a:ext cx="8520600" cy="3416400"/>
-          </a:xfrm>
-          <a:prstGeom prst="rect">
-            <a:avLst/>
-          </a:prstGeom>
-        </p:spPr>
-        <p:txBody>
-          <a:bodyPr anchorCtr="0" anchor="t" bIns="91425" lIns="91425" spcFirstLastPara="1" rIns="91425" wrap="square" tIns="91425">
-            <a:normAutofit/>
-          </a:bodyPr>
-          <a:lstStyle/>
-          <a:p>
-            <a:pPr indent="0" lvl="0" marL="0" rtl="0" algn="l">
-              <a:spcBef>
-                <a:spcPts val="0"/>
-              </a:spcBef>
-              <a:spcAft>
-                <a:spcPts val="1200"/>
-              </a:spcAft>
-              <a:buNone/>
-            </a:pPr>
-            <a:r>
-              <a:t/>
-            </a:r>
-            <a:endParaRPr/>
-          </a:p>
-        </p:txBody>
-      </p:sp>
-      <p:pic>
-        <p:nvPicPr>
-          <p:cNvPr id="220" name="Google Shape;220;p34"/>
-          <p:cNvPicPr preferRelativeResize="0"/>
-          <p:nvPr/>
-        </p:nvPicPr>
-        <p:blipFill>
-          <a:blip r:embed="rId3">
-            <a:alphaModFix/>
-          </a:blip>
-          <a:stretch>
-            <a:fillRect/>
-          </a:stretch>
-        </p:blipFill>
-        <p:spPr>
-          <a:xfrm>
-            <a:off x="1052513" y="557213"/>
-            <a:ext cx="7038975" cy="4029075"/>
-          </a:xfrm>
-          <a:prstGeom prst="rect">
-            <a:avLst/>
-          </a:prstGeom>
-          <a:noFill/>
-          <a:ln>
-            <a:noFill/>
-          </a:ln>
-        </p:spPr>
-      </p:pic>
-    </p:spTree>
-  </p:cSld>
-  <p:clrMapOvr>
-    <a:masterClrMapping/>
-  </p:clrMapOvr>
-</p:sld>
-</file>
-
-<file path=ppt/slides/slide23.xml><?xml version="1.0" encoding="utf-8"?>
-<p:sld xmlns:a="http://schemas.openxmlformats.org/drawingml/2006/main" xmlns:r="http://schemas.openxmlformats.org/officeDocument/2006/relationships" xmlns:mc="http://schemas.openxmlformats.org/markup-compatibility/2006" xmlns:mv="urn:schemas-microsoft-com:mac:vml" xmlns:p="http://schemas.openxmlformats.org/presentationml/2006/main" xmlns:c="http://schemas.openxmlformats.org/drawingml/2006/chart" xmlns:dgm="http://schemas.openxmlformats.org/drawingml/2006/diagram" xmlns:o="urn:schemas-microsoft-com:office:office" xmlns:v="urn:schemas-microsoft-com:vml" xmlns:pvml="urn:schemas-microsoft-com:office:powerpoint" xmlns:com="http://schemas.openxmlformats.org/drawingml/2006/compatibility" xmlns:p14="http://schemas.microsoft.com/office/powerpoint/2010/main" xmlns:p15="http://schemas.microsoft.com/office/powerpoint/2012/main" xmlns:ahyp="http://schemas.microsoft.com/office/drawing/2018/hyperlinkcolor">
-  <p:cSld>
-    <p:spTree>
-      <p:nvGrpSpPr>
-        <p:cNvPr id="224" name="Shape 224"/>
-        <p:cNvGrpSpPr/>
-        <p:nvPr/>
-      </p:nvGrpSpPr>
-      <p:grpSpPr>
-        <a:xfrm>
-          <a:off x="0" y="0"/>
-          <a:ext cx="0" cy="0"/>
-          <a:chOff x="0" y="0"/>
-          <a:chExt cx="0" cy="0"/>
-        </a:xfrm>
-      </p:grpSpPr>
-      <p:sp>
-        <p:nvSpPr>
-          <p:cNvPr id="225" name="Google Shape;225;p35"/>
-          <p:cNvSpPr txBox="1"/>
-          <p:nvPr>
-            <p:ph type="title"/>
-          </p:nvPr>
-        </p:nvSpPr>
-        <p:spPr>
-          <a:xfrm>
-            <a:off x="311700" y="445025"/>
-            <a:ext cx="8520600" cy="572700"/>
-          </a:xfrm>
-          <a:prstGeom prst="rect">
-            <a:avLst/>
-          </a:prstGeom>
-        </p:spPr>
-        <p:txBody>
-          <a:bodyPr anchorCtr="0" anchor="t" bIns="91425" lIns="91425" spcFirstLastPara="1" rIns="91425" wrap="square" tIns="91425">
-            <a:normAutofit fontScale="90000"/>
-          </a:bodyPr>
-          <a:lstStyle/>
-          <a:p>
-            <a:pPr indent="0" lvl="0" marL="0" rtl="0" algn="l">
-              <a:spcBef>
-                <a:spcPts val="0"/>
-              </a:spcBef>
-              <a:spcAft>
-                <a:spcPts val="0"/>
-              </a:spcAft>
-              <a:buNone/>
-            </a:pPr>
-            <a:r>
-              <a:t/>
-            </a:r>
-            <a:endParaRPr/>
-          </a:p>
-        </p:txBody>
-      </p:sp>
-      <p:sp>
-        <p:nvSpPr>
-          <p:cNvPr id="226" name="Google Shape;226;p35"/>
-          <p:cNvSpPr txBox="1"/>
-          <p:nvPr>
-            <p:ph idx="1" type="body"/>
-          </p:nvPr>
-        </p:nvSpPr>
-        <p:spPr>
-          <a:xfrm>
-            <a:off x="311700" y="1152475"/>
-            <a:ext cx="8520600" cy="3416400"/>
-          </a:xfrm>
-          <a:prstGeom prst="rect">
-            <a:avLst/>
-          </a:prstGeom>
-        </p:spPr>
-        <p:txBody>
-          <a:bodyPr anchorCtr="0" anchor="t" bIns="91425" lIns="91425" spcFirstLastPara="1" rIns="91425" wrap="square" tIns="91425">
-            <a:normAutofit/>
-          </a:bodyPr>
-          <a:lstStyle/>
-          <a:p>
-            <a:pPr indent="0" lvl="0" marL="0" rtl="0" algn="l">
-              <a:spcBef>
-                <a:spcPts val="0"/>
-              </a:spcBef>
-              <a:spcAft>
-                <a:spcPts val="1200"/>
-              </a:spcAft>
-              <a:buNone/>
-            </a:pPr>
-            <a:r>
-              <a:t/>
-            </a:r>
-            <a:endParaRPr/>
-          </a:p>
-        </p:txBody>
-      </p:sp>
-      <p:pic>
-        <p:nvPicPr>
-          <p:cNvPr id="227" name="Google Shape;227;p35"/>
-          <p:cNvPicPr preferRelativeResize="0"/>
-          <p:nvPr/>
-        </p:nvPicPr>
-        <p:blipFill>
-          <a:blip r:embed="rId3">
-            <a:alphaModFix/>
-          </a:blip>
-          <a:stretch>
-            <a:fillRect/>
-          </a:stretch>
-        </p:blipFill>
-        <p:spPr>
-          <a:xfrm>
-            <a:off x="76200" y="1019175"/>
-            <a:ext cx="8991600" cy="3105150"/>
-          </a:xfrm>
-          <a:prstGeom prst="rect">
-            <a:avLst/>
-          </a:prstGeom>
-          <a:noFill/>
-          <a:ln>
-            <a:noFill/>
-          </a:ln>
-        </p:spPr>
-      </p:pic>
-    </p:spTree>
-  </p:cSld>
-  <p:clrMapOvr>
-    <a:masterClrMapping/>
-  </p:clrMapOvr>
-</p:sld>
-</file>
-
-<file path=ppt/slides/slide24.xml><?xml version="1.0" encoding="utf-8"?>
-<p:sld xmlns:a="http://schemas.openxmlformats.org/drawingml/2006/main" xmlns:r="http://schemas.openxmlformats.org/officeDocument/2006/relationships" xmlns:mc="http://schemas.openxmlformats.org/markup-compatibility/2006" xmlns:mv="urn:schemas-microsoft-com:mac:vml" xmlns:p="http://schemas.openxmlformats.org/presentationml/2006/main" xmlns:c="http://schemas.openxmlformats.org/drawingml/2006/chart" xmlns:dgm="http://schemas.openxmlformats.org/drawingml/2006/diagram" xmlns:o="urn:schemas-microsoft-com:office:office" xmlns:v="urn:schemas-microsoft-com:vml" xmlns:pvml="urn:schemas-microsoft-com:office:powerpoint" xmlns:com="http://schemas.openxmlformats.org/drawingml/2006/compatibility" xmlns:p14="http://schemas.microsoft.com/office/powerpoint/2010/main" xmlns:p15="http://schemas.microsoft.com/office/powerpoint/2012/main" xmlns:ahyp="http://schemas.microsoft.com/office/drawing/2018/hyperlinkcolor">
-  <p:cSld>
-    <p:spTree>
-      <p:nvGrpSpPr>
-        <p:cNvPr id="231" name="Shape 231"/>
-        <p:cNvGrpSpPr/>
-        <p:nvPr/>
-      </p:nvGrpSpPr>
-      <p:grpSpPr>
-        <a:xfrm>
-          <a:off x="0" y="0"/>
-          <a:ext cx="0" cy="0"/>
-          <a:chOff x="0" y="0"/>
-          <a:chExt cx="0" cy="0"/>
-        </a:xfrm>
-      </p:grpSpPr>
-      <p:sp>
-        <p:nvSpPr>
-          <p:cNvPr id="232" name="Google Shape;232;p36"/>
-          <p:cNvSpPr txBox="1"/>
-          <p:nvPr>
-            <p:ph type="title"/>
-          </p:nvPr>
-        </p:nvSpPr>
-        <p:spPr>
-          <a:xfrm>
-            <a:off x="311700" y="445025"/>
-            <a:ext cx="8520600" cy="572700"/>
-          </a:xfrm>
-          <a:prstGeom prst="rect">
-            <a:avLst/>
-          </a:prstGeom>
-        </p:spPr>
-        <p:txBody>
-          <a:bodyPr anchorCtr="0" anchor="t" bIns="91425" lIns="91425" spcFirstLastPara="1" rIns="91425" wrap="square" tIns="91425">
-            <a:normAutofit fontScale="90000"/>
-          </a:bodyPr>
-          <a:lstStyle/>
-          <a:p>
-            <a:pPr indent="0" lvl="0" marL="0" rtl="0" algn="l">
-              <a:spcBef>
-                <a:spcPts val="0"/>
-              </a:spcBef>
-              <a:spcAft>
-                <a:spcPts val="0"/>
-              </a:spcAft>
-              <a:buNone/>
-            </a:pPr>
-            <a:r>
-              <a:rPr lang="en"/>
-              <a:t>Make changes to Docker file</a:t>
-            </a:r>
-            <a:endParaRPr/>
-          </a:p>
-        </p:txBody>
-      </p:sp>
-      <p:sp>
-        <p:nvSpPr>
-          <p:cNvPr id="233" name="Google Shape;233;p36"/>
-          <p:cNvSpPr txBox="1"/>
-          <p:nvPr>
-            <p:ph idx="1" type="body"/>
-          </p:nvPr>
-        </p:nvSpPr>
-        <p:spPr>
-          <a:xfrm>
-            <a:off x="311700" y="1152475"/>
-            <a:ext cx="8520600" cy="3416400"/>
-          </a:xfrm>
-          <a:prstGeom prst="rect">
-            <a:avLst/>
-          </a:prstGeom>
-        </p:spPr>
-        <p:txBody>
-          <a:bodyPr anchorCtr="0" anchor="t" bIns="91425" lIns="91425" spcFirstLastPara="1" rIns="91425" wrap="square" tIns="91425">
-            <a:normAutofit/>
-          </a:bodyPr>
-          <a:lstStyle/>
-          <a:p>
-            <a:pPr indent="0" lvl="0" marL="0" rtl="0" algn="l">
-              <a:spcBef>
-                <a:spcPts val="0"/>
-              </a:spcBef>
-              <a:spcAft>
-                <a:spcPts val="1200"/>
-              </a:spcAft>
-              <a:buNone/>
-            </a:pPr>
-            <a:r>
-              <a:t/>
-            </a:r>
-            <a:endParaRPr/>
-          </a:p>
-        </p:txBody>
-      </p:sp>
-      <p:pic>
-        <p:nvPicPr>
-          <p:cNvPr id="234" name="Google Shape;234;p36"/>
-          <p:cNvPicPr preferRelativeResize="0"/>
-          <p:nvPr/>
-        </p:nvPicPr>
-        <p:blipFill>
-          <a:blip r:embed="rId3">
-            <a:alphaModFix/>
-          </a:blip>
-          <a:stretch>
-            <a:fillRect/>
-          </a:stretch>
-        </p:blipFill>
-        <p:spPr>
-          <a:xfrm>
-            <a:off x="1109663" y="1524000"/>
-            <a:ext cx="6924675" cy="2095500"/>
-          </a:xfrm>
-          <a:prstGeom prst="rect">
-            <a:avLst/>
-          </a:prstGeom>
-          <a:noFill/>
-          <a:ln>
-            <a:noFill/>
-          </a:ln>
-        </p:spPr>
-      </p:pic>
-    </p:spTree>
-  </p:cSld>
-  <p:clrMapOvr>
-    <a:masterClrMapping/>
-  </p:clrMapOvr>
-</p:sld>
-</file>
-
-<file path=ppt/slides/slide25.xml><?xml version="1.0" encoding="utf-8"?>
-<p:sld xmlns:a="http://schemas.openxmlformats.org/drawingml/2006/main" xmlns:r="http://schemas.openxmlformats.org/officeDocument/2006/relationships" xmlns:mc="http://schemas.openxmlformats.org/markup-compatibility/2006" xmlns:mv="urn:schemas-microsoft-com:mac:vml" xmlns:p="http://schemas.openxmlformats.org/presentationml/2006/main" xmlns:c="http://schemas.openxmlformats.org/drawingml/2006/chart" xmlns:dgm="http://schemas.openxmlformats.org/drawingml/2006/diagram" xmlns:o="urn:schemas-microsoft-com:office:office" xmlns:v="urn:schemas-microsoft-com:vml" xmlns:pvml="urn:schemas-microsoft-com:office:powerpoint" xmlns:com="http://schemas.openxmlformats.org/drawingml/2006/compatibility" xmlns:p14="http://schemas.microsoft.com/office/powerpoint/2010/main" xmlns:p15="http://schemas.microsoft.com/office/powerpoint/2012/main" xmlns:ahyp="http://schemas.microsoft.com/office/drawing/2018/hyperlinkcolor">
-  <p:cSld>
-    <p:spTree>
-      <p:nvGrpSpPr>
-        <p:cNvPr id="238" name="Shape 238"/>
-        <p:cNvGrpSpPr/>
-        <p:nvPr/>
-      </p:nvGrpSpPr>
-      <p:grpSpPr>
-        <a:xfrm>
-          <a:off x="0" y="0"/>
-          <a:ext cx="0" cy="0"/>
-          <a:chOff x="0" y="0"/>
-          <a:chExt cx="0" cy="0"/>
-        </a:xfrm>
-      </p:grpSpPr>
-      <p:sp>
-        <p:nvSpPr>
-          <p:cNvPr id="239" name="Google Shape;239;p37"/>
-          <p:cNvSpPr txBox="1"/>
-          <p:nvPr>
-            <p:ph type="title"/>
-          </p:nvPr>
-        </p:nvSpPr>
-        <p:spPr>
-          <a:xfrm>
-            <a:off x="311700" y="445025"/>
-            <a:ext cx="8520600" cy="572700"/>
-          </a:xfrm>
-          <a:prstGeom prst="rect">
-            <a:avLst/>
-          </a:prstGeom>
-        </p:spPr>
-        <p:txBody>
-          <a:bodyPr anchorCtr="0" anchor="t" bIns="91425" lIns="91425" spcFirstLastPara="1" rIns="91425" wrap="square" tIns="91425">
-            <a:normAutofit fontScale="90000"/>
-          </a:bodyPr>
-          <a:lstStyle/>
-          <a:p>
-            <a:pPr indent="0" lvl="0" marL="0" rtl="0" algn="l">
-              <a:spcBef>
-                <a:spcPts val="0"/>
-              </a:spcBef>
-              <a:spcAft>
-                <a:spcPts val="0"/>
-              </a:spcAft>
-              <a:buNone/>
-            </a:pPr>
-            <a:r>
-              <a:rPr lang="en"/>
-              <a:t>Changes to requirements.py</a:t>
-            </a:r>
-            <a:endParaRPr/>
-          </a:p>
-        </p:txBody>
-      </p:sp>
-      <p:sp>
-        <p:nvSpPr>
-          <p:cNvPr id="240" name="Google Shape;240;p37"/>
-          <p:cNvSpPr txBox="1"/>
-          <p:nvPr>
-            <p:ph idx="1" type="body"/>
-          </p:nvPr>
-        </p:nvSpPr>
-        <p:spPr>
-          <a:xfrm>
-            <a:off x="311700" y="1152475"/>
-            <a:ext cx="8520600" cy="3416400"/>
-          </a:xfrm>
-          <a:prstGeom prst="rect">
-            <a:avLst/>
-          </a:prstGeom>
-        </p:spPr>
-        <p:txBody>
-          <a:bodyPr anchorCtr="0" anchor="t" bIns="91425" lIns="91425" spcFirstLastPara="1" rIns="91425" wrap="square" tIns="91425">
-            <a:normAutofit/>
-          </a:bodyPr>
-          <a:lstStyle/>
-          <a:p>
-            <a:pPr indent="0" lvl="0" marL="0" rtl="0" algn="l">
-              <a:spcBef>
-                <a:spcPts val="0"/>
-              </a:spcBef>
-              <a:spcAft>
-                <a:spcPts val="1200"/>
-              </a:spcAft>
-              <a:buNone/>
-            </a:pPr>
-            <a:r>
-              <a:t/>
-            </a:r>
-            <a:endParaRPr/>
-          </a:p>
-        </p:txBody>
-      </p:sp>
-      <p:pic>
-        <p:nvPicPr>
-          <p:cNvPr id="241" name="Google Shape;241;p37"/>
-          <p:cNvPicPr preferRelativeResize="0"/>
-          <p:nvPr/>
-        </p:nvPicPr>
-        <p:blipFill>
-          <a:blip r:embed="rId3">
-            <a:alphaModFix/>
-          </a:blip>
-          <a:stretch>
-            <a:fillRect/>
-          </a:stretch>
-        </p:blipFill>
-        <p:spPr>
-          <a:xfrm>
-            <a:off x="2209800" y="2052638"/>
-            <a:ext cx="4724400" cy="1038225"/>
-          </a:xfrm>
-          <a:prstGeom prst="rect">
-            <a:avLst/>
-          </a:prstGeom>
-          <a:noFill/>
-          <a:ln>
-            <a:noFill/>
-          </a:ln>
-        </p:spPr>
-      </p:pic>
-    </p:spTree>
-  </p:cSld>
-  <p:clrMapOvr>
-    <a:masterClrMapping/>
-  </p:clrMapOvr>
-</p:sld>
-</file>
-
-<file path=ppt/slides/slide26.xml><?xml version="1.0" encoding="utf-8"?>
-<p:sld xmlns:a="http://schemas.openxmlformats.org/drawingml/2006/main" xmlns:r="http://schemas.openxmlformats.org/officeDocument/2006/relationships" xmlns:mc="http://schemas.openxmlformats.org/markup-compatibility/2006" xmlns:mv="urn:schemas-microsoft-com:mac:vml" xmlns:p="http://schemas.openxmlformats.org/presentationml/2006/main" xmlns:c="http://schemas.openxmlformats.org/drawingml/2006/chart" xmlns:dgm="http://schemas.openxmlformats.org/drawingml/2006/diagram" xmlns:o="urn:schemas-microsoft-com:office:office" xmlns:v="urn:schemas-microsoft-com:vml" xmlns:pvml="urn:schemas-microsoft-com:office:powerpoint" xmlns:com="http://schemas.openxmlformats.org/drawingml/2006/compatibility" xmlns:p14="http://schemas.microsoft.com/office/powerpoint/2010/main" xmlns:p15="http://schemas.microsoft.com/office/powerpoint/2012/main" xmlns:ahyp="http://schemas.microsoft.com/office/drawing/2018/hyperlinkcolor">
-  <p:cSld>
-    <p:spTree>
-      <p:nvGrpSpPr>
-        <p:cNvPr id="245" name="Shape 245"/>
-        <p:cNvGrpSpPr/>
-        <p:nvPr/>
-      </p:nvGrpSpPr>
-      <p:grpSpPr>
-        <a:xfrm>
-          <a:off x="0" y="0"/>
-          <a:ext cx="0" cy="0"/>
-          <a:chOff x="0" y="0"/>
-          <a:chExt cx="0" cy="0"/>
-        </a:xfrm>
-      </p:grpSpPr>
-      <p:sp>
-        <p:nvSpPr>
-          <p:cNvPr id="246" name="Google Shape;246;p38"/>
-          <p:cNvSpPr txBox="1"/>
-          <p:nvPr>
-            <p:ph type="title"/>
-          </p:nvPr>
-        </p:nvSpPr>
-        <p:spPr>
-          <a:xfrm>
-            <a:off x="311700" y="445025"/>
-            <a:ext cx="8520600" cy="572700"/>
-          </a:xfrm>
-          <a:prstGeom prst="rect">
-            <a:avLst/>
-          </a:prstGeom>
-        </p:spPr>
-        <p:txBody>
-          <a:bodyPr anchorCtr="0" anchor="t" bIns="91425" lIns="91425" spcFirstLastPara="1" rIns="91425" wrap="square" tIns="91425">
-            <a:normAutofit fontScale="90000"/>
-          </a:bodyPr>
-          <a:lstStyle/>
-          <a:p>
-            <a:pPr indent="0" lvl="0" marL="0" rtl="0" algn="l">
-              <a:spcBef>
-                <a:spcPts val="0"/>
-              </a:spcBef>
-              <a:spcAft>
-                <a:spcPts val="0"/>
-              </a:spcAft>
-              <a:buNone/>
-            </a:pPr>
-            <a:r>
-              <a:rPr lang="en"/>
-              <a:t>Add download_model.py</a:t>
-            </a:r>
-            <a:endParaRPr/>
-          </a:p>
-        </p:txBody>
-      </p:sp>
-      <p:sp>
-        <p:nvSpPr>
-          <p:cNvPr id="247" name="Google Shape;247;p38"/>
-          <p:cNvSpPr txBox="1"/>
-          <p:nvPr>
-            <p:ph idx="1" type="body"/>
-          </p:nvPr>
-        </p:nvSpPr>
-        <p:spPr>
-          <a:xfrm>
-            <a:off x="311700" y="1152475"/>
-            <a:ext cx="8520600" cy="3416400"/>
-          </a:xfrm>
-          <a:prstGeom prst="rect">
-            <a:avLst/>
-          </a:prstGeom>
-        </p:spPr>
-        <p:txBody>
-          <a:bodyPr anchorCtr="0" anchor="t" bIns="91425" lIns="91425" spcFirstLastPara="1" rIns="91425" wrap="square" tIns="91425">
-            <a:normAutofit/>
-          </a:bodyPr>
-          <a:lstStyle/>
-          <a:p>
-            <a:pPr indent="0" lvl="0" marL="0" rtl="0" algn="l">
-              <a:spcBef>
-                <a:spcPts val="0"/>
-              </a:spcBef>
-              <a:spcAft>
-                <a:spcPts val="1200"/>
-              </a:spcAft>
-              <a:buNone/>
-            </a:pPr>
-            <a:r>
-              <a:t/>
-            </a:r>
-            <a:endParaRPr/>
-          </a:p>
-        </p:txBody>
-      </p:sp>
-      <p:pic>
-        <p:nvPicPr>
-          <p:cNvPr id="248" name="Google Shape;248;p38"/>
-          <p:cNvPicPr preferRelativeResize="0"/>
-          <p:nvPr/>
-        </p:nvPicPr>
-        <p:blipFill>
-          <a:blip r:embed="rId3">
-            <a:alphaModFix/>
-          </a:blip>
-          <a:stretch>
-            <a:fillRect/>
-          </a:stretch>
-        </p:blipFill>
-        <p:spPr>
-          <a:xfrm>
-            <a:off x="228600" y="1733550"/>
-            <a:ext cx="8686800" cy="1676400"/>
-          </a:xfrm>
-          <a:prstGeom prst="rect">
-            <a:avLst/>
-          </a:prstGeom>
-          <a:noFill/>
-          <a:ln>
-            <a:noFill/>
-          </a:ln>
-        </p:spPr>
-      </p:pic>
-    </p:spTree>
-  </p:cSld>
-  <p:clrMapOvr>
-    <a:masterClrMapping/>
-  </p:clrMapOvr>
-</p:sld>
-</file>
-
-<file path=ppt/slides/slide27.xml><?xml version="1.0" encoding="utf-8"?>
-<p:sld xmlns:a="http://schemas.openxmlformats.org/drawingml/2006/main" xmlns:r="http://schemas.openxmlformats.org/officeDocument/2006/relationships" xmlns:mc="http://schemas.openxmlformats.org/markup-compatibility/2006" xmlns:mv="urn:schemas-microsoft-com:mac:vml" xmlns:p="http://schemas.openxmlformats.org/presentationml/2006/main" xmlns:c="http://schemas.openxmlformats.org/drawingml/2006/chart" xmlns:dgm="http://schemas.openxmlformats.org/drawingml/2006/diagram" xmlns:o="urn:schemas-microsoft-com:office:office" xmlns:v="urn:schemas-microsoft-com:vml" xmlns:pvml="urn:schemas-microsoft-com:office:powerpoint" xmlns:com="http://schemas.openxmlformats.org/drawingml/2006/compatibility" xmlns:p14="http://schemas.microsoft.com/office/powerpoint/2010/main" xmlns:p15="http://schemas.microsoft.com/office/powerpoint/2012/main" xmlns:ahyp="http://schemas.microsoft.com/office/drawing/2018/hyperlinkcolor">
-  <p:cSld>
-    <p:spTree>
-      <p:nvGrpSpPr>
-        <p:cNvPr id="252" name="Shape 252"/>
-        <p:cNvGrpSpPr/>
-        <p:nvPr/>
-      </p:nvGrpSpPr>
-      <p:grpSpPr>
-        <a:xfrm>
-          <a:off x="0" y="0"/>
-          <a:ext cx="0" cy="0"/>
-          <a:chOff x="0" y="0"/>
-          <a:chExt cx="0" cy="0"/>
-        </a:xfrm>
-      </p:grpSpPr>
-      <p:sp>
-        <p:nvSpPr>
-          <p:cNvPr id="253" name="Google Shape;253;p39"/>
-          <p:cNvSpPr txBox="1"/>
-          <p:nvPr>
-            <p:ph type="title"/>
-          </p:nvPr>
-        </p:nvSpPr>
-        <p:spPr>
-          <a:xfrm>
-            <a:off x="311700" y="445025"/>
-            <a:ext cx="8520600" cy="572700"/>
-          </a:xfrm>
-          <a:prstGeom prst="rect">
-            <a:avLst/>
-          </a:prstGeom>
-        </p:spPr>
-        <p:txBody>
-          <a:bodyPr anchorCtr="0" anchor="t" bIns="91425" lIns="91425" spcFirstLastPara="1" rIns="91425" wrap="square" tIns="91425">
-            <a:normAutofit fontScale="90000"/>
-          </a:bodyPr>
-          <a:lstStyle/>
-          <a:p>
-            <a:pPr indent="0" lvl="0" marL="0" rtl="0" algn="l">
-              <a:spcBef>
-                <a:spcPts val="0"/>
-              </a:spcBef>
-              <a:spcAft>
-                <a:spcPts val="0"/>
-              </a:spcAft>
-              <a:buNone/>
-            </a:pPr>
-            <a:r>
-              <a:rPr lang="en"/>
-              <a:t>Make changes to app.py</a:t>
-            </a:r>
-            <a:endParaRPr/>
-          </a:p>
-        </p:txBody>
-      </p:sp>
-      <p:sp>
-        <p:nvSpPr>
-          <p:cNvPr id="254" name="Google Shape;254;p39"/>
-          <p:cNvSpPr txBox="1"/>
-          <p:nvPr>
-            <p:ph idx="1" type="body"/>
-          </p:nvPr>
-        </p:nvSpPr>
-        <p:spPr>
-          <a:xfrm>
-            <a:off x="311700" y="1152475"/>
-            <a:ext cx="8520600" cy="3416400"/>
-          </a:xfrm>
-          <a:prstGeom prst="rect">
-            <a:avLst/>
-          </a:prstGeom>
-        </p:spPr>
-        <p:txBody>
-          <a:bodyPr anchorCtr="0" anchor="t" bIns="91425" lIns="91425" spcFirstLastPara="1" rIns="91425" wrap="square" tIns="91425">
-            <a:normAutofit/>
-          </a:bodyPr>
-          <a:lstStyle/>
-          <a:p>
-            <a:pPr indent="-342900" lvl="0" marL="457200" rtl="0" algn="l">
-              <a:spcBef>
-                <a:spcPts val="0"/>
-              </a:spcBef>
-              <a:spcAft>
-                <a:spcPts val="0"/>
-              </a:spcAft>
-              <a:buSzPts val="1800"/>
-              <a:buAutoNum type="arabicPeriod"/>
-            </a:pPr>
-            <a:r>
-              <a:rPr lang="en"/>
-              <a:t>Add model pipeline</a:t>
-            </a:r>
-            <a:endParaRPr/>
-          </a:p>
-          <a:p>
-            <a:pPr indent="-342900" lvl="0" marL="457200" rtl="0" algn="l">
-              <a:spcBef>
-                <a:spcPts val="0"/>
-              </a:spcBef>
-              <a:spcAft>
-                <a:spcPts val="0"/>
-              </a:spcAft>
-              <a:buSzPts val="1800"/>
-              <a:buAutoNum type="arabicPeriod"/>
-            </a:pPr>
-            <a:r>
-              <a:rPr lang="en"/>
-              <a:t>Add lambda handler - API requests are passed to this function by Lambda</a:t>
-            </a:r>
-            <a:endParaRPr/>
-          </a:p>
-          <a:p>
-            <a:pPr indent="-342900" lvl="0" marL="457200" rtl="0" algn="l">
-              <a:spcBef>
-                <a:spcPts val="0"/>
-              </a:spcBef>
-              <a:spcAft>
-                <a:spcPts val="0"/>
-              </a:spcAft>
-              <a:buSzPts val="1800"/>
-              <a:buAutoNum type="arabicPeriod"/>
-            </a:pPr>
-            <a:r>
-              <a:rPr lang="en"/>
-              <a:t>Add test_prediction() - to test </a:t>
-            </a:r>
-            <a:r>
-              <a:rPr lang="en"/>
-              <a:t>lambda handler function without API</a:t>
-            </a:r>
-            <a:endParaRPr/>
-          </a:p>
-        </p:txBody>
-      </p:sp>
-      <p:sp>
-        <p:nvSpPr>
-          <p:cNvPr id="255" name="Google Shape;255;p39"/>
-          <p:cNvSpPr txBox="1"/>
-          <p:nvPr/>
-        </p:nvSpPr>
-        <p:spPr>
-          <a:xfrm>
-            <a:off x="3141700" y="3558750"/>
-            <a:ext cx="5774100" cy="615600"/>
-          </a:xfrm>
-          <a:prstGeom prst="rect">
-            <a:avLst/>
-          </a:prstGeom>
-          <a:noFill/>
-          <a:ln>
-            <a:noFill/>
-          </a:ln>
-        </p:spPr>
-        <p:txBody>
-          <a:bodyPr anchorCtr="0" anchor="t" bIns="91425" lIns="91425" spcFirstLastPara="1" rIns="91425" wrap="square" tIns="91425">
-            <a:spAutoFit/>
-          </a:bodyPr>
-          <a:lstStyle/>
-          <a:p>
-            <a:pPr indent="0" lvl="0" marL="0" rtl="0" algn="l">
-              <a:spcBef>
-                <a:spcPts val="0"/>
-              </a:spcBef>
-              <a:spcAft>
-                <a:spcPts val="0"/>
-              </a:spcAft>
-              <a:buNone/>
-            </a:pPr>
-            <a:r>
-              <a:rPr lang="en" u="sng">
-                <a:solidFill>
-                  <a:schemeClr val="hlink"/>
-                </a:solidFill>
-                <a:hlinkClick r:id="rId3"/>
-              </a:rPr>
-              <a:t>https://github.com/praveen-taneja/sentiment-analysis-lambda/blob/main/hello_world/app.py</a:t>
-            </a:r>
-            <a:endParaRPr/>
-          </a:p>
-        </p:txBody>
-      </p:sp>
-    </p:spTree>
-  </p:cSld>
-  <p:clrMapOvr>
-    <a:masterClrMapping/>
-  </p:clrMapOvr>
-</p:sld>
-</file>
-
-<file path=ppt/slides/slide28.xml><?xml version="1.0" encoding="utf-8"?>
-<p:sld xmlns:a="http://schemas.openxmlformats.org/drawingml/2006/main" xmlns:r="http://schemas.openxmlformats.org/officeDocument/2006/relationships" xmlns:mc="http://schemas.openxmlformats.org/markup-compatibility/2006" xmlns:mv="urn:schemas-microsoft-com:mac:vml" xmlns:p="http://schemas.openxmlformats.org/presentationml/2006/main" xmlns:c="http://schemas.openxmlformats.org/drawingml/2006/chart" xmlns:dgm="http://schemas.openxmlformats.org/drawingml/2006/diagram" xmlns:o="urn:schemas-microsoft-com:office:office" xmlns:v="urn:schemas-microsoft-com:vml" xmlns:pvml="urn:schemas-microsoft-com:office:powerpoint" xmlns:com="http://schemas.openxmlformats.org/drawingml/2006/compatibility" xmlns:p14="http://schemas.microsoft.com/office/powerpoint/2010/main" xmlns:p15="http://schemas.microsoft.com/office/powerpoint/2012/main" xmlns:ahyp="http://schemas.microsoft.com/office/drawing/2018/hyperlinkcolor">
-  <p:cSld>
-    <p:spTree>
-      <p:nvGrpSpPr>
-        <p:cNvPr id="259" name="Shape 259"/>
-        <p:cNvGrpSpPr/>
-        <p:nvPr/>
-      </p:nvGrpSpPr>
-      <p:grpSpPr>
-        <a:xfrm>
-          <a:off x="0" y="0"/>
-          <a:ext cx="0" cy="0"/>
-          <a:chOff x="0" y="0"/>
-          <a:chExt cx="0" cy="0"/>
-        </a:xfrm>
-      </p:grpSpPr>
-      <p:sp>
-        <p:nvSpPr>
-          <p:cNvPr id="260" name="Google Shape;260;p40"/>
-          <p:cNvSpPr txBox="1"/>
-          <p:nvPr>
-            <p:ph type="title"/>
-          </p:nvPr>
-        </p:nvSpPr>
-        <p:spPr>
-          <a:xfrm>
-            <a:off x="311700" y="445025"/>
-            <a:ext cx="8520600" cy="572700"/>
-          </a:xfrm>
-          <a:prstGeom prst="rect">
-            <a:avLst/>
-          </a:prstGeom>
-        </p:spPr>
-        <p:txBody>
-          <a:bodyPr anchorCtr="0" anchor="t" bIns="91425" lIns="91425" spcFirstLastPara="1" rIns="91425" wrap="square" tIns="91425">
-            <a:normAutofit fontScale="90000"/>
-          </a:bodyPr>
-          <a:lstStyle/>
-          <a:p>
-            <a:pPr indent="0" lvl="0" marL="0" rtl="0" algn="l">
-              <a:spcBef>
-                <a:spcPts val="0"/>
-              </a:spcBef>
-              <a:spcAft>
-                <a:spcPts val="0"/>
-              </a:spcAft>
-              <a:buNone/>
-            </a:pPr>
-            <a:r>
-              <a:rPr lang="en"/>
-              <a:t>Create conda env</a:t>
-            </a:r>
-            <a:endParaRPr/>
-          </a:p>
-        </p:txBody>
-      </p:sp>
-      <p:sp>
-        <p:nvSpPr>
-          <p:cNvPr id="261" name="Google Shape;261;p40"/>
-          <p:cNvSpPr txBox="1"/>
-          <p:nvPr>
-            <p:ph idx="1" type="body"/>
-          </p:nvPr>
-        </p:nvSpPr>
-        <p:spPr>
-          <a:xfrm>
-            <a:off x="311700" y="1152475"/>
-            <a:ext cx="8520600" cy="3416400"/>
-          </a:xfrm>
-          <a:prstGeom prst="rect">
-            <a:avLst/>
-          </a:prstGeom>
-        </p:spPr>
-        <p:txBody>
-          <a:bodyPr anchorCtr="0" anchor="t" bIns="91425" lIns="91425" spcFirstLastPara="1" rIns="91425" wrap="square" tIns="91425">
-            <a:normAutofit/>
-          </a:bodyPr>
-          <a:lstStyle/>
-          <a:p>
-            <a:pPr indent="-342900" lvl="0" marL="457200" rtl="0" algn="l">
-              <a:spcBef>
-                <a:spcPts val="0"/>
-              </a:spcBef>
-              <a:spcAft>
-                <a:spcPts val="0"/>
-              </a:spcAft>
-              <a:buSzPts val="1800"/>
-              <a:buAutoNum type="arabicPeriod"/>
-            </a:pPr>
-            <a:r>
-              <a:rPr lang="en"/>
-              <a:t>conda create -n sentiment_analysis python=3.8</a:t>
-            </a:r>
-            <a:endParaRPr/>
-          </a:p>
-          <a:p>
-            <a:pPr indent="-342900" lvl="0" marL="457200" rtl="0" algn="l">
-              <a:spcBef>
-                <a:spcPts val="0"/>
-              </a:spcBef>
-              <a:spcAft>
-                <a:spcPts val="0"/>
-              </a:spcAft>
-              <a:buSzPts val="1800"/>
-              <a:buAutoNum type="arabicPeriod"/>
-            </a:pPr>
-            <a:r>
-              <a:rPr lang="en"/>
-              <a:t>conda activate </a:t>
-            </a:r>
-            <a:r>
-              <a:rPr lang="en"/>
-              <a:t>sentiment_analysis</a:t>
-            </a:r>
-            <a:endParaRPr/>
-          </a:p>
-          <a:p>
-            <a:pPr indent="-342900" lvl="0" marL="457200" rtl="0" algn="l">
-              <a:spcBef>
-                <a:spcPts val="0"/>
-              </a:spcBef>
-              <a:spcAft>
-                <a:spcPts val="0"/>
-              </a:spcAft>
-              <a:buSzPts val="1800"/>
-              <a:buAutoNum type="arabicPeriod"/>
-            </a:pPr>
-            <a:r>
-              <a:rPr lang="en"/>
-              <a:t>conda install pip (if not automatically installed)</a:t>
-            </a:r>
-            <a:endParaRPr/>
-          </a:p>
-          <a:p>
-            <a:pPr indent="-342900" lvl="0" marL="457200" rtl="0" algn="l">
-              <a:spcBef>
-                <a:spcPts val="0"/>
-              </a:spcBef>
-              <a:spcAft>
-                <a:spcPts val="0"/>
-              </a:spcAft>
-              <a:buSzPts val="1800"/>
-              <a:buAutoNum type="arabicPeriod"/>
-            </a:pPr>
-            <a:r>
-              <a:rPr lang="en"/>
-              <a:t>pip install -r requirements.txt</a:t>
-            </a:r>
-            <a:endParaRPr/>
-          </a:p>
-          <a:p>
-            <a:pPr indent="-342900" lvl="0" marL="457200" rtl="0" algn="l">
-              <a:spcBef>
-                <a:spcPts val="0"/>
-              </a:spcBef>
-              <a:spcAft>
-                <a:spcPts val="0"/>
-              </a:spcAft>
-              <a:buSzPts val="1800"/>
-              <a:buAutoNum type="arabicPeriod"/>
-            </a:pPr>
-            <a:r>
-              <a:rPr lang="en"/>
-              <a:t>python download_model.py</a:t>
-            </a:r>
-            <a:endParaRPr/>
-          </a:p>
-        </p:txBody>
-      </p:sp>
-    </p:spTree>
-  </p:cSld>
-  <p:clrMapOvr>
-    <a:masterClrMapping/>
-  </p:clrMapOvr>
-</p:sld>
-</file>
-
-<file path=ppt/slides/slide29.xml><?xml version="1.0" encoding="utf-8"?>
-<p:sld xmlns:a="http://schemas.openxmlformats.org/drawingml/2006/main" xmlns:r="http://schemas.openxmlformats.org/officeDocument/2006/relationships" xmlns:mc="http://schemas.openxmlformats.org/markup-compatibility/2006" xmlns:mv="urn:schemas-microsoft-com:mac:vml" xmlns:p="http://schemas.openxmlformats.org/presentationml/2006/main" xmlns:c="http://schemas.openxmlformats.org/drawingml/2006/chart" xmlns:dgm="http://schemas.openxmlformats.org/drawingml/2006/diagram" xmlns:o="urn:schemas-microsoft-com:office:office" xmlns:v="urn:schemas-microsoft-com:vml" xmlns:pvml="urn:schemas-microsoft-com:office:powerpoint" xmlns:com="http://schemas.openxmlformats.org/drawingml/2006/compatibility" xmlns:p14="http://schemas.microsoft.com/office/powerpoint/2010/main" xmlns:p15="http://schemas.microsoft.com/office/powerpoint/2012/main" xmlns:ahyp="http://schemas.microsoft.com/office/drawing/2018/hyperlinkcolor">
-  <p:cSld>
-    <p:spTree>
-      <p:nvGrpSpPr>
-        <p:cNvPr id="265" name="Shape 265"/>
-        <p:cNvGrpSpPr/>
-        <p:nvPr/>
-      </p:nvGrpSpPr>
-      <p:grpSpPr>
-        <a:xfrm>
-          <a:off x="0" y="0"/>
-          <a:ext cx="0" cy="0"/>
-          <a:chOff x="0" y="0"/>
-          <a:chExt cx="0" cy="0"/>
-        </a:xfrm>
-      </p:grpSpPr>
-      <p:sp>
-        <p:nvSpPr>
-          <p:cNvPr id="266" name="Google Shape;266;p41"/>
-          <p:cNvSpPr txBox="1"/>
-          <p:nvPr>
-            <p:ph type="title"/>
-          </p:nvPr>
-        </p:nvSpPr>
-        <p:spPr>
-          <a:xfrm>
-            <a:off x="311700" y="445025"/>
-            <a:ext cx="8520600" cy="572700"/>
-          </a:xfrm>
-          <a:prstGeom prst="rect">
-            <a:avLst/>
-          </a:prstGeom>
-        </p:spPr>
-        <p:txBody>
-          <a:bodyPr anchorCtr="0" anchor="t" bIns="91425" lIns="91425" spcFirstLastPara="1" rIns="91425" wrap="square" tIns="91425">
-            <a:normAutofit fontScale="90000"/>
-          </a:bodyPr>
-          <a:lstStyle/>
-          <a:p>
-            <a:pPr indent="0" lvl="0" marL="0" rtl="0" algn="l">
-              <a:spcBef>
-                <a:spcPts val="0"/>
-              </a:spcBef>
-              <a:spcAft>
-                <a:spcPts val="0"/>
-              </a:spcAft>
-              <a:buNone/>
-            </a:pPr>
-            <a:r>
-              <a:rPr lang="en"/>
-              <a:t>Sam deploy</a:t>
-            </a:r>
-            <a:endParaRPr/>
-          </a:p>
-        </p:txBody>
-      </p:sp>
-      <p:sp>
-        <p:nvSpPr>
-          <p:cNvPr id="267" name="Google Shape;267;p41"/>
-          <p:cNvSpPr txBox="1"/>
-          <p:nvPr>
-            <p:ph idx="1" type="body"/>
-          </p:nvPr>
-        </p:nvSpPr>
-        <p:spPr>
-          <a:xfrm>
-            <a:off x="311700" y="1152475"/>
-            <a:ext cx="8520600" cy="3416400"/>
-          </a:xfrm>
-          <a:prstGeom prst="rect">
-            <a:avLst/>
-          </a:prstGeom>
-        </p:spPr>
-        <p:txBody>
-          <a:bodyPr anchorCtr="0" anchor="t" bIns="91425" lIns="91425" spcFirstLastPara="1" rIns="91425" wrap="square" tIns="91425">
-            <a:normAutofit/>
-          </a:bodyPr>
-          <a:lstStyle/>
-          <a:p>
-            <a:pPr indent="0" lvl="0" marL="0" rtl="0" algn="l">
-              <a:spcBef>
-                <a:spcPts val="0"/>
-              </a:spcBef>
-              <a:spcAft>
-                <a:spcPts val="1200"/>
-              </a:spcAft>
-              <a:buNone/>
-            </a:pPr>
-            <a:r>
-              <a:t/>
-            </a:r>
-            <a:endParaRPr/>
-          </a:p>
-        </p:txBody>
-      </p:sp>
-      <p:pic>
-        <p:nvPicPr>
-          <p:cNvPr id="268" name="Google Shape;268;p41"/>
-          <p:cNvPicPr preferRelativeResize="0"/>
-          <p:nvPr/>
-        </p:nvPicPr>
-        <p:blipFill>
-          <a:blip r:embed="rId3">
-            <a:alphaModFix/>
-          </a:blip>
-          <a:stretch>
-            <a:fillRect/>
-          </a:stretch>
-        </p:blipFill>
-        <p:spPr>
-          <a:xfrm>
-            <a:off x="1400442" y="1152475"/>
-            <a:ext cx="6343118" cy="3991025"/>
-          </a:xfrm>
-          <a:prstGeom prst="rect">
-            <a:avLst/>
-          </a:prstGeom>
-          <a:noFill/>
-          <a:ln>
-            <a:noFill/>
-          </a:ln>
-        </p:spPr>
-      </p:pic>
     </p:spTree>
   </p:cSld>
   <p:clrMapOvr>
@@ -12360,7 +9419,7 @@
         <p:spPr>
           <a:xfrm>
             <a:off x="463525" y="3917425"/>
-            <a:ext cx="8612400" cy="615600"/>
+            <a:ext cx="8612400" cy="831300"/>
           </a:xfrm>
           <a:prstGeom prst="rect">
             <a:avLst/>
@@ -12404,7 +9463,7 @@
             </a:r>
             <a:r>
               <a:rPr lang="en"/>
-              <a:t>        which has many other interesting state of the art models on NLP, computer vision, audio, etc that you can fine tune and deploy!</a:t>
+              <a:t>        which has many other interesting state of the art models on NLP, computer vision, audio, etc that you can fine tune and deploy! You can also deploy your own models using the steps discussed in this presentation.</a:t>
             </a:r>
             <a:endParaRPr/>
           </a:p>
@@ -12428,691 +9487,6 @@
           <a:xfrm flipH="1">
             <a:off x="3247503" y="3989325"/>
             <a:ext cx="283000" cy="262150"/>
-          </a:xfrm>
-          <a:prstGeom prst="rect">
-            <a:avLst/>
-          </a:prstGeom>
-          <a:noFill/>
-          <a:ln>
-            <a:noFill/>
-          </a:ln>
-        </p:spPr>
-      </p:pic>
-    </p:spTree>
-  </p:cSld>
-  <p:clrMapOvr>
-    <a:masterClrMapping/>
-  </p:clrMapOvr>
-</p:sld>
-</file>
-
-<file path=ppt/slides/slide30.xml><?xml version="1.0" encoding="utf-8"?>
-<p:sld xmlns:a="http://schemas.openxmlformats.org/drawingml/2006/main" xmlns:r="http://schemas.openxmlformats.org/officeDocument/2006/relationships" xmlns:mc="http://schemas.openxmlformats.org/markup-compatibility/2006" xmlns:mv="urn:schemas-microsoft-com:mac:vml" xmlns:p="http://schemas.openxmlformats.org/presentationml/2006/main" xmlns:c="http://schemas.openxmlformats.org/drawingml/2006/chart" xmlns:dgm="http://schemas.openxmlformats.org/drawingml/2006/diagram" xmlns:o="urn:schemas-microsoft-com:office:office" xmlns:v="urn:schemas-microsoft-com:vml" xmlns:pvml="urn:schemas-microsoft-com:office:powerpoint" xmlns:com="http://schemas.openxmlformats.org/drawingml/2006/compatibility" xmlns:p14="http://schemas.microsoft.com/office/powerpoint/2010/main" xmlns:p15="http://schemas.microsoft.com/office/powerpoint/2012/main" xmlns:ahyp="http://schemas.microsoft.com/office/drawing/2018/hyperlinkcolor">
-  <p:cSld>
-    <p:spTree>
-      <p:nvGrpSpPr>
-        <p:cNvPr id="272" name="Shape 272"/>
-        <p:cNvGrpSpPr/>
-        <p:nvPr/>
-      </p:nvGrpSpPr>
-      <p:grpSpPr>
-        <a:xfrm>
-          <a:off x="0" y="0"/>
-          <a:ext cx="0" cy="0"/>
-          <a:chOff x="0" y="0"/>
-          <a:chExt cx="0" cy="0"/>
-        </a:xfrm>
-      </p:grpSpPr>
-      <p:sp>
-        <p:nvSpPr>
-          <p:cNvPr id="273" name="Google Shape;273;p42"/>
-          <p:cNvSpPr txBox="1"/>
-          <p:nvPr>
-            <p:ph type="title"/>
-          </p:nvPr>
-        </p:nvSpPr>
-        <p:spPr>
-          <a:xfrm>
-            <a:off x="311700" y="445025"/>
-            <a:ext cx="8520600" cy="572700"/>
-          </a:xfrm>
-          <a:prstGeom prst="rect">
-            <a:avLst/>
-          </a:prstGeom>
-        </p:spPr>
-        <p:txBody>
-          <a:bodyPr anchorCtr="0" anchor="t" bIns="91425" lIns="91425" spcFirstLastPara="1" rIns="91425" wrap="square" tIns="91425">
-            <a:normAutofit fontScale="90000"/>
-          </a:bodyPr>
-          <a:lstStyle/>
-          <a:p>
-            <a:pPr indent="0" lvl="0" marL="0" rtl="0" algn="l">
-              <a:spcBef>
-                <a:spcPts val="0"/>
-              </a:spcBef>
-              <a:spcAft>
-                <a:spcPts val="0"/>
-              </a:spcAft>
-              <a:buClr>
-                <a:schemeClr val="dk1"/>
-              </a:buClr>
-              <a:buSzPct val="39285"/>
-              <a:buFont typeface="Arial"/>
-              <a:buNone/>
-            </a:pPr>
-            <a:r>
-              <a:rPr lang="en"/>
-              <a:t>Sam deploy</a:t>
-            </a:r>
-            <a:endParaRPr/>
-          </a:p>
-        </p:txBody>
-      </p:sp>
-      <p:sp>
-        <p:nvSpPr>
-          <p:cNvPr id="274" name="Google Shape;274;p42"/>
-          <p:cNvSpPr txBox="1"/>
-          <p:nvPr>
-            <p:ph idx="1" type="body"/>
-          </p:nvPr>
-        </p:nvSpPr>
-        <p:spPr>
-          <a:xfrm>
-            <a:off x="311700" y="1152475"/>
-            <a:ext cx="8520600" cy="3416400"/>
-          </a:xfrm>
-          <a:prstGeom prst="rect">
-            <a:avLst/>
-          </a:prstGeom>
-        </p:spPr>
-        <p:txBody>
-          <a:bodyPr anchorCtr="0" anchor="t" bIns="91425" lIns="91425" spcFirstLastPara="1" rIns="91425" wrap="square" tIns="91425">
-            <a:normAutofit/>
-          </a:bodyPr>
-          <a:lstStyle/>
-          <a:p>
-            <a:pPr indent="0" lvl="0" marL="0" rtl="0" algn="l">
-              <a:spcBef>
-                <a:spcPts val="0"/>
-              </a:spcBef>
-              <a:spcAft>
-                <a:spcPts val="1200"/>
-              </a:spcAft>
-              <a:buNone/>
-            </a:pPr>
-            <a:r>
-              <a:t/>
-            </a:r>
-            <a:endParaRPr/>
-          </a:p>
-        </p:txBody>
-      </p:sp>
-      <p:pic>
-        <p:nvPicPr>
-          <p:cNvPr id="275" name="Google Shape;275;p42"/>
-          <p:cNvPicPr preferRelativeResize="0"/>
-          <p:nvPr/>
-        </p:nvPicPr>
-        <p:blipFill>
-          <a:blip r:embed="rId3">
-            <a:alphaModFix/>
-          </a:blip>
-          <a:stretch>
-            <a:fillRect/>
-          </a:stretch>
-        </p:blipFill>
-        <p:spPr>
-          <a:xfrm>
-            <a:off x="1229274" y="1017725"/>
-            <a:ext cx="6685463" cy="4125774"/>
-          </a:xfrm>
-          <a:prstGeom prst="rect">
-            <a:avLst/>
-          </a:prstGeom>
-          <a:noFill/>
-          <a:ln>
-            <a:noFill/>
-          </a:ln>
-        </p:spPr>
-      </p:pic>
-    </p:spTree>
-  </p:cSld>
-  <p:clrMapOvr>
-    <a:masterClrMapping/>
-  </p:clrMapOvr>
-</p:sld>
-</file>
-
-<file path=ppt/slides/slide31.xml><?xml version="1.0" encoding="utf-8"?>
-<p:sld xmlns:a="http://schemas.openxmlformats.org/drawingml/2006/main" xmlns:r="http://schemas.openxmlformats.org/officeDocument/2006/relationships" xmlns:mc="http://schemas.openxmlformats.org/markup-compatibility/2006" xmlns:mv="urn:schemas-microsoft-com:mac:vml" xmlns:p="http://schemas.openxmlformats.org/presentationml/2006/main" xmlns:c="http://schemas.openxmlformats.org/drawingml/2006/chart" xmlns:dgm="http://schemas.openxmlformats.org/drawingml/2006/diagram" xmlns:o="urn:schemas-microsoft-com:office:office" xmlns:v="urn:schemas-microsoft-com:vml" xmlns:pvml="urn:schemas-microsoft-com:office:powerpoint" xmlns:com="http://schemas.openxmlformats.org/drawingml/2006/compatibility" xmlns:p14="http://schemas.microsoft.com/office/powerpoint/2010/main" xmlns:p15="http://schemas.microsoft.com/office/powerpoint/2012/main" xmlns:ahyp="http://schemas.microsoft.com/office/drawing/2018/hyperlinkcolor">
-  <p:cSld>
-    <p:spTree>
-      <p:nvGrpSpPr>
-        <p:cNvPr id="279" name="Shape 279"/>
-        <p:cNvGrpSpPr/>
-        <p:nvPr/>
-      </p:nvGrpSpPr>
-      <p:grpSpPr>
-        <a:xfrm>
-          <a:off x="0" y="0"/>
-          <a:ext cx="0" cy="0"/>
-          <a:chOff x="0" y="0"/>
-          <a:chExt cx="0" cy="0"/>
-        </a:xfrm>
-      </p:grpSpPr>
-      <p:sp>
-        <p:nvSpPr>
-          <p:cNvPr id="280" name="Google Shape;280;p43"/>
-          <p:cNvSpPr txBox="1"/>
-          <p:nvPr>
-            <p:ph type="title"/>
-          </p:nvPr>
-        </p:nvSpPr>
-        <p:spPr>
-          <a:xfrm>
-            <a:off x="311700" y="445025"/>
-            <a:ext cx="8520600" cy="572700"/>
-          </a:xfrm>
-          <a:prstGeom prst="rect">
-            <a:avLst/>
-          </a:prstGeom>
-        </p:spPr>
-        <p:txBody>
-          <a:bodyPr anchorCtr="0" anchor="t" bIns="91425" lIns="91425" spcFirstLastPara="1" rIns="91425" wrap="square" tIns="91425">
-            <a:normAutofit fontScale="90000"/>
-          </a:bodyPr>
-          <a:lstStyle/>
-          <a:p>
-            <a:pPr indent="0" lvl="0" marL="0" rtl="0" algn="l">
-              <a:spcBef>
-                <a:spcPts val="0"/>
-              </a:spcBef>
-              <a:spcAft>
-                <a:spcPts val="0"/>
-              </a:spcAft>
-              <a:buClr>
-                <a:schemeClr val="dk1"/>
-              </a:buClr>
-              <a:buSzPct val="39285"/>
-              <a:buFont typeface="Arial"/>
-              <a:buNone/>
-            </a:pPr>
-            <a:r>
-              <a:rPr lang="en"/>
-              <a:t>Sam deploy</a:t>
-            </a:r>
-            <a:endParaRPr/>
-          </a:p>
-        </p:txBody>
-      </p:sp>
-      <p:sp>
-        <p:nvSpPr>
-          <p:cNvPr id="281" name="Google Shape;281;p43"/>
-          <p:cNvSpPr txBox="1"/>
-          <p:nvPr>
-            <p:ph idx="1" type="body"/>
-          </p:nvPr>
-        </p:nvSpPr>
-        <p:spPr>
-          <a:xfrm>
-            <a:off x="311700" y="1152475"/>
-            <a:ext cx="8520600" cy="3416400"/>
-          </a:xfrm>
-          <a:prstGeom prst="rect">
-            <a:avLst/>
-          </a:prstGeom>
-        </p:spPr>
-        <p:txBody>
-          <a:bodyPr anchorCtr="0" anchor="t" bIns="91425" lIns="91425" spcFirstLastPara="1" rIns="91425" wrap="square" tIns="91425">
-            <a:normAutofit/>
-          </a:bodyPr>
-          <a:lstStyle/>
-          <a:p>
-            <a:pPr indent="0" lvl="0" marL="0" rtl="0" algn="l">
-              <a:spcBef>
-                <a:spcPts val="0"/>
-              </a:spcBef>
-              <a:spcAft>
-                <a:spcPts val="1200"/>
-              </a:spcAft>
-              <a:buNone/>
-            </a:pPr>
-            <a:r>
-              <a:t/>
-            </a:r>
-            <a:endParaRPr/>
-          </a:p>
-        </p:txBody>
-      </p:sp>
-      <p:pic>
-        <p:nvPicPr>
-          <p:cNvPr id="282" name="Google Shape;282;p43"/>
-          <p:cNvPicPr preferRelativeResize="0"/>
-          <p:nvPr/>
-        </p:nvPicPr>
-        <p:blipFill>
-          <a:blip r:embed="rId3">
-            <a:alphaModFix/>
-          </a:blip>
-          <a:stretch>
-            <a:fillRect/>
-          </a:stretch>
-        </p:blipFill>
-        <p:spPr>
-          <a:xfrm>
-            <a:off x="1322537" y="1152475"/>
-            <a:ext cx="6498925" cy="3991024"/>
-          </a:xfrm>
-          <a:prstGeom prst="rect">
-            <a:avLst/>
-          </a:prstGeom>
-          <a:noFill/>
-          <a:ln>
-            <a:noFill/>
-          </a:ln>
-        </p:spPr>
-      </p:pic>
-    </p:spTree>
-  </p:cSld>
-  <p:clrMapOvr>
-    <a:masterClrMapping/>
-  </p:clrMapOvr>
-</p:sld>
-</file>
-
-<file path=ppt/slides/slide32.xml><?xml version="1.0" encoding="utf-8"?>
-<p:sld xmlns:a="http://schemas.openxmlformats.org/drawingml/2006/main" xmlns:r="http://schemas.openxmlformats.org/officeDocument/2006/relationships" xmlns:mc="http://schemas.openxmlformats.org/markup-compatibility/2006" xmlns:mv="urn:schemas-microsoft-com:mac:vml" xmlns:p="http://schemas.openxmlformats.org/presentationml/2006/main" xmlns:c="http://schemas.openxmlformats.org/drawingml/2006/chart" xmlns:dgm="http://schemas.openxmlformats.org/drawingml/2006/diagram" xmlns:o="urn:schemas-microsoft-com:office:office" xmlns:v="urn:schemas-microsoft-com:vml" xmlns:pvml="urn:schemas-microsoft-com:office:powerpoint" xmlns:com="http://schemas.openxmlformats.org/drawingml/2006/compatibility" xmlns:p14="http://schemas.microsoft.com/office/powerpoint/2010/main" xmlns:p15="http://schemas.microsoft.com/office/powerpoint/2012/main" xmlns:ahyp="http://schemas.microsoft.com/office/drawing/2018/hyperlinkcolor">
-  <p:cSld>
-    <p:spTree>
-      <p:nvGrpSpPr>
-        <p:cNvPr id="286" name="Shape 286"/>
-        <p:cNvGrpSpPr/>
-        <p:nvPr/>
-      </p:nvGrpSpPr>
-      <p:grpSpPr>
-        <a:xfrm>
-          <a:off x="0" y="0"/>
-          <a:ext cx="0" cy="0"/>
-          <a:chOff x="0" y="0"/>
-          <a:chExt cx="0" cy="0"/>
-        </a:xfrm>
-      </p:grpSpPr>
-      <p:sp>
-        <p:nvSpPr>
-          <p:cNvPr id="287" name="Google Shape;287;p44"/>
-          <p:cNvSpPr txBox="1"/>
-          <p:nvPr>
-            <p:ph type="title"/>
-          </p:nvPr>
-        </p:nvSpPr>
-        <p:spPr>
-          <a:xfrm>
-            <a:off x="311700" y="445025"/>
-            <a:ext cx="8520600" cy="572700"/>
-          </a:xfrm>
-          <a:prstGeom prst="rect">
-            <a:avLst/>
-          </a:prstGeom>
-        </p:spPr>
-        <p:txBody>
-          <a:bodyPr anchorCtr="0" anchor="t" bIns="91425" lIns="91425" spcFirstLastPara="1" rIns="91425" wrap="square" tIns="91425">
-            <a:normAutofit fontScale="90000"/>
-          </a:bodyPr>
-          <a:lstStyle/>
-          <a:p>
-            <a:pPr indent="0" lvl="0" marL="0" rtl="0" algn="l">
-              <a:spcBef>
-                <a:spcPts val="0"/>
-              </a:spcBef>
-              <a:spcAft>
-                <a:spcPts val="0"/>
-              </a:spcAft>
-              <a:buClr>
-                <a:schemeClr val="dk1"/>
-              </a:buClr>
-              <a:buSzPct val="39285"/>
-              <a:buFont typeface="Arial"/>
-              <a:buNone/>
-            </a:pPr>
-            <a:r>
-              <a:rPr lang="en"/>
-              <a:t>Sam deploy</a:t>
-            </a:r>
-            <a:endParaRPr/>
-          </a:p>
-        </p:txBody>
-      </p:sp>
-      <p:sp>
-        <p:nvSpPr>
-          <p:cNvPr id="288" name="Google Shape;288;p44"/>
-          <p:cNvSpPr txBox="1"/>
-          <p:nvPr>
-            <p:ph idx="1" type="body"/>
-          </p:nvPr>
-        </p:nvSpPr>
-        <p:spPr>
-          <a:xfrm>
-            <a:off x="311700" y="1152475"/>
-            <a:ext cx="8520600" cy="3416400"/>
-          </a:xfrm>
-          <a:prstGeom prst="rect">
-            <a:avLst/>
-          </a:prstGeom>
-        </p:spPr>
-        <p:txBody>
-          <a:bodyPr anchorCtr="0" anchor="t" bIns="91425" lIns="91425" spcFirstLastPara="1" rIns="91425" wrap="square" tIns="91425">
-            <a:normAutofit/>
-          </a:bodyPr>
-          <a:lstStyle/>
-          <a:p>
-            <a:pPr indent="0" lvl="0" marL="0" rtl="0" algn="l">
-              <a:spcBef>
-                <a:spcPts val="0"/>
-              </a:spcBef>
-              <a:spcAft>
-                <a:spcPts val="1200"/>
-              </a:spcAft>
-              <a:buNone/>
-            </a:pPr>
-            <a:r>
-              <a:t/>
-            </a:r>
-            <a:endParaRPr/>
-          </a:p>
-        </p:txBody>
-      </p:sp>
-      <p:pic>
-        <p:nvPicPr>
-          <p:cNvPr id="289" name="Google Shape;289;p44"/>
-          <p:cNvPicPr preferRelativeResize="0"/>
-          <p:nvPr/>
-        </p:nvPicPr>
-        <p:blipFill>
-          <a:blip r:embed="rId3">
-            <a:alphaModFix/>
-          </a:blip>
-          <a:stretch>
-            <a:fillRect/>
-          </a:stretch>
-        </p:blipFill>
-        <p:spPr>
-          <a:xfrm>
-            <a:off x="1411654" y="1152475"/>
-            <a:ext cx="6320694" cy="3991025"/>
-          </a:xfrm>
-          <a:prstGeom prst="rect">
-            <a:avLst/>
-          </a:prstGeom>
-          <a:noFill/>
-          <a:ln>
-            <a:noFill/>
-          </a:ln>
-        </p:spPr>
-      </p:pic>
-    </p:spTree>
-  </p:cSld>
-  <p:clrMapOvr>
-    <a:masterClrMapping/>
-  </p:clrMapOvr>
-</p:sld>
-</file>
-
-<file path=ppt/slides/slide33.xml><?xml version="1.0" encoding="utf-8"?>
-<p:sld xmlns:a="http://schemas.openxmlformats.org/drawingml/2006/main" xmlns:r="http://schemas.openxmlformats.org/officeDocument/2006/relationships" xmlns:mc="http://schemas.openxmlformats.org/markup-compatibility/2006" xmlns:mv="urn:schemas-microsoft-com:mac:vml" xmlns:p="http://schemas.openxmlformats.org/presentationml/2006/main" xmlns:c="http://schemas.openxmlformats.org/drawingml/2006/chart" xmlns:dgm="http://schemas.openxmlformats.org/drawingml/2006/diagram" xmlns:o="urn:schemas-microsoft-com:office:office" xmlns:v="urn:schemas-microsoft-com:vml" xmlns:pvml="urn:schemas-microsoft-com:office:powerpoint" xmlns:com="http://schemas.openxmlformats.org/drawingml/2006/compatibility" xmlns:p14="http://schemas.microsoft.com/office/powerpoint/2010/main" xmlns:p15="http://schemas.microsoft.com/office/powerpoint/2012/main" xmlns:ahyp="http://schemas.microsoft.com/office/drawing/2018/hyperlinkcolor">
-  <p:cSld>
-    <p:spTree>
-      <p:nvGrpSpPr>
-        <p:cNvPr id="293" name="Shape 293"/>
-        <p:cNvGrpSpPr/>
-        <p:nvPr/>
-      </p:nvGrpSpPr>
-      <p:grpSpPr>
-        <a:xfrm>
-          <a:off x="0" y="0"/>
-          <a:ext cx="0" cy="0"/>
-          <a:chOff x="0" y="0"/>
-          <a:chExt cx="0" cy="0"/>
-        </a:xfrm>
-      </p:grpSpPr>
-      <p:sp>
-        <p:nvSpPr>
-          <p:cNvPr id="294" name="Google Shape;294;p45"/>
-          <p:cNvSpPr txBox="1"/>
-          <p:nvPr>
-            <p:ph type="title"/>
-          </p:nvPr>
-        </p:nvSpPr>
-        <p:spPr>
-          <a:xfrm>
-            <a:off x="311700" y="445025"/>
-            <a:ext cx="8520600" cy="572700"/>
-          </a:xfrm>
-          <a:prstGeom prst="rect">
-            <a:avLst/>
-          </a:prstGeom>
-        </p:spPr>
-        <p:txBody>
-          <a:bodyPr anchorCtr="0" anchor="t" bIns="91425" lIns="91425" spcFirstLastPara="1" rIns="91425" wrap="square" tIns="91425">
-            <a:normAutofit fontScale="90000"/>
-          </a:bodyPr>
-          <a:lstStyle/>
-          <a:p>
-            <a:pPr indent="0" lvl="0" marL="0" rtl="0" algn="l">
-              <a:spcBef>
-                <a:spcPts val="0"/>
-              </a:spcBef>
-              <a:spcAft>
-                <a:spcPts val="0"/>
-              </a:spcAft>
-              <a:buClr>
-                <a:schemeClr val="dk1"/>
-              </a:buClr>
-              <a:buSzPct val="39285"/>
-              <a:buFont typeface="Arial"/>
-              <a:buNone/>
-            </a:pPr>
-            <a:r>
-              <a:rPr lang="en"/>
-              <a:t>Sam deploy</a:t>
-            </a:r>
-            <a:endParaRPr/>
-          </a:p>
-        </p:txBody>
-      </p:sp>
-      <p:sp>
-        <p:nvSpPr>
-          <p:cNvPr id="295" name="Google Shape;295;p45"/>
-          <p:cNvSpPr txBox="1"/>
-          <p:nvPr>
-            <p:ph idx="1" type="body"/>
-          </p:nvPr>
-        </p:nvSpPr>
-        <p:spPr>
-          <a:xfrm>
-            <a:off x="311700" y="1152475"/>
-            <a:ext cx="8520600" cy="3416400"/>
-          </a:xfrm>
-          <a:prstGeom prst="rect">
-            <a:avLst/>
-          </a:prstGeom>
-        </p:spPr>
-        <p:txBody>
-          <a:bodyPr anchorCtr="0" anchor="t" bIns="91425" lIns="91425" spcFirstLastPara="1" rIns="91425" wrap="square" tIns="91425">
-            <a:normAutofit/>
-          </a:bodyPr>
-          <a:lstStyle/>
-          <a:p>
-            <a:pPr indent="0" lvl="0" marL="0" rtl="0" algn="l">
-              <a:spcBef>
-                <a:spcPts val="0"/>
-              </a:spcBef>
-              <a:spcAft>
-                <a:spcPts val="1200"/>
-              </a:spcAft>
-              <a:buNone/>
-            </a:pPr>
-            <a:r>
-              <a:t/>
-            </a:r>
-            <a:endParaRPr/>
-          </a:p>
-        </p:txBody>
-      </p:sp>
-      <p:pic>
-        <p:nvPicPr>
-          <p:cNvPr id="296" name="Google Shape;296;p45"/>
-          <p:cNvPicPr preferRelativeResize="0"/>
-          <p:nvPr/>
-        </p:nvPicPr>
-        <p:blipFill>
-          <a:blip r:embed="rId3">
-            <a:alphaModFix/>
-          </a:blip>
-          <a:stretch>
-            <a:fillRect/>
-          </a:stretch>
-        </p:blipFill>
-        <p:spPr>
-          <a:xfrm>
-            <a:off x="969581" y="1152475"/>
-            <a:ext cx="7204831" cy="3883900"/>
-          </a:xfrm>
-          <a:prstGeom prst="rect">
-            <a:avLst/>
-          </a:prstGeom>
-          <a:noFill/>
-          <a:ln>
-            <a:noFill/>
-          </a:ln>
-        </p:spPr>
-      </p:pic>
-    </p:spTree>
-  </p:cSld>
-  <p:clrMapOvr>
-    <a:masterClrMapping/>
-  </p:clrMapOvr>
-</p:sld>
-</file>
-
-<file path=ppt/slides/slide34.xml><?xml version="1.0" encoding="utf-8"?>
-<p:sld xmlns:a="http://schemas.openxmlformats.org/drawingml/2006/main" xmlns:r="http://schemas.openxmlformats.org/officeDocument/2006/relationships" xmlns:mc="http://schemas.openxmlformats.org/markup-compatibility/2006" xmlns:mv="urn:schemas-microsoft-com:mac:vml" xmlns:p="http://schemas.openxmlformats.org/presentationml/2006/main" xmlns:c="http://schemas.openxmlformats.org/drawingml/2006/chart" xmlns:dgm="http://schemas.openxmlformats.org/drawingml/2006/diagram" xmlns:o="urn:schemas-microsoft-com:office:office" xmlns:v="urn:schemas-microsoft-com:vml" xmlns:pvml="urn:schemas-microsoft-com:office:powerpoint" xmlns:com="http://schemas.openxmlformats.org/drawingml/2006/compatibility" xmlns:p14="http://schemas.microsoft.com/office/powerpoint/2010/main" xmlns:p15="http://schemas.microsoft.com/office/powerpoint/2012/main" xmlns:ahyp="http://schemas.microsoft.com/office/drawing/2018/hyperlinkcolor">
-  <p:cSld>
-    <p:spTree>
-      <p:nvGrpSpPr>
-        <p:cNvPr id="300" name="Shape 300"/>
-        <p:cNvGrpSpPr/>
-        <p:nvPr/>
-      </p:nvGrpSpPr>
-      <p:grpSpPr>
-        <a:xfrm>
-          <a:off x="0" y="0"/>
-          <a:ext cx="0" cy="0"/>
-          <a:chOff x="0" y="0"/>
-          <a:chExt cx="0" cy="0"/>
-        </a:xfrm>
-      </p:grpSpPr>
-      <p:sp>
-        <p:nvSpPr>
-          <p:cNvPr id="301" name="Google Shape;301;p46"/>
-          <p:cNvSpPr txBox="1"/>
-          <p:nvPr>
-            <p:ph type="title"/>
-          </p:nvPr>
-        </p:nvSpPr>
-        <p:spPr>
-          <a:xfrm>
-            <a:off x="311700" y="445025"/>
-            <a:ext cx="8520600" cy="572700"/>
-          </a:xfrm>
-          <a:prstGeom prst="rect">
-            <a:avLst/>
-          </a:prstGeom>
-        </p:spPr>
-        <p:txBody>
-          <a:bodyPr anchorCtr="0" anchor="t" bIns="91425" lIns="91425" spcFirstLastPara="1" rIns="91425" wrap="square" tIns="91425">
-            <a:normAutofit fontScale="90000"/>
-          </a:bodyPr>
-          <a:lstStyle/>
-          <a:p>
-            <a:pPr indent="0" lvl="0" marL="0" rtl="0" algn="l">
-              <a:spcBef>
-                <a:spcPts val="0"/>
-              </a:spcBef>
-              <a:spcAft>
-                <a:spcPts val="0"/>
-              </a:spcAft>
-              <a:buClr>
-                <a:schemeClr val="dk1"/>
-              </a:buClr>
-              <a:buSzPct val="39285"/>
-              <a:buFont typeface="Arial"/>
-              <a:buNone/>
-            </a:pPr>
-            <a:r>
-              <a:rPr lang="en"/>
-              <a:t>Sam deploy</a:t>
-            </a:r>
-            <a:endParaRPr/>
-          </a:p>
-        </p:txBody>
-      </p:sp>
-      <p:sp>
-        <p:nvSpPr>
-          <p:cNvPr id="302" name="Google Shape;302;p46"/>
-          <p:cNvSpPr txBox="1"/>
-          <p:nvPr>
-            <p:ph idx="1" type="body"/>
-          </p:nvPr>
-        </p:nvSpPr>
-        <p:spPr>
-          <a:xfrm>
-            <a:off x="311700" y="1152475"/>
-            <a:ext cx="8520600" cy="3416400"/>
-          </a:xfrm>
-          <a:prstGeom prst="rect">
-            <a:avLst/>
-          </a:prstGeom>
-        </p:spPr>
-        <p:txBody>
-          <a:bodyPr anchorCtr="0" anchor="t" bIns="91425" lIns="91425" spcFirstLastPara="1" rIns="91425" wrap="square" tIns="91425">
-            <a:normAutofit/>
-          </a:bodyPr>
-          <a:lstStyle/>
-          <a:p>
-            <a:pPr indent="0" lvl="0" marL="0" rtl="0" algn="l">
-              <a:spcBef>
-                <a:spcPts val="0"/>
-              </a:spcBef>
-              <a:spcAft>
-                <a:spcPts val="1200"/>
-              </a:spcAft>
-              <a:buNone/>
-            </a:pPr>
-            <a:r>
-              <a:t/>
-            </a:r>
-            <a:endParaRPr/>
-          </a:p>
-        </p:txBody>
-      </p:sp>
-      <p:pic>
-        <p:nvPicPr>
-          <p:cNvPr id="303" name="Google Shape;303;p46"/>
-          <p:cNvPicPr preferRelativeResize="0"/>
-          <p:nvPr/>
-        </p:nvPicPr>
-        <p:blipFill>
-          <a:blip r:embed="rId3">
-            <a:alphaModFix/>
-          </a:blip>
-          <a:stretch>
-            <a:fillRect/>
-          </a:stretch>
-        </p:blipFill>
-        <p:spPr>
-          <a:xfrm>
-            <a:off x="1514023" y="1152475"/>
-            <a:ext cx="6115964" cy="3991025"/>
           </a:xfrm>
           <a:prstGeom prst="rect">
             <a:avLst/>
@@ -13255,7 +9629,7 @@
             </a:pPr>
             <a:r>
               <a:rPr lang="en"/>
-              <a:t>Data science model is an important, but small piece of the whole pipeline. Familiarity with different parts of the pipeline helps one become more full stack data scientist.</a:t>
+              <a:t>Data science model is an important, but a small piece of the whole pipeline. Familiarity with different parts of the pipeline helps one understand practical constraints (model size, prediction latency, scaling, etc) and become a more full stack data scientist.</a:t>
             </a:r>
             <a:endParaRPr/>
           </a:p>
@@ -13287,7 +9661,7 @@
             </a:pPr>
             <a:r>
               <a:rPr lang="en"/>
-              <a:t>It is fun! </a:t>
+              <a:t>It is fun to be able to deploy models that others can use!</a:t>
             </a:r>
             <a:endParaRPr/>
           </a:p>
@@ -13302,7 +9676,7 @@
         <p:spPr>
           <a:xfrm>
             <a:off x="531600" y="4290675"/>
-            <a:ext cx="8612400" cy="708000"/>
+            <a:ext cx="8612400" cy="969600"/>
           </a:xfrm>
           <a:prstGeom prst="rect">
             <a:avLst/>
@@ -13333,7 +9707,7 @@
                   <a:srgbClr val="FF0000"/>
                 </a:solidFill>
               </a:rPr>
-              <a:t>Because of time constraints, I will give an overview of the steps. To get the most out of it, follow the instructions in this slide deck and let me know if you face issues!</a:t>
+              <a:t>Because of time constraints, I will give an overview of the steps. To get the most out of it, follow the instructions in this slide deck to deploy yourself and let me know if you face issues!</a:t>
             </a:r>
             <a:endParaRPr sz="1700">
               <a:solidFill>
@@ -13533,7 +9907,7 @@
         <p:spPr>
           <a:xfrm>
             <a:off x="1162950" y="3490900"/>
-            <a:ext cx="1907100" cy="692700"/>
+            <a:ext cx="1907100" cy="861900"/>
           </a:xfrm>
           <a:prstGeom prst="rect">
             <a:avLst/>
@@ -13560,7 +9934,7 @@
             </a:pPr>
             <a:r>
               <a:rPr lang="en" sz="1100"/>
-              <a:t>S3 (general file storage - for webpage stores index.html, CSS)</a:t>
+              <a:t>S3 (general file storage, static web hosting - for webpage it stores index.html, CSS)</a:t>
             </a:r>
             <a:endParaRPr sz="1100"/>
           </a:p>
@@ -14382,7 +10756,7 @@
         <p:spPr>
           <a:xfrm>
             <a:off x="3218125" y="3608625"/>
-            <a:ext cx="1414800" cy="692700"/>
+            <a:ext cx="1584900" cy="861900"/>
           </a:xfrm>
           <a:prstGeom prst="rect">
             <a:avLst/>
@@ -14413,7 +10787,7 @@
             </a:r>
             <a:r>
               <a:rPr lang="en" sz="1100"/>
-              <a:t> - Routes, logs API requests/responses</a:t>
+              <a:t> - Check permissions, routing, logging API requests/responses</a:t>
             </a:r>
             <a:endParaRPr sz="1100"/>
           </a:p>
@@ -15189,51 +11563,9 @@
           </a:p>
         </p:txBody>
       </p:sp>
-      <p:sp>
-        <p:nvSpPr>
-          <p:cNvPr id="135" name="Google Shape;135;p21"/>
-          <p:cNvSpPr txBox="1"/>
-          <p:nvPr/>
-        </p:nvSpPr>
-        <p:spPr>
-          <a:xfrm>
-            <a:off x="3561900" y="4385925"/>
-            <a:ext cx="5369400" cy="615600"/>
-          </a:xfrm>
-          <a:prstGeom prst="rect">
-            <a:avLst/>
-          </a:prstGeom>
-          <a:noFill/>
-          <a:ln>
-            <a:noFill/>
-          </a:ln>
-        </p:spPr>
-        <p:txBody>
-          <a:bodyPr anchorCtr="0" anchor="t" bIns="91425" lIns="91425" spcFirstLastPara="1" rIns="91425" wrap="square" tIns="91425">
-            <a:spAutoFit/>
-          </a:bodyPr>
-          <a:lstStyle/>
-          <a:p>
-            <a:pPr indent="0" lvl="0" marL="0" rtl="0" algn="l">
-              <a:spcBef>
-                <a:spcPts val="0"/>
-              </a:spcBef>
-              <a:spcAft>
-                <a:spcPts val="0"/>
-              </a:spcAft>
-              <a:buNone/>
-            </a:pPr>
-            <a:r>
-              <a:rPr lang="en"/>
-              <a:t>https://docs.aws.amazon.com/serverless-application-model/latest/developerguide/using-sam-cli-init.html</a:t>
-            </a:r>
-            <a:endParaRPr/>
-          </a:p>
-        </p:txBody>
-      </p:sp>
       <p:pic>
         <p:nvPicPr>
-          <p:cNvPr id="136" name="Google Shape;136;p21"/>
+          <p:cNvPr id="135" name="Google Shape;135;p21"/>
           <p:cNvPicPr preferRelativeResize="0"/>
           <p:nvPr/>
         </p:nvPicPr>
@@ -15268,6 +11600,285 @@
 </file>
 
 <file path=ppt/theme/theme1.xml><?xml version="1.0" encoding="utf-8"?>
+<a:theme xmlns:a="http://schemas.openxmlformats.org/drawingml/2006/main" xmlns:r="http://schemas.openxmlformats.org/officeDocument/2006/relationships">
+  <a:themeElements>
+    <a:clrScheme name="Default">
+      <a:dk1>
+        <a:srgbClr val="000000"/>
+      </a:dk1>
+      <a:lt1>
+        <a:srgbClr val="FFFFFF"/>
+      </a:lt1>
+      <a:dk2>
+        <a:srgbClr val="158158"/>
+      </a:dk2>
+      <a:lt2>
+        <a:srgbClr val="F3F3F3"/>
+      </a:lt2>
+      <a:accent1>
+        <a:srgbClr val="058DC7"/>
+      </a:accent1>
+      <a:accent2>
+        <a:srgbClr val="50B432"/>
+      </a:accent2>
+      <a:accent3>
+        <a:srgbClr val="ED561B"/>
+      </a:accent3>
+      <a:accent4>
+        <a:srgbClr val="EDEF00"/>
+      </a:accent4>
+      <a:accent5>
+        <a:srgbClr val="24CBE5"/>
+      </a:accent5>
+      <a:accent6>
+        <a:srgbClr val="64E572"/>
+      </a:accent6>
+      <a:hlink>
+        <a:srgbClr val="2200CC"/>
+      </a:hlink>
+      <a:folHlink>
+        <a:srgbClr val="551A8B"/>
+      </a:folHlink>
+    </a:clrScheme>
+    <a:fontScheme name="Office">
+      <a:majorFont>
+        <a:latin typeface="Arial"/>
+        <a:ea typeface=""/>
+        <a:cs typeface=""/>
+        <a:font script="Jpan" typeface="ＭＳ Ｐゴシック"/>
+        <a:font script="Hang" typeface="맑은 고딕"/>
+        <a:font script="Hans" typeface="宋体"/>
+        <a:font script="Hant" typeface="新細明體"/>
+        <a:font script="Arab" typeface="Times New Roman"/>
+        <a:font script="Hebr" typeface="Times New Roman"/>
+        <a:font script="Thai" typeface="Angsana New"/>
+        <a:font script="Ethi" typeface="Nyala"/>
+        <a:font script="Beng" typeface="Vrinda"/>
+        <a:font script="Gujr" typeface="Shruti"/>
+        <a:font script="Khmr" typeface="MoolBoran"/>
+        <a:font script="Knda" typeface="Tunga"/>
+        <a:font script="Guru" typeface="Raavi"/>
+        <a:font script="Cans" typeface="Euphemia"/>
+        <a:font script="Cher" typeface="Plantagenet Cherokee"/>
+        <a:font script="Yiii" typeface="Microsoft Yi Baiti"/>
+        <a:font script="Tibt" typeface="Microsoft Himalaya"/>
+        <a:font script="Thaa" typeface="MV Boli"/>
+        <a:font script="Deva" typeface="Mangal"/>
+        <a:font script="Telu" typeface="Gautami"/>
+        <a:font script="Taml" typeface="Latha"/>
+        <a:font script="Syrc" typeface="Estrangelo Edessa"/>
+        <a:font script="Orya" typeface="Kalinga"/>
+        <a:font script="Mlym" typeface="Kartika"/>
+        <a:font script="Laoo" typeface="DokChampa"/>
+        <a:font script="Sinh" typeface="Iskoola Pota"/>
+        <a:font script="Mong" typeface="Mongolian Baiti"/>
+        <a:font script="Viet" typeface="Times New Roman"/>
+        <a:font script="Uigh" typeface="Microsoft Uighur"/>
+        <a:font script="Geor" typeface="Sylfaen"/>
+      </a:majorFont>
+      <a:minorFont>
+        <a:latin typeface="Arial"/>
+        <a:ea typeface=""/>
+        <a:cs typeface=""/>
+        <a:font script="Jpan" typeface="ＭＳ Ｐゴシック"/>
+        <a:font script="Hang" typeface="맑은 고딕"/>
+        <a:font script="Hans" typeface="宋体"/>
+        <a:font script="Hant" typeface="新細明體"/>
+        <a:font script="Arab" typeface="Arial"/>
+        <a:font script="Hebr" typeface="Arial"/>
+        <a:font script="Thai" typeface="Cordia New"/>
+        <a:font script="Ethi" typeface="Nyala"/>
+        <a:font script="Beng" typeface="Vrinda"/>
+        <a:font script="Gujr" typeface="Shruti"/>
+        <a:font script="Khmr" typeface="DaunPenh"/>
+        <a:font script="Knda" typeface="Tunga"/>
+        <a:font script="Guru" typeface="Raavi"/>
+        <a:font script="Cans" typeface="Euphemia"/>
+        <a:font script="Cher" typeface="Plantagenet Cherokee"/>
+        <a:font script="Yiii" typeface="Microsoft Yi Baiti"/>
+        <a:font script="Tibt" typeface="Microsoft Himalaya"/>
+        <a:font script="Thaa" typeface="MV Boli"/>
+        <a:font script="Deva" typeface="Mangal"/>
+        <a:font script="Telu" typeface="Gautami"/>
+        <a:font script="Taml" typeface="Latha"/>
+        <a:font script="Syrc" typeface="Estrangelo Edessa"/>
+        <a:font script="Orya" typeface="Kalinga"/>
+        <a:font script="Mlym" typeface="Kartika"/>
+        <a:font script="Laoo" typeface="DokChampa"/>
+        <a:font script="Sinh" typeface="Iskoola Pota"/>
+        <a:font script="Mong" typeface="Mongolian Baiti"/>
+        <a:font script="Viet" typeface="Arial"/>
+        <a:font script="Uigh" typeface="Microsoft Uighur"/>
+        <a:font script="Geor" typeface="Sylfaen"/>
+      </a:minorFont>
+    </a:fontScheme>
+    <a:fmtScheme name="Office">
+      <a:fillStyleLst>
+        <a:solidFill>
+          <a:schemeClr val="phClr"/>
+        </a:solidFill>
+        <a:gradFill rotWithShape="1">
+          <a:gsLst>
+            <a:gs pos="0">
+              <a:schemeClr val="phClr">
+                <a:tint val="50000"/>
+                <a:satMod val="300000"/>
+              </a:schemeClr>
+            </a:gs>
+            <a:gs pos="35000">
+              <a:schemeClr val="phClr">
+                <a:tint val="37000"/>
+                <a:satMod val="300000"/>
+              </a:schemeClr>
+            </a:gs>
+            <a:gs pos="100000">
+              <a:schemeClr val="phClr">
+                <a:tint val="15000"/>
+                <a:satMod val="350000"/>
+              </a:schemeClr>
+            </a:gs>
+          </a:gsLst>
+          <a:lin ang="16200000" scaled="1"/>
+        </a:gradFill>
+        <a:gradFill rotWithShape="1">
+          <a:gsLst>
+            <a:gs pos="0">
+              <a:schemeClr val="phClr">
+                <a:tint val="100000"/>
+                <a:shade val="100000"/>
+                <a:satMod val="130000"/>
+              </a:schemeClr>
+            </a:gs>
+            <a:gs pos="100000">
+              <a:schemeClr val="phClr">
+                <a:tint val="50000"/>
+                <a:shade val="100000"/>
+                <a:satMod val="350000"/>
+              </a:schemeClr>
+            </a:gs>
+          </a:gsLst>
+          <a:lin ang="16200000" scaled="0"/>
+        </a:gradFill>
+      </a:fillStyleLst>
+      <a:lnStyleLst>
+        <a:ln w="9525" cap="flat" cmpd="sng" algn="ctr">
+          <a:solidFill>
+            <a:schemeClr val="phClr">
+              <a:shade val="95000"/>
+              <a:satMod val="105000"/>
+            </a:schemeClr>
+          </a:solidFill>
+          <a:prstDash val="solid"/>
+        </a:ln>
+        <a:ln w="25400" cap="flat" cmpd="sng" algn="ctr">
+          <a:solidFill>
+            <a:schemeClr val="phClr"/>
+          </a:solidFill>
+          <a:prstDash val="solid"/>
+        </a:ln>
+        <a:ln w="38100" cap="flat" cmpd="sng" algn="ctr">
+          <a:solidFill>
+            <a:schemeClr val="phClr"/>
+          </a:solidFill>
+          <a:prstDash val="solid"/>
+        </a:ln>
+      </a:lnStyleLst>
+      <a:effectStyleLst>
+        <a:effectStyle>
+          <a:effectLst>
+            <a:outerShdw blurRad="40000" dist="20000" dir="5400000" rotWithShape="0">
+              <a:srgbClr val="000000">
+                <a:alpha val="38000"/>
+              </a:srgbClr>
+            </a:outerShdw>
+          </a:effectLst>
+        </a:effectStyle>
+        <a:effectStyle>
+          <a:effectLst>
+            <a:outerShdw blurRad="40000" dist="23000" dir="5400000" rotWithShape="0">
+              <a:srgbClr val="000000">
+                <a:alpha val="35000"/>
+              </a:srgbClr>
+            </a:outerShdw>
+          </a:effectLst>
+        </a:effectStyle>
+        <a:effectStyle>
+          <a:effectLst>
+            <a:outerShdw blurRad="40000" dist="23000" dir="5400000" rotWithShape="0">
+              <a:srgbClr val="000000">
+                <a:alpha val="35000"/>
+              </a:srgbClr>
+            </a:outerShdw>
+          </a:effectLst>
+          <a:scene3d>
+            <a:camera prst="orthographicFront">
+              <a:rot lat="0" lon="0" rev="0"/>
+            </a:camera>
+            <a:lightRig rig="threePt" dir="t">
+              <a:rot lat="0" lon="0" rev="1200000"/>
+            </a:lightRig>
+          </a:scene3d>
+          <a:sp3d>
+            <a:bevelT w="63500" h="25400"/>
+          </a:sp3d>
+        </a:effectStyle>
+      </a:effectStyleLst>
+      <a:bgFillStyleLst>
+        <a:solidFill>
+          <a:schemeClr val="phClr"/>
+        </a:solidFill>
+        <a:gradFill rotWithShape="1">
+          <a:gsLst>
+            <a:gs pos="0">
+              <a:schemeClr val="phClr">
+                <a:tint val="40000"/>
+                <a:satMod val="350000"/>
+              </a:schemeClr>
+            </a:gs>
+            <a:gs pos="40000">
+              <a:schemeClr val="phClr">
+                <a:tint val="45000"/>
+                <a:shade val="99000"/>
+                <a:satMod val="350000"/>
+              </a:schemeClr>
+            </a:gs>
+            <a:gs pos="100000">
+              <a:schemeClr val="phClr">
+                <a:shade val="20000"/>
+                <a:satMod val="255000"/>
+              </a:schemeClr>
+            </a:gs>
+          </a:gsLst>
+          <a:path path="circle">
+            <a:fillToRect l="50000" t="-80000" r="50000" b="180000"/>
+          </a:path>
+        </a:gradFill>
+        <a:gradFill rotWithShape="1">
+          <a:gsLst>
+            <a:gs pos="0">
+              <a:schemeClr val="phClr">
+                <a:tint val="80000"/>
+                <a:satMod val="300000"/>
+              </a:schemeClr>
+            </a:gs>
+            <a:gs pos="100000">
+              <a:schemeClr val="phClr">
+                <a:shade val="30000"/>
+                <a:satMod val="200000"/>
+              </a:schemeClr>
+            </a:gs>
+          </a:gsLst>
+          <a:path path="circle">
+            <a:fillToRect l="50000" t="50000" r="50000" b="50000"/>
+          </a:path>
+        </a:gradFill>
+      </a:bgFillStyleLst>
+    </a:fmtScheme>
+  </a:themeElements>
+</a:theme>
+</file>
+
+<file path=ppt/theme/theme2.xml><?xml version="1.0" encoding="utf-8"?>
 <a:theme xmlns:a="http://schemas.openxmlformats.org/drawingml/2006/main" xmlns:r="http://schemas.openxmlformats.org/officeDocument/2006/relationships" name="Simple Light">
   <a:themeElements>
     <a:clrScheme name="Simple Light">
@@ -15544,283 +12155,4 @@
     </a:fmtScheme>
   </a:themeElements>
 </a:theme>
-</file>
-
-<file path=ppt/theme/theme2.xml><?xml version="1.0" encoding="utf-8"?>
-<a:theme xmlns:a="http://schemas.openxmlformats.org/drawingml/2006/main" xmlns:r="http://schemas.openxmlformats.org/officeDocument/2006/relationships">
-  <a:themeElements>
-    <a:clrScheme name="Default">
-      <a:dk1>
-        <a:srgbClr val="000000"/>
-      </a:dk1>
-      <a:lt1>
-        <a:srgbClr val="FFFFFF"/>
-      </a:lt1>
-      <a:dk2>
-        <a:srgbClr val="158158"/>
-      </a:dk2>
-      <a:lt2>
-        <a:srgbClr val="F3F3F3"/>
-      </a:lt2>
-      <a:accent1>
-        <a:srgbClr val="058DC7"/>
-      </a:accent1>
-      <a:accent2>
-        <a:srgbClr val="50B432"/>
-      </a:accent2>
-      <a:accent3>
-        <a:srgbClr val="ED561B"/>
-      </a:accent3>
-      <a:accent4>
-        <a:srgbClr val="EDEF00"/>
-      </a:accent4>
-      <a:accent5>
-        <a:srgbClr val="24CBE5"/>
-      </a:accent5>
-      <a:accent6>
-        <a:srgbClr val="64E572"/>
-      </a:accent6>
-      <a:hlink>
-        <a:srgbClr val="2200CC"/>
-      </a:hlink>
-      <a:folHlink>
-        <a:srgbClr val="551A8B"/>
-      </a:folHlink>
-    </a:clrScheme>
-    <a:fontScheme name="Office">
-      <a:majorFont>
-        <a:latin typeface="Arial"/>
-        <a:ea typeface=""/>
-        <a:cs typeface=""/>
-        <a:font script="Jpan" typeface="ＭＳ Ｐゴシック"/>
-        <a:font script="Hang" typeface="맑은 고딕"/>
-        <a:font script="Hans" typeface="宋体"/>
-        <a:font script="Hant" typeface="新細明體"/>
-        <a:font script="Arab" typeface="Times New Roman"/>
-        <a:font script="Hebr" typeface="Times New Roman"/>
-        <a:font script="Thai" typeface="Angsana New"/>
-        <a:font script="Ethi" typeface="Nyala"/>
-        <a:font script="Beng" typeface="Vrinda"/>
-        <a:font script="Gujr" typeface="Shruti"/>
-        <a:font script="Khmr" typeface="MoolBoran"/>
-        <a:font script="Knda" typeface="Tunga"/>
-        <a:font script="Guru" typeface="Raavi"/>
-        <a:font script="Cans" typeface="Euphemia"/>
-        <a:font script="Cher" typeface="Plantagenet Cherokee"/>
-        <a:font script="Yiii" typeface="Microsoft Yi Baiti"/>
-        <a:font script="Tibt" typeface="Microsoft Himalaya"/>
-        <a:font script="Thaa" typeface="MV Boli"/>
-        <a:font script="Deva" typeface="Mangal"/>
-        <a:font script="Telu" typeface="Gautami"/>
-        <a:font script="Taml" typeface="Latha"/>
-        <a:font script="Syrc" typeface="Estrangelo Edessa"/>
-        <a:font script="Orya" typeface="Kalinga"/>
-        <a:font script="Mlym" typeface="Kartika"/>
-        <a:font script="Laoo" typeface="DokChampa"/>
-        <a:font script="Sinh" typeface="Iskoola Pota"/>
-        <a:font script="Mong" typeface="Mongolian Baiti"/>
-        <a:font script="Viet" typeface="Times New Roman"/>
-        <a:font script="Uigh" typeface="Microsoft Uighur"/>
-        <a:font script="Geor" typeface="Sylfaen"/>
-      </a:majorFont>
-      <a:minorFont>
-        <a:latin typeface="Arial"/>
-        <a:ea typeface=""/>
-        <a:cs typeface=""/>
-        <a:font script="Jpan" typeface="ＭＳ Ｐゴシック"/>
-        <a:font script="Hang" typeface="맑은 고딕"/>
-        <a:font script="Hans" typeface="宋体"/>
-        <a:font script="Hant" typeface="新細明體"/>
-        <a:font script="Arab" typeface="Arial"/>
-        <a:font script="Hebr" typeface="Arial"/>
-        <a:font script="Thai" typeface="Cordia New"/>
-        <a:font script="Ethi" typeface="Nyala"/>
-        <a:font script="Beng" typeface="Vrinda"/>
-        <a:font script="Gujr" typeface="Shruti"/>
-        <a:font script="Khmr" typeface="DaunPenh"/>
-        <a:font script="Knda" typeface="Tunga"/>
-        <a:font script="Guru" typeface="Raavi"/>
-        <a:font script="Cans" typeface="Euphemia"/>
-        <a:font script="Cher" typeface="Plantagenet Cherokee"/>
-        <a:font script="Yiii" typeface="Microsoft Yi Baiti"/>
-        <a:font script="Tibt" typeface="Microsoft Himalaya"/>
-        <a:font script="Thaa" typeface="MV Boli"/>
-        <a:font script="Deva" typeface="Mangal"/>
-        <a:font script="Telu" typeface="Gautami"/>
-        <a:font script="Taml" typeface="Latha"/>
-        <a:font script="Syrc" typeface="Estrangelo Edessa"/>
-        <a:font script="Orya" typeface="Kalinga"/>
-        <a:font script="Mlym" typeface="Kartika"/>
-        <a:font script="Laoo" typeface="DokChampa"/>
-        <a:font script="Sinh" typeface="Iskoola Pota"/>
-        <a:font script="Mong" typeface="Mongolian Baiti"/>
-        <a:font script="Viet" typeface="Arial"/>
-        <a:font script="Uigh" typeface="Microsoft Uighur"/>
-        <a:font script="Geor" typeface="Sylfaen"/>
-      </a:minorFont>
-    </a:fontScheme>
-    <a:fmtScheme name="Office">
-      <a:fillStyleLst>
-        <a:solidFill>
-          <a:schemeClr val="phClr"/>
-        </a:solidFill>
-        <a:gradFill rotWithShape="1">
-          <a:gsLst>
-            <a:gs pos="0">
-              <a:schemeClr val="phClr">
-                <a:tint val="50000"/>
-                <a:satMod val="300000"/>
-              </a:schemeClr>
-            </a:gs>
-            <a:gs pos="35000">
-              <a:schemeClr val="phClr">
-                <a:tint val="37000"/>
-                <a:satMod val="300000"/>
-              </a:schemeClr>
-            </a:gs>
-            <a:gs pos="100000">
-              <a:schemeClr val="phClr">
-                <a:tint val="15000"/>
-                <a:satMod val="350000"/>
-              </a:schemeClr>
-            </a:gs>
-          </a:gsLst>
-          <a:lin ang="16200000" scaled="1"/>
-        </a:gradFill>
-        <a:gradFill rotWithShape="1">
-          <a:gsLst>
-            <a:gs pos="0">
-              <a:schemeClr val="phClr">
-                <a:tint val="100000"/>
-                <a:shade val="100000"/>
-                <a:satMod val="130000"/>
-              </a:schemeClr>
-            </a:gs>
-            <a:gs pos="100000">
-              <a:schemeClr val="phClr">
-                <a:tint val="50000"/>
-                <a:shade val="100000"/>
-                <a:satMod val="350000"/>
-              </a:schemeClr>
-            </a:gs>
-          </a:gsLst>
-          <a:lin ang="16200000" scaled="0"/>
-        </a:gradFill>
-      </a:fillStyleLst>
-      <a:lnStyleLst>
-        <a:ln w="9525" cap="flat" cmpd="sng" algn="ctr">
-          <a:solidFill>
-            <a:schemeClr val="phClr">
-              <a:shade val="95000"/>
-              <a:satMod val="105000"/>
-            </a:schemeClr>
-          </a:solidFill>
-          <a:prstDash val="solid"/>
-        </a:ln>
-        <a:ln w="25400" cap="flat" cmpd="sng" algn="ctr">
-          <a:solidFill>
-            <a:schemeClr val="phClr"/>
-          </a:solidFill>
-          <a:prstDash val="solid"/>
-        </a:ln>
-        <a:ln w="38100" cap="flat" cmpd="sng" algn="ctr">
-          <a:solidFill>
-            <a:schemeClr val="phClr"/>
-          </a:solidFill>
-          <a:prstDash val="solid"/>
-        </a:ln>
-      </a:lnStyleLst>
-      <a:effectStyleLst>
-        <a:effectStyle>
-          <a:effectLst>
-            <a:outerShdw blurRad="40000" dist="20000" dir="5400000" rotWithShape="0">
-              <a:srgbClr val="000000">
-                <a:alpha val="38000"/>
-              </a:srgbClr>
-            </a:outerShdw>
-          </a:effectLst>
-        </a:effectStyle>
-        <a:effectStyle>
-          <a:effectLst>
-            <a:outerShdw blurRad="40000" dist="23000" dir="5400000" rotWithShape="0">
-              <a:srgbClr val="000000">
-                <a:alpha val="35000"/>
-              </a:srgbClr>
-            </a:outerShdw>
-          </a:effectLst>
-        </a:effectStyle>
-        <a:effectStyle>
-          <a:effectLst>
-            <a:outerShdw blurRad="40000" dist="23000" dir="5400000" rotWithShape="0">
-              <a:srgbClr val="000000">
-                <a:alpha val="35000"/>
-              </a:srgbClr>
-            </a:outerShdw>
-          </a:effectLst>
-          <a:scene3d>
-            <a:camera prst="orthographicFront">
-              <a:rot lat="0" lon="0" rev="0"/>
-            </a:camera>
-            <a:lightRig rig="threePt" dir="t">
-              <a:rot lat="0" lon="0" rev="1200000"/>
-            </a:lightRig>
-          </a:scene3d>
-          <a:sp3d>
-            <a:bevelT w="63500" h="25400"/>
-          </a:sp3d>
-        </a:effectStyle>
-      </a:effectStyleLst>
-      <a:bgFillStyleLst>
-        <a:solidFill>
-          <a:schemeClr val="phClr"/>
-        </a:solidFill>
-        <a:gradFill rotWithShape="1">
-          <a:gsLst>
-            <a:gs pos="0">
-              <a:schemeClr val="phClr">
-                <a:tint val="40000"/>
-                <a:satMod val="350000"/>
-              </a:schemeClr>
-            </a:gs>
-            <a:gs pos="40000">
-              <a:schemeClr val="phClr">
-                <a:tint val="45000"/>
-                <a:shade val="99000"/>
-                <a:satMod val="350000"/>
-              </a:schemeClr>
-            </a:gs>
-            <a:gs pos="100000">
-              <a:schemeClr val="phClr">
-                <a:shade val="20000"/>
-                <a:satMod val="255000"/>
-              </a:schemeClr>
-            </a:gs>
-          </a:gsLst>
-          <a:path path="circle">
-            <a:fillToRect l="50000" t="-80000" r="50000" b="180000"/>
-          </a:path>
-        </a:gradFill>
-        <a:gradFill rotWithShape="1">
-          <a:gsLst>
-            <a:gs pos="0">
-              <a:schemeClr val="phClr">
-                <a:tint val="80000"/>
-                <a:satMod val="300000"/>
-              </a:schemeClr>
-            </a:gs>
-            <a:gs pos="100000">
-              <a:schemeClr val="phClr">
-                <a:shade val="30000"/>
-                <a:satMod val="200000"/>
-              </a:schemeClr>
-            </a:gs>
-          </a:gsLst>
-          <a:path path="circle">
-            <a:fillToRect l="50000" t="50000" r="50000" b="50000"/>
-          </a:path>
-        </a:gradFill>
-      </a:bgFillStyleLst>
-    </a:fmtScheme>
-  </a:themeElements>
-</a:theme>
 </file>